--- a/RNA Secondary structure prediction using Stochastic context free.pptx
+++ b/RNA Secondary structure prediction using Stochastic context free.pptx
@@ -5,7 +5,7 @@
     <p:sldMasterId id="2147483650" r:id="rId1"/>
   </p:sldMasterIdLst>
   <p:notesMasterIdLst>
-    <p:notesMasterId r:id="rId23"/>
+    <p:notesMasterId r:id="rId26"/>
   </p:notesMasterIdLst>
   <p:sldIdLst>
     <p:sldId id="278" r:id="rId2"/>
@@ -26,9 +26,12 @@
     <p:sldId id="302" r:id="rId17"/>
     <p:sldId id="304" r:id="rId18"/>
     <p:sldId id="292" r:id="rId19"/>
-    <p:sldId id="305" r:id="rId20"/>
-    <p:sldId id="306" r:id="rId21"/>
-    <p:sldId id="293" r:id="rId22"/>
+    <p:sldId id="307" r:id="rId20"/>
+    <p:sldId id="308" r:id="rId21"/>
+    <p:sldId id="305" r:id="rId22"/>
+    <p:sldId id="309" r:id="rId23"/>
+    <p:sldId id="306" r:id="rId24"/>
+    <p:sldId id="293" r:id="rId25"/>
   </p:sldIdLst>
   <p:sldSz cx="12192000" cy="6858000"/>
   <p:notesSz cx="13716000" cy="24384000"/>
@@ -275,7 +278,7 @@
 <file path=ppt/revisionInfo.xml><?xml version="1.0" encoding="utf-8"?>
 <p1510:revInfo xmlns:a="http://schemas.openxmlformats.org/drawingml/2006/main" xmlns:r="http://schemas.openxmlformats.org/officeDocument/2006/relationships" xmlns:p1510="http://schemas.microsoft.com/office/powerpoint/2015/10/main">
   <p1510:revLst>
-    <p1510:client id="{92F7C80D-83FE-4A49-9EA0-083096D204B6}" v="4742" dt="2023-04-05T04:25:40.529"/>
+    <p1510:client id="{92F7C80D-83FE-4A49-9EA0-083096D204B6}" v="5959" dt="2023-04-17T06:43:09.589"/>
   </p1510:revLst>
 </p1510:revInfo>
 </file>
@@ -285,7 +288,7 @@
   <pc:docChgLst>
     <pc:chgData name="Sudhanshu Bharadwaj" userId="599207c7-ca9f-4e47-b346-b0daf3f7ca37" providerId="ADAL" clId="{92F7C80D-83FE-4A49-9EA0-083096D204B6}"/>
     <pc:docChg chg="undo custSel addSld delSld modSld sldOrd">
-      <pc:chgData name="Sudhanshu Bharadwaj" userId="599207c7-ca9f-4e47-b346-b0daf3f7ca37" providerId="ADAL" clId="{92F7C80D-83FE-4A49-9EA0-083096D204B6}" dt="2023-04-05T04:38:13.740" v="10896" actId="1076"/>
+      <pc:chgData name="Sudhanshu Bharadwaj" userId="599207c7-ca9f-4e47-b346-b0daf3f7ca37" providerId="ADAL" clId="{92F7C80D-83FE-4A49-9EA0-083096D204B6}" dt="2023-04-17T06:43:16.847" v="13759" actId="14100"/>
       <pc:docMkLst>
         <pc:docMk/>
       </pc:docMkLst>
@@ -877,7 +880,7 @@
         </pc:sldMkLst>
       </pc:sldChg>
       <pc:sldChg chg="addSp delSp modSp mod modNotesTx">
-        <pc:chgData name="Sudhanshu Bharadwaj" userId="599207c7-ca9f-4e47-b346-b0daf3f7ca37" providerId="ADAL" clId="{92F7C80D-83FE-4A49-9EA0-083096D204B6}" dt="2023-04-05T04:25:57.924" v="10855" actId="20577"/>
+        <pc:chgData name="Sudhanshu Bharadwaj" userId="599207c7-ca9f-4e47-b346-b0daf3f7ca37" providerId="ADAL" clId="{92F7C80D-83FE-4A49-9EA0-083096D204B6}" dt="2023-04-17T05:52:30.788" v="11712" actId="20577"/>
         <pc:sldMkLst>
           <pc:docMk/>
           <pc:sldMk cId="94818171" sldId="292"/>
@@ -891,7 +894,7 @@
           </ac:spMkLst>
         </pc:spChg>
         <pc:spChg chg="mod">
-          <ac:chgData name="Sudhanshu Bharadwaj" userId="599207c7-ca9f-4e47-b346-b0daf3f7ca37" providerId="ADAL" clId="{92F7C80D-83FE-4A49-9EA0-083096D204B6}" dt="2023-04-05T04:25:57.924" v="10855" actId="20577"/>
+          <ac:chgData name="Sudhanshu Bharadwaj" userId="599207c7-ca9f-4e47-b346-b0daf3f7ca37" providerId="ADAL" clId="{92F7C80D-83FE-4A49-9EA0-083096D204B6}" dt="2023-04-17T05:45:21.069" v="11210" actId="120"/>
           <ac:spMkLst>
             <pc:docMk/>
             <pc:sldMk cId="94818171" sldId="292"/>
@@ -915,6 +918,14 @@
           </ac:spMkLst>
         </pc:spChg>
         <pc:picChg chg="add mod">
+          <ac:chgData name="Sudhanshu Bharadwaj" userId="599207c7-ca9f-4e47-b346-b0daf3f7ca37" providerId="ADAL" clId="{92F7C80D-83FE-4A49-9EA0-083096D204B6}" dt="2023-04-17T05:39:33.132" v="10902" actId="14100"/>
+          <ac:picMkLst>
+            <pc:docMk/>
+            <pc:sldMk cId="94818171" sldId="292"/>
+            <ac:picMk id="6" creationId="{921F97CF-40DD-3C6A-9161-CFF8DD787967}"/>
+          </ac:picMkLst>
+        </pc:picChg>
+        <pc:picChg chg="add mod">
           <ac:chgData name="Sudhanshu Bharadwaj" userId="599207c7-ca9f-4e47-b346-b0daf3f7ca37" providerId="ADAL" clId="{92F7C80D-83FE-4A49-9EA0-083096D204B6}" dt="2023-04-05T03:37:52.449" v="9527" actId="14100"/>
           <ac:picMkLst>
             <pc:docMk/>
@@ -924,13 +935,21 @@
         </pc:picChg>
       </pc:sldChg>
       <pc:sldChg chg="modSp mod">
-        <pc:chgData name="Sudhanshu Bharadwaj" userId="599207c7-ca9f-4e47-b346-b0daf3f7ca37" providerId="ADAL" clId="{92F7C80D-83FE-4A49-9EA0-083096D204B6}" dt="2023-04-05T03:46:36.771" v="9831" actId="12"/>
+        <pc:chgData name="Sudhanshu Bharadwaj" userId="599207c7-ca9f-4e47-b346-b0daf3f7ca37" providerId="ADAL" clId="{92F7C80D-83FE-4A49-9EA0-083096D204B6}" dt="2023-04-17T06:43:16.847" v="13759" actId="14100"/>
         <pc:sldMkLst>
           <pc:docMk/>
           <pc:sldMk cId="1003962426" sldId="293"/>
         </pc:sldMkLst>
         <pc:spChg chg="mod">
-          <ac:chgData name="Sudhanshu Bharadwaj" userId="599207c7-ca9f-4e47-b346-b0daf3f7ca37" providerId="ADAL" clId="{92F7C80D-83FE-4A49-9EA0-083096D204B6}" dt="2023-04-05T03:46:36.771" v="9831" actId="12"/>
+          <ac:chgData name="Sudhanshu Bharadwaj" userId="599207c7-ca9f-4e47-b346-b0daf3f7ca37" providerId="ADAL" clId="{92F7C80D-83FE-4A49-9EA0-083096D204B6}" dt="2023-04-17T06:43:01.347" v="13753" actId="1076"/>
+          <ac:spMkLst>
+            <pc:docMk/>
+            <pc:sldMk cId="1003962426" sldId="293"/>
+            <ac:spMk id="2" creationId="{800AB426-5B7C-607E-D413-5D2C9495CC0A}"/>
+          </ac:spMkLst>
+        </pc:spChg>
+        <pc:spChg chg="mod">
+          <ac:chgData name="Sudhanshu Bharadwaj" userId="599207c7-ca9f-4e47-b346-b0daf3f7ca37" providerId="ADAL" clId="{92F7C80D-83FE-4A49-9EA0-083096D204B6}" dt="2023-04-17T06:43:16.847" v="13759" actId="14100"/>
           <ac:spMkLst>
             <pc:docMk/>
             <pc:sldMk cId="1003962426" sldId="293"/>
@@ -993,13 +1012,13 @@
         </pc:picChg>
       </pc:sldChg>
       <pc:sldChg chg="addSp delSp modSp add mod">
-        <pc:chgData name="Sudhanshu Bharadwaj" userId="599207c7-ca9f-4e47-b346-b0daf3f7ca37" providerId="ADAL" clId="{92F7C80D-83FE-4A49-9EA0-083096D204B6}" dt="2023-04-05T00:45:23.071" v="8685" actId="20577"/>
+        <pc:chgData name="Sudhanshu Bharadwaj" userId="599207c7-ca9f-4e47-b346-b0daf3f7ca37" providerId="ADAL" clId="{92F7C80D-83FE-4A49-9EA0-083096D204B6}" dt="2023-04-17T05:38:23.455" v="10897" actId="113"/>
         <pc:sldMkLst>
           <pc:docMk/>
           <pc:sldMk cId="4249329160" sldId="296"/>
         </pc:sldMkLst>
         <pc:spChg chg="mod">
-          <ac:chgData name="Sudhanshu Bharadwaj" userId="599207c7-ca9f-4e47-b346-b0daf3f7ca37" providerId="ADAL" clId="{92F7C80D-83FE-4A49-9EA0-083096D204B6}" dt="2023-04-05T00:45:23.071" v="8685" actId="20577"/>
+          <ac:chgData name="Sudhanshu Bharadwaj" userId="599207c7-ca9f-4e47-b346-b0daf3f7ca37" providerId="ADAL" clId="{92F7C80D-83FE-4A49-9EA0-083096D204B6}" dt="2023-04-17T05:38:23.455" v="10897" actId="113"/>
           <ac:spMkLst>
             <pc:docMk/>
             <pc:sldMk cId="4249329160" sldId="296"/>
@@ -1829,14 +1848,14 @@
           </ac:spMkLst>
         </pc:spChg>
       </pc:sldChg>
-      <pc:sldChg chg="delSp modSp new mod">
-        <pc:chgData name="Sudhanshu Bharadwaj" userId="599207c7-ca9f-4e47-b346-b0daf3f7ca37" providerId="ADAL" clId="{92F7C80D-83FE-4A49-9EA0-083096D204B6}" dt="2023-04-05T04:01:27.660" v="10827" actId="313"/>
+      <pc:sldChg chg="addSp delSp modSp new mod">
+        <pc:chgData name="Sudhanshu Bharadwaj" userId="599207c7-ca9f-4e47-b346-b0daf3f7ca37" providerId="ADAL" clId="{92F7C80D-83FE-4A49-9EA0-083096D204B6}" dt="2023-04-17T06:33:33.438" v="13155" actId="1076"/>
         <pc:sldMkLst>
           <pc:docMk/>
           <pc:sldMk cId="3069527440" sldId="305"/>
         </pc:sldMkLst>
         <pc:spChg chg="mod">
-          <ac:chgData name="Sudhanshu Bharadwaj" userId="599207c7-ca9f-4e47-b346-b0daf3f7ca37" providerId="ADAL" clId="{92F7C80D-83FE-4A49-9EA0-083096D204B6}" dt="2023-04-05T04:01:27.660" v="10827" actId="313"/>
+          <ac:chgData name="Sudhanshu Bharadwaj" userId="599207c7-ca9f-4e47-b346-b0daf3f7ca37" providerId="ADAL" clId="{92F7C80D-83FE-4A49-9EA0-083096D204B6}" dt="2023-04-17T06:28:53.406" v="12846" actId="14100"/>
           <ac:spMkLst>
             <pc:docMk/>
             <pc:sldMk cId="3069527440" sldId="305"/>
@@ -1844,7 +1863,7 @@
           </ac:spMkLst>
         </pc:spChg>
         <pc:spChg chg="mod">
-          <ac:chgData name="Sudhanshu Bharadwaj" userId="599207c7-ca9f-4e47-b346-b0daf3f7ca37" providerId="ADAL" clId="{92F7C80D-83FE-4A49-9EA0-083096D204B6}" dt="2023-04-05T04:00:07.807" v="10773" actId="313"/>
+          <ac:chgData name="Sudhanshu Bharadwaj" userId="599207c7-ca9f-4e47-b346-b0daf3f7ca37" providerId="ADAL" clId="{92F7C80D-83FE-4A49-9EA0-083096D204B6}" dt="2023-04-17T06:33:28.626" v="13153" actId="14100"/>
           <ac:spMkLst>
             <pc:docMk/>
             <pc:sldMk cId="3069527440" sldId="305"/>
@@ -1859,9 +1878,33 @@
             <ac:spMk id="4" creationId="{00A6FE94-B879-EBA7-16B9-C410BB225DE8}"/>
           </ac:spMkLst>
         </pc:spChg>
+        <pc:spChg chg="add mod">
+          <ac:chgData name="Sudhanshu Bharadwaj" userId="599207c7-ca9f-4e47-b346-b0daf3f7ca37" providerId="ADAL" clId="{92F7C80D-83FE-4A49-9EA0-083096D204B6}" dt="2023-04-17T06:33:30.619" v="13154" actId="1076"/>
+          <ac:spMkLst>
+            <pc:docMk/>
+            <pc:sldMk cId="3069527440" sldId="305"/>
+            <ac:spMk id="7" creationId="{F8B5FD3A-6A09-0EF4-7732-892B0D606C87}"/>
+          </ac:spMkLst>
+        </pc:spChg>
+        <pc:picChg chg="add mod">
+          <ac:chgData name="Sudhanshu Bharadwaj" userId="599207c7-ca9f-4e47-b346-b0daf3f7ca37" providerId="ADAL" clId="{92F7C80D-83FE-4A49-9EA0-083096D204B6}" dt="2023-04-17T06:33:33.438" v="13155" actId="1076"/>
+          <ac:picMkLst>
+            <pc:docMk/>
+            <pc:sldMk cId="3069527440" sldId="305"/>
+            <ac:picMk id="4" creationId="{2654C7B1-D882-8A60-4B00-44111D56A219}"/>
+          </ac:picMkLst>
+        </pc:picChg>
+        <pc:picChg chg="add del mod">
+          <ac:chgData name="Sudhanshu Bharadwaj" userId="599207c7-ca9f-4e47-b346-b0daf3f7ca37" providerId="ADAL" clId="{92F7C80D-83FE-4A49-9EA0-083096D204B6}" dt="2023-04-17T06:28:29.429" v="12842" actId="21"/>
+          <ac:picMkLst>
+            <pc:docMk/>
+            <pc:sldMk cId="3069527440" sldId="305"/>
+            <ac:picMk id="1026" creationId="{A806355D-C26A-8BB4-75A7-6163569AB529}"/>
+          </ac:picMkLst>
+        </pc:picChg>
       </pc:sldChg>
       <pc:sldChg chg="addSp delSp modSp new mod">
-        <pc:chgData name="Sudhanshu Bharadwaj" userId="599207c7-ca9f-4e47-b346-b0daf3f7ca37" providerId="ADAL" clId="{92F7C80D-83FE-4A49-9EA0-083096D204B6}" dt="2023-04-05T04:36:11.058" v="10893" actId="14100"/>
+        <pc:chgData name="Sudhanshu Bharadwaj" userId="599207c7-ca9f-4e47-b346-b0daf3f7ca37" providerId="ADAL" clId="{92F7C80D-83FE-4A49-9EA0-083096D204B6}" dt="2023-04-17T06:41:03.596" v="13739" actId="403"/>
         <pc:sldMkLst>
           <pc:docMk/>
           <pc:sldMk cId="3813709569" sldId="306"/>
@@ -1875,7 +1918,7 @@
           </ac:spMkLst>
         </pc:spChg>
         <pc:spChg chg="mod">
-          <ac:chgData name="Sudhanshu Bharadwaj" userId="599207c7-ca9f-4e47-b346-b0daf3f7ca37" providerId="ADAL" clId="{92F7C80D-83FE-4A49-9EA0-083096D204B6}" dt="2023-04-05T04:35:59.812" v="10891" actId="20577"/>
+          <ac:chgData name="Sudhanshu Bharadwaj" userId="599207c7-ca9f-4e47-b346-b0daf3f7ca37" providerId="ADAL" clId="{92F7C80D-83FE-4A49-9EA0-083096D204B6}" dt="2023-04-17T06:41:03.596" v="13739" actId="403"/>
           <ac:spMkLst>
             <pc:docMk/>
             <pc:sldMk cId="3813709569" sldId="306"/>
@@ -1891,11 +1934,152 @@
           </ac:spMkLst>
         </pc:spChg>
         <pc:picChg chg="add mod">
-          <ac:chgData name="Sudhanshu Bharadwaj" userId="599207c7-ca9f-4e47-b346-b0daf3f7ca37" providerId="ADAL" clId="{92F7C80D-83FE-4A49-9EA0-083096D204B6}" dt="2023-04-05T04:36:11.058" v="10893" actId="14100"/>
+          <ac:chgData name="Sudhanshu Bharadwaj" userId="599207c7-ca9f-4e47-b346-b0daf3f7ca37" providerId="ADAL" clId="{92F7C80D-83FE-4A49-9EA0-083096D204B6}" dt="2023-04-17T06:40:55.131" v="13735" actId="1076"/>
+          <ac:picMkLst>
+            <pc:docMk/>
+            <pc:sldMk cId="3813709569" sldId="306"/>
+            <ac:picMk id="6" creationId="{23A702E6-BC01-9F6A-B7EB-78DF59F6BDCB}"/>
+          </ac:picMkLst>
+        </pc:picChg>
+        <pc:picChg chg="add mod">
+          <ac:chgData name="Sudhanshu Bharadwaj" userId="599207c7-ca9f-4e47-b346-b0daf3f7ca37" providerId="ADAL" clId="{92F7C80D-83FE-4A49-9EA0-083096D204B6}" dt="2023-04-17T06:40:49.639" v="13732" actId="1076"/>
           <ac:picMkLst>
             <pc:docMk/>
             <pc:sldMk cId="3813709569" sldId="306"/>
             <ac:picMk id="7" creationId="{80BCF3C8-AA12-12F4-E270-A111859D451E}"/>
+          </ac:picMkLst>
+        </pc:picChg>
+      </pc:sldChg>
+      <pc:sldChg chg="modSp add mod modNotesTx">
+        <pc:chgData name="Sudhanshu Bharadwaj" userId="599207c7-ca9f-4e47-b346-b0daf3f7ca37" providerId="ADAL" clId="{92F7C80D-83FE-4A49-9EA0-083096D204B6}" dt="2023-04-17T06:00:54.551" v="12378" actId="255"/>
+        <pc:sldMkLst>
+          <pc:docMk/>
+          <pc:sldMk cId="684674332" sldId="307"/>
+        </pc:sldMkLst>
+        <pc:spChg chg="mod">
+          <ac:chgData name="Sudhanshu Bharadwaj" userId="599207c7-ca9f-4e47-b346-b0daf3f7ca37" providerId="ADAL" clId="{92F7C80D-83FE-4A49-9EA0-083096D204B6}" dt="2023-04-17T06:00:54.551" v="12378" actId="255"/>
+          <ac:spMkLst>
+            <pc:docMk/>
+            <pc:sldMk cId="684674332" sldId="307"/>
+            <ac:spMk id="3" creationId="{2BE8FDE3-DBA4-6A04-C75D-E56FE92EF368}"/>
+          </ac:spMkLst>
+        </pc:spChg>
+        <pc:picChg chg="mod">
+          <ac:chgData name="Sudhanshu Bharadwaj" userId="599207c7-ca9f-4e47-b346-b0daf3f7ca37" providerId="ADAL" clId="{92F7C80D-83FE-4A49-9EA0-083096D204B6}" dt="2023-04-17T05:44:33.280" v="11199" actId="1076"/>
+          <ac:picMkLst>
+            <pc:docMk/>
+            <pc:sldMk cId="684674332" sldId="307"/>
+            <ac:picMk id="6" creationId="{921F97CF-40DD-3C6A-9161-CFF8DD787967}"/>
+          </ac:picMkLst>
+        </pc:picChg>
+      </pc:sldChg>
+      <pc:sldChg chg="addSp delSp modSp add mod setBg modNotesTx">
+        <pc:chgData name="Sudhanshu Bharadwaj" userId="599207c7-ca9f-4e47-b346-b0daf3f7ca37" providerId="ADAL" clId="{92F7C80D-83FE-4A49-9EA0-083096D204B6}" dt="2023-04-17T06:10:21.915" v="12618" actId="208"/>
+        <pc:sldMkLst>
+          <pc:docMk/>
+          <pc:sldMk cId="1956284492" sldId="308"/>
+        </pc:sldMkLst>
+        <pc:spChg chg="mod">
+          <ac:chgData name="Sudhanshu Bharadwaj" userId="599207c7-ca9f-4e47-b346-b0daf3f7ca37" providerId="ADAL" clId="{92F7C80D-83FE-4A49-9EA0-083096D204B6}" dt="2023-04-17T06:01:03.590" v="12379" actId="113"/>
+          <ac:spMkLst>
+            <pc:docMk/>
+            <pc:sldMk cId="1956284492" sldId="308"/>
+            <ac:spMk id="3" creationId="{2BE8FDE3-DBA4-6A04-C75D-E56FE92EF368}"/>
+          </ac:spMkLst>
+        </pc:spChg>
+        <pc:picChg chg="del">
+          <ac:chgData name="Sudhanshu Bharadwaj" userId="599207c7-ca9f-4e47-b346-b0daf3f7ca37" providerId="ADAL" clId="{92F7C80D-83FE-4A49-9EA0-083096D204B6}" dt="2023-04-17T06:01:32.970" v="12380" actId="478"/>
+          <ac:picMkLst>
+            <pc:docMk/>
+            <pc:sldMk cId="1956284492" sldId="308"/>
+            <ac:picMk id="6" creationId="{921F97CF-40DD-3C6A-9161-CFF8DD787967}"/>
+          </ac:picMkLst>
+        </pc:picChg>
+        <pc:picChg chg="del">
+          <ac:chgData name="Sudhanshu Bharadwaj" userId="599207c7-ca9f-4e47-b346-b0daf3f7ca37" providerId="ADAL" clId="{92F7C80D-83FE-4A49-9EA0-083096D204B6}" dt="2023-04-17T06:03:35.155" v="12414" actId="478"/>
+          <ac:picMkLst>
+            <pc:docMk/>
+            <pc:sldMk cId="1956284492" sldId="308"/>
+            <ac:picMk id="7" creationId="{62B2FD70-1FBC-A05E-AE66-634DB6F09DCD}"/>
+          </ac:picMkLst>
+        </pc:picChg>
+        <pc:picChg chg="add mod">
+          <ac:chgData name="Sudhanshu Bharadwaj" userId="599207c7-ca9f-4e47-b346-b0daf3f7ca37" providerId="ADAL" clId="{92F7C80D-83FE-4A49-9EA0-083096D204B6}" dt="2023-04-17T06:10:09.230" v="12617" actId="1036"/>
+          <ac:picMkLst>
+            <pc:docMk/>
+            <pc:sldMk cId="1956284492" sldId="308"/>
+            <ac:picMk id="8" creationId="{9C9EC88F-EF46-D293-F3F5-38086459E529}"/>
+          </ac:picMkLst>
+        </pc:picChg>
+        <pc:picChg chg="add mod">
+          <ac:chgData name="Sudhanshu Bharadwaj" userId="599207c7-ca9f-4e47-b346-b0daf3f7ca37" providerId="ADAL" clId="{92F7C80D-83FE-4A49-9EA0-083096D204B6}" dt="2023-04-17T06:09:41.736" v="12579" actId="1035"/>
+          <ac:picMkLst>
+            <pc:docMk/>
+            <pc:sldMk cId="1956284492" sldId="308"/>
+            <ac:picMk id="10" creationId="{EFE1A328-0F84-8A31-A6D3-6D579095D5EB}"/>
+          </ac:picMkLst>
+        </pc:picChg>
+        <pc:picChg chg="add mod">
+          <ac:chgData name="Sudhanshu Bharadwaj" userId="599207c7-ca9f-4e47-b346-b0daf3f7ca37" providerId="ADAL" clId="{92F7C80D-83FE-4A49-9EA0-083096D204B6}" dt="2023-04-17T06:10:21.915" v="12618" actId="208"/>
+          <ac:picMkLst>
+            <pc:docMk/>
+            <pc:sldMk cId="1956284492" sldId="308"/>
+            <ac:picMk id="12" creationId="{38C84D36-60D9-B7AA-5D64-4E7E48A39D73}"/>
+          </ac:picMkLst>
+        </pc:picChg>
+      </pc:sldChg>
+      <pc:sldChg chg="addSp delSp modSp add mod">
+        <pc:chgData name="Sudhanshu Bharadwaj" userId="599207c7-ca9f-4e47-b346-b0daf3f7ca37" providerId="ADAL" clId="{92F7C80D-83FE-4A49-9EA0-083096D204B6}" dt="2023-04-17T06:39:11.095" v="13723" actId="113"/>
+        <pc:sldMkLst>
+          <pc:docMk/>
+          <pc:sldMk cId="460212330" sldId="309"/>
+        </pc:sldMkLst>
+        <pc:spChg chg="mod">
+          <ac:chgData name="Sudhanshu Bharadwaj" userId="599207c7-ca9f-4e47-b346-b0daf3f7ca37" providerId="ADAL" clId="{92F7C80D-83FE-4A49-9EA0-083096D204B6}" dt="2023-04-17T06:34:18.015" v="13159" actId="20577"/>
+          <ac:spMkLst>
+            <pc:docMk/>
+            <pc:sldMk cId="460212330" sldId="309"/>
+            <ac:spMk id="2" creationId="{4CA0B847-7060-AB90-BC91-E23597CB3A3E}"/>
+          </ac:spMkLst>
+        </pc:spChg>
+        <pc:spChg chg="del mod">
+          <ac:chgData name="Sudhanshu Bharadwaj" userId="599207c7-ca9f-4e47-b346-b0daf3f7ca37" providerId="ADAL" clId="{92F7C80D-83FE-4A49-9EA0-083096D204B6}" dt="2023-04-17T06:35:17.233" v="13205" actId="478"/>
+          <ac:spMkLst>
+            <pc:docMk/>
+            <pc:sldMk cId="460212330" sldId="309"/>
+            <ac:spMk id="3" creationId="{87916CE0-78FB-CD86-E879-8682FAF40960}"/>
+          </ac:spMkLst>
+        </pc:spChg>
+        <pc:spChg chg="mod">
+          <ac:chgData name="Sudhanshu Bharadwaj" userId="599207c7-ca9f-4e47-b346-b0daf3f7ca37" providerId="ADAL" clId="{92F7C80D-83FE-4A49-9EA0-083096D204B6}" dt="2023-04-17T06:35:01.686" v="13191" actId="20577"/>
+          <ac:spMkLst>
+            <pc:docMk/>
+            <pc:sldMk cId="460212330" sldId="309"/>
+            <ac:spMk id="7" creationId="{F8B5FD3A-6A09-0EF4-7732-892B0D606C87}"/>
+          </ac:spMkLst>
+        </pc:spChg>
+        <pc:spChg chg="add mod">
+          <ac:chgData name="Sudhanshu Bharadwaj" userId="599207c7-ca9f-4e47-b346-b0daf3f7ca37" providerId="ADAL" clId="{92F7C80D-83FE-4A49-9EA0-083096D204B6}" dt="2023-04-17T06:39:11.095" v="13723" actId="113"/>
+          <ac:spMkLst>
+            <pc:docMk/>
+            <pc:sldMk cId="460212330" sldId="309"/>
+            <ac:spMk id="11" creationId="{14851518-829C-C49B-78E0-5D908ECBC275}"/>
+          </ac:spMkLst>
+        </pc:spChg>
+        <pc:picChg chg="add mod">
+          <ac:chgData name="Sudhanshu Bharadwaj" userId="599207c7-ca9f-4e47-b346-b0daf3f7ca37" providerId="ADAL" clId="{92F7C80D-83FE-4A49-9EA0-083096D204B6}" dt="2023-04-17T06:34:25.501" v="13163" actId="14100"/>
+          <ac:picMkLst>
+            <pc:docMk/>
+            <pc:sldMk cId="460212330" sldId="309"/>
+            <ac:picMk id="8" creationId="{043D935C-F9F5-6FAC-A1CA-41B81F64529D}"/>
+          </ac:picMkLst>
+        </pc:picChg>
+        <pc:picChg chg="add mod">
+          <ac:chgData name="Sudhanshu Bharadwaj" userId="599207c7-ca9f-4e47-b346-b0daf3f7ca37" providerId="ADAL" clId="{92F7C80D-83FE-4A49-9EA0-083096D204B6}" dt="2023-04-17T06:35:38.319" v="13208" actId="14100"/>
+          <ac:picMkLst>
+            <pc:docMk/>
+            <pc:sldMk cId="460212330" sldId="309"/>
+            <ac:picMk id="10" creationId="{F1C13316-E510-C2FD-066E-A88710F21CA7}"/>
           </ac:picMkLst>
         </pc:picChg>
       </pc:sldChg>
@@ -2353,10 +2537,7 @@
           <a:bodyPr/>
           <a:lstStyle/>
           <a:p>
-            <a:r>
-              <a:rPr lang="en-IN" dirty="0"/>
-              <a:t>So, the math seemed to be a little distracting from the key idea, and because of time constraints….</a:t>
-            </a:r>
+            <a:endParaRPr lang="en-IN" dirty="0"/>
           </a:p>
         </p:txBody>
       </p:sp>
@@ -2364,6 +2545,172 @@
     <p:extLst>
       <p:ext uri="{BB962C8B-B14F-4D97-AF65-F5344CB8AC3E}">
         <p14:creationId xmlns:p14="http://schemas.microsoft.com/office/powerpoint/2010/main" val="403529435"/>
+      </p:ext>
+    </p:extLst>
+  </p:cSld>
+  <p:clrMapOvr>
+    <a:masterClrMapping/>
+  </p:clrMapOvr>
+</p:notes>
+</file>
+
+<file path=ppt/notesSlides/notesSlide5.xml><?xml version="1.0" encoding="utf-8"?>
+<p:notes xmlns:a="http://schemas.openxmlformats.org/drawingml/2006/main" xmlns:r="http://schemas.openxmlformats.org/officeDocument/2006/relationships" xmlns:p="http://schemas.openxmlformats.org/presentationml/2006/main">
+  <p:cSld>
+    <p:spTree>
+      <p:nvGrpSpPr>
+        <p:cNvPr id="1" name=""/>
+        <p:cNvGrpSpPr/>
+        <p:nvPr/>
+      </p:nvGrpSpPr>
+      <p:grpSpPr>
+        <a:xfrm>
+          <a:off x="0" y="0"/>
+          <a:ext cx="0" cy="0"/>
+          <a:chOff x="0" y="0"/>
+          <a:chExt cx="0" cy="0"/>
+        </a:xfrm>
+      </p:grpSpPr>
+      <p:sp>
+        <p:nvSpPr>
+          <p:cNvPr id="2" name="Slide Image Placeholder 1"/>
+          <p:cNvSpPr>
+            <a:spLocks noGrp="1" noRot="1" noChangeAspect="1"/>
+          </p:cNvSpPr>
+          <p:nvPr>
+            <p:ph type="sldImg"/>
+          </p:nvPr>
+        </p:nvSpPr>
+        <p:spPr>
+          <a:xfrm>
+            <a:off x="-457200" y="3048000"/>
+            <a:ext cx="14630400" cy="8229600"/>
+          </a:xfrm>
+          <a:prstGeom prst="rect">
+            <a:avLst/>
+          </a:prstGeom>
+          <a:noFill/>
+          <a:ln w="12700">
+            <a:solidFill>
+              <a:prstClr val="black"/>
+            </a:solidFill>
+          </a:ln>
+        </p:spPr>
+      </p:sp>
+      <p:sp>
+        <p:nvSpPr>
+          <p:cNvPr id="3" name="Notes Placeholder 2"/>
+          <p:cNvSpPr>
+            <a:spLocks noGrp="1"/>
+          </p:cNvSpPr>
+          <p:nvPr>
+            <p:ph type="body" idx="1"/>
+          </p:nvPr>
+        </p:nvSpPr>
+        <p:spPr>
+          <a:xfrm>
+            <a:off x="1371600" y="11734800"/>
+            <a:ext cx="10972800" cy="9601200"/>
+          </a:xfrm>
+          <a:prstGeom prst="rect">
+            <a:avLst/>
+          </a:prstGeom>
+        </p:spPr>
+        <p:txBody>
+          <a:bodyPr/>
+          <a:lstStyle/>
+          <a:p>
+            <a:endParaRPr lang="en-IN" dirty="0"/>
+          </a:p>
+        </p:txBody>
+      </p:sp>
+    </p:spTree>
+    <p:extLst>
+      <p:ext uri="{BB962C8B-B14F-4D97-AF65-F5344CB8AC3E}">
+        <p14:creationId xmlns:p14="http://schemas.microsoft.com/office/powerpoint/2010/main" val="879027869"/>
+      </p:ext>
+    </p:extLst>
+  </p:cSld>
+  <p:clrMapOvr>
+    <a:masterClrMapping/>
+  </p:clrMapOvr>
+</p:notes>
+</file>
+
+<file path=ppt/notesSlides/notesSlide6.xml><?xml version="1.0" encoding="utf-8"?>
+<p:notes xmlns:a="http://schemas.openxmlformats.org/drawingml/2006/main" xmlns:r="http://schemas.openxmlformats.org/officeDocument/2006/relationships" xmlns:p="http://schemas.openxmlformats.org/presentationml/2006/main">
+  <p:cSld>
+    <p:spTree>
+      <p:nvGrpSpPr>
+        <p:cNvPr id="1" name=""/>
+        <p:cNvGrpSpPr/>
+        <p:nvPr/>
+      </p:nvGrpSpPr>
+      <p:grpSpPr>
+        <a:xfrm>
+          <a:off x="0" y="0"/>
+          <a:ext cx="0" cy="0"/>
+          <a:chOff x="0" y="0"/>
+          <a:chExt cx="0" cy="0"/>
+        </a:xfrm>
+      </p:grpSpPr>
+      <p:sp>
+        <p:nvSpPr>
+          <p:cNvPr id="2" name="Slide Image Placeholder 1"/>
+          <p:cNvSpPr>
+            <a:spLocks noGrp="1" noRot="1" noChangeAspect="1"/>
+          </p:cNvSpPr>
+          <p:nvPr>
+            <p:ph type="sldImg"/>
+          </p:nvPr>
+        </p:nvSpPr>
+        <p:spPr>
+          <a:xfrm>
+            <a:off x="-457200" y="3048000"/>
+            <a:ext cx="14630400" cy="8229600"/>
+          </a:xfrm>
+          <a:prstGeom prst="rect">
+            <a:avLst/>
+          </a:prstGeom>
+          <a:noFill/>
+          <a:ln w="12700">
+            <a:solidFill>
+              <a:prstClr val="black"/>
+            </a:solidFill>
+          </a:ln>
+        </p:spPr>
+      </p:sp>
+      <p:sp>
+        <p:nvSpPr>
+          <p:cNvPr id="3" name="Notes Placeholder 2"/>
+          <p:cNvSpPr>
+            <a:spLocks noGrp="1"/>
+          </p:cNvSpPr>
+          <p:nvPr>
+            <p:ph type="body" idx="1"/>
+          </p:nvPr>
+        </p:nvSpPr>
+        <p:spPr>
+          <a:xfrm>
+            <a:off x="1371600" y="11734800"/>
+            <a:ext cx="10972800" cy="9601200"/>
+          </a:xfrm>
+          <a:prstGeom prst="rect">
+            <a:avLst/>
+          </a:prstGeom>
+        </p:spPr>
+        <p:txBody>
+          <a:bodyPr/>
+          <a:lstStyle/>
+          <a:p>
+            <a:endParaRPr lang="en-IN" dirty="0"/>
+          </a:p>
+        </p:txBody>
+      </p:sp>
+    </p:spTree>
+    <p:extLst>
+      <p:ext uri="{BB962C8B-B14F-4D97-AF65-F5344CB8AC3E}">
+        <p14:creationId xmlns:p14="http://schemas.microsoft.com/office/powerpoint/2010/main" val="3212546502"/>
       </p:ext>
     </p:extLst>
   </p:cSld>
@@ -33538,6 +33885,7 @@
                 </a:endParaRPr>
               </a:p>
               <a:p>
+                <a:pPr/>
                 <a14:m>
                   <m:oMathPara xmlns:m="http://schemas.openxmlformats.org/officeDocument/2006/math">
                     <m:oMathParaPr>
@@ -33705,222 +34053,295 @@
                 <a:endParaRPr lang="en-IN" sz="2000" b="0" dirty="0"/>
               </a:p>
               <a:p>
-                <a:pPr/>
                 <a:endParaRPr lang="en-IN" sz="2000" b="0" dirty="0"/>
               </a:p>
               <a:p>
-                <a:pPr/>
+                <a:pPr algn="r"/>
                 <a14:m>
-                  <m:oMath xmlns:m="http://schemas.openxmlformats.org/officeDocument/2006/math">
-                    <m:r>
-                      <a:rPr lang="en-IN" sz="2000" b="0" i="1" smtClean="0">
-                        <a:latin typeface="Cambria Math" panose="02040503050406030204" pitchFamily="18" charset="0"/>
-                      </a:rPr>
-                      <m:t>𝑤h𝑒𝑟𝑒</m:t>
-                    </m:r>
-                    <m:r>
-                      <a:rPr lang="en-IN" sz="2000" b="0" i="1" smtClean="0">
-                        <a:latin typeface="Cambria Math" panose="02040503050406030204" pitchFamily="18" charset="0"/>
-                      </a:rPr>
-                      <m:t> </m:t>
-                    </m:r>
-                    <m:r>
-                      <a:rPr lang="en-IN" sz="2000" b="0" i="1" smtClean="0">
-                        <a:latin typeface="Cambria Math" panose="02040503050406030204" pitchFamily="18" charset="0"/>
-                      </a:rPr>
-                      <m:t>𝑠</m:t>
-                    </m:r>
-                    <m:r>
-                      <a:rPr lang="en-IN" sz="2000" b="0" i="1" smtClean="0">
-                        <a:latin typeface="Cambria Math" panose="02040503050406030204" pitchFamily="18" charset="0"/>
-                      </a:rPr>
-                      <m:t>∈</m:t>
-                    </m:r>
-                    <m:d>
-                      <m:dPr>
-                        <m:begChr m:val="{"/>
-                        <m:endChr m:val="}"/>
-                        <m:ctrlPr>
-                          <a:rPr lang="en-IN" sz="2000" b="0" i="1" smtClean="0">
-                            <a:latin typeface="Cambria Math" panose="02040503050406030204" pitchFamily="18" charset="0"/>
-                          </a:rPr>
-                        </m:ctrlPr>
-                      </m:dPr>
-                      <m:e>
-                        <m:r>
-                          <a:rPr lang="en-IN" sz="2000" b="0" i="1" smtClean="0">
-                            <a:latin typeface="Cambria Math" panose="02040503050406030204" pitchFamily="18" charset="0"/>
-                          </a:rPr>
-                          <m:t>𝐴</m:t>
-                        </m:r>
-                        <m:r>
-                          <a:rPr lang="en-IN" sz="2000" b="0" i="1" smtClean="0">
-                            <a:latin typeface="Cambria Math" panose="02040503050406030204" pitchFamily="18" charset="0"/>
-                          </a:rPr>
-                          <m:t>,</m:t>
-                        </m:r>
-                        <m:r>
-                          <a:rPr lang="en-IN" sz="2000" b="0" i="1" smtClean="0">
-                            <a:latin typeface="Cambria Math" panose="02040503050406030204" pitchFamily="18" charset="0"/>
-                          </a:rPr>
-                          <m:t>𝑈</m:t>
-                        </m:r>
-                        <m:r>
-                          <a:rPr lang="en-IN" sz="2000" b="0" i="1" smtClean="0">
-                            <a:latin typeface="Cambria Math" panose="02040503050406030204" pitchFamily="18" charset="0"/>
-                          </a:rPr>
-                          <m:t>,</m:t>
-                        </m:r>
-                        <m:r>
-                          <a:rPr lang="en-IN" sz="2000" b="0" i="1" smtClean="0">
-                            <a:latin typeface="Cambria Math" panose="02040503050406030204" pitchFamily="18" charset="0"/>
-                          </a:rPr>
-                          <m:t>𝐶</m:t>
-                        </m:r>
-                        <m:r>
-                          <a:rPr lang="en-IN" sz="2000" b="0" i="1" smtClean="0">
-                            <a:latin typeface="Cambria Math" panose="02040503050406030204" pitchFamily="18" charset="0"/>
-                          </a:rPr>
-                          <m:t>,</m:t>
-                        </m:r>
-                        <m:r>
-                          <a:rPr lang="en-IN" sz="2000" b="0" i="1" smtClean="0">
-                            <a:latin typeface="Cambria Math" panose="02040503050406030204" pitchFamily="18" charset="0"/>
-                          </a:rPr>
-                          <m:t>𝐺</m:t>
-                        </m:r>
-                      </m:e>
-                    </m:d>
-                    <m:r>
-                      <a:rPr lang="en-IN" sz="2000" b="0" i="1" smtClean="0">
-                        <a:latin typeface="Cambria Math" panose="02040503050406030204" pitchFamily="18" charset="0"/>
-                      </a:rPr>
-                      <m:t>,</m:t>
-                    </m:r>
-                    <m:r>
-                      <a:rPr lang="en-IN" sz="2000" b="0" i="1" smtClean="0">
-                        <a:latin typeface="Cambria Math" panose="02040503050406030204" pitchFamily="18" charset="0"/>
-                      </a:rPr>
-                      <m:t> </m:t>
-                    </m:r>
-                    <m:r>
-                      <a:rPr lang="en-IN" sz="2000" b="0" i="1" smtClean="0">
-                        <a:latin typeface="Cambria Math" panose="02040503050406030204" pitchFamily="18" charset="0"/>
-                      </a:rPr>
-                      <m:t>𝑎𝑛𝑑</m:t>
-                    </m:r>
-                    <m:r>
-                      <a:rPr lang="en-IN" sz="2000" b="0" i="1" smtClean="0">
-                        <a:latin typeface="Cambria Math" panose="02040503050406030204" pitchFamily="18" charset="0"/>
-                      </a:rPr>
-                      <m:t> </m:t>
-                    </m:r>
-                    <m:d>
-                      <m:dPr>
-                        <m:ctrlPr>
-                          <a:rPr lang="en-IN" sz="2000" b="0" i="1" smtClean="0">
-                            <a:latin typeface="Cambria Math" panose="02040503050406030204" pitchFamily="18" charset="0"/>
-                          </a:rPr>
-                        </m:ctrlPr>
-                      </m:dPr>
-                      <m:e>
-                        <m:r>
-                          <a:rPr lang="en-IN" sz="2000" b="0" i="1" smtClean="0">
-                            <a:latin typeface="Cambria Math" panose="02040503050406030204" pitchFamily="18" charset="0"/>
-                          </a:rPr>
-                          <m:t>𝑑</m:t>
-                        </m:r>
-                        <m:r>
-                          <a:rPr lang="en-IN" sz="2000" b="0" i="1" smtClean="0">
-                            <a:latin typeface="Cambria Math" panose="02040503050406030204" pitchFamily="18" charset="0"/>
-                          </a:rPr>
-                          <m:t>,</m:t>
-                        </m:r>
-                        <m:sSup>
-                          <m:sSupPr>
-                            <m:ctrlPr>
-                              <a:rPr lang="en-IN" sz="2000" b="0" i="1" smtClean="0">
-                                <a:latin typeface="Cambria Math" panose="02040503050406030204" pitchFamily="18" charset="0"/>
-                              </a:rPr>
-                            </m:ctrlPr>
-                          </m:sSupPr>
-                          <m:e>
-                            <m:r>
-                              <a:rPr lang="en-IN" sz="2000" b="0" i="1" smtClean="0">
-                                <a:latin typeface="Cambria Math" panose="02040503050406030204" pitchFamily="18" charset="0"/>
-                              </a:rPr>
-                              <m:t>𝑑</m:t>
-                            </m:r>
-                          </m:e>
-                          <m:sup>
-                            <m:r>
-                              <a:rPr lang="en-IN" sz="2000" b="0" i="1" smtClean="0">
-                                <a:latin typeface="Cambria Math" panose="02040503050406030204" pitchFamily="18" charset="0"/>
-                              </a:rPr>
-                              <m:t>′</m:t>
-                            </m:r>
-                          </m:sup>
-                        </m:sSup>
-                      </m:e>
-                    </m:d>
-                    <m:r>
-                      <a:rPr lang="en-IN" sz="2000" b="0" i="1" smtClean="0">
-                        <a:latin typeface="Cambria Math" panose="02040503050406030204" pitchFamily="18" charset="0"/>
-                      </a:rPr>
-                      <m:t>𝑖𝑠</m:t>
-                    </m:r>
-                    <m:r>
-                      <a:rPr lang="en-IN" sz="2000" b="0" i="1" smtClean="0">
-                        <a:latin typeface="Cambria Math" panose="02040503050406030204" pitchFamily="18" charset="0"/>
-                      </a:rPr>
-                      <m:t> </m:t>
-                    </m:r>
-                    <m:r>
-                      <a:rPr lang="en-IN" sz="2000" b="0" i="1" smtClean="0">
-                        <a:latin typeface="Cambria Math" panose="02040503050406030204" pitchFamily="18" charset="0"/>
-                      </a:rPr>
-                      <m:t>𝑎</m:t>
-                    </m:r>
-                    <m:r>
-                      <a:rPr lang="en-IN" sz="2000" b="0" i="1" smtClean="0">
-                        <a:latin typeface="Cambria Math" panose="02040503050406030204" pitchFamily="18" charset="0"/>
-                      </a:rPr>
-                      <m:t> </m:t>
-                    </m:r>
-                    <m:r>
-                      <a:rPr lang="en-IN" sz="2000" b="0" i="1" smtClean="0">
-                        <a:latin typeface="Cambria Math" panose="02040503050406030204" pitchFamily="18" charset="0"/>
-                      </a:rPr>
-                      <m:t>𝑏𝑎𝑠𝑒</m:t>
-                    </m:r>
-                    <m:r>
-                      <a:rPr lang="en-IN" sz="2000" b="0" i="1" smtClean="0">
-                        <a:latin typeface="Cambria Math" panose="02040503050406030204" pitchFamily="18" charset="0"/>
-                      </a:rPr>
-                      <m:t> </m:t>
-                    </m:r>
-                    <m:r>
-                      <a:rPr lang="en-IN" sz="2000" b="0" i="1" smtClean="0">
-                        <a:latin typeface="Cambria Math" panose="02040503050406030204" pitchFamily="18" charset="0"/>
-                      </a:rPr>
-                      <m:t>𝑝𝑎𝑖𝑟</m:t>
-                    </m:r>
-                  </m:oMath>
+                  <m:oMathPara xmlns:m="http://schemas.openxmlformats.org/officeDocument/2006/math">
+                    <m:oMathParaPr>
+                      <m:jc m:val="right"/>
+                    </m:oMathParaPr>
+                    <m:oMath xmlns:m="http://schemas.openxmlformats.org/officeDocument/2006/math">
+                      <m:r>
+                        <a:rPr lang="en-IN" sz="2000" b="0" i="1" smtClean="0">
+                          <a:latin typeface="Cambria Math" panose="02040503050406030204" pitchFamily="18" charset="0"/>
+                        </a:rPr>
+                        <m:t>𝑤h𝑒𝑟𝑒</m:t>
+                      </m:r>
+                      <m:r>
+                        <a:rPr lang="en-IN" sz="2000" b="0" i="1" smtClean="0">
+                          <a:latin typeface="Cambria Math" panose="02040503050406030204" pitchFamily="18" charset="0"/>
+                        </a:rPr>
+                        <m:t> </m:t>
+                      </m:r>
+                      <m:r>
+                        <a:rPr lang="en-IN" sz="2000" b="0" i="1" smtClean="0">
+                          <a:latin typeface="Cambria Math" panose="02040503050406030204" pitchFamily="18" charset="0"/>
+                        </a:rPr>
+                        <m:t>𝑠</m:t>
+                      </m:r>
+                      <m:r>
+                        <a:rPr lang="en-IN" sz="2000" b="0" i="1" smtClean="0">
+                          <a:latin typeface="Cambria Math" panose="02040503050406030204" pitchFamily="18" charset="0"/>
+                        </a:rPr>
+                        <m:t>∈</m:t>
+                      </m:r>
+                      <m:d>
+                        <m:dPr>
+                          <m:begChr m:val="{"/>
+                          <m:endChr m:val="}"/>
+                          <m:ctrlPr>
+                            <a:rPr lang="en-IN" sz="2000" b="0" i="1" smtClean="0">
+                              <a:latin typeface="Cambria Math" panose="02040503050406030204" pitchFamily="18" charset="0"/>
+                            </a:rPr>
+                          </m:ctrlPr>
+                        </m:dPr>
+                        <m:e>
+                          <m:r>
+                            <a:rPr lang="en-IN" sz="2000" b="0" i="1" smtClean="0">
+                              <a:latin typeface="Cambria Math" panose="02040503050406030204" pitchFamily="18" charset="0"/>
+                            </a:rPr>
+                            <m:t>𝐴</m:t>
+                          </m:r>
+                          <m:r>
+                            <a:rPr lang="en-IN" sz="2000" b="0" i="1" smtClean="0">
+                              <a:latin typeface="Cambria Math" panose="02040503050406030204" pitchFamily="18" charset="0"/>
+                            </a:rPr>
+                            <m:t>,</m:t>
+                          </m:r>
+                          <m:r>
+                            <a:rPr lang="en-IN" sz="2000" b="0" i="1" smtClean="0">
+                              <a:latin typeface="Cambria Math" panose="02040503050406030204" pitchFamily="18" charset="0"/>
+                            </a:rPr>
+                            <m:t>𝑈</m:t>
+                          </m:r>
+                          <m:r>
+                            <a:rPr lang="en-IN" sz="2000" b="0" i="1" smtClean="0">
+                              <a:latin typeface="Cambria Math" panose="02040503050406030204" pitchFamily="18" charset="0"/>
+                            </a:rPr>
+                            <m:t>,</m:t>
+                          </m:r>
+                          <m:r>
+                            <a:rPr lang="en-IN" sz="2000" b="0" i="1" smtClean="0">
+                              <a:latin typeface="Cambria Math" panose="02040503050406030204" pitchFamily="18" charset="0"/>
+                            </a:rPr>
+                            <m:t>𝐶</m:t>
+                          </m:r>
+                          <m:r>
+                            <a:rPr lang="en-IN" sz="2000" b="0" i="1" smtClean="0">
+                              <a:latin typeface="Cambria Math" panose="02040503050406030204" pitchFamily="18" charset="0"/>
+                            </a:rPr>
+                            <m:t>,</m:t>
+                          </m:r>
+                          <m:r>
+                            <a:rPr lang="en-IN" sz="2000" b="0" i="1" smtClean="0">
+                              <a:latin typeface="Cambria Math" panose="02040503050406030204" pitchFamily="18" charset="0"/>
+                            </a:rPr>
+                            <m:t>𝐺</m:t>
+                          </m:r>
+                        </m:e>
+                      </m:d>
+                      <m:r>
+                        <a:rPr lang="en-IN" sz="2000" b="0" i="1" smtClean="0">
+                          <a:latin typeface="Cambria Math" panose="02040503050406030204" pitchFamily="18" charset="0"/>
+                        </a:rPr>
+                        <m:t>, </m:t>
+                      </m:r>
+                      <m:r>
+                        <a:rPr lang="en-IN" sz="2000" b="0" i="1" smtClean="0">
+                          <a:latin typeface="Cambria Math" panose="02040503050406030204" pitchFamily="18" charset="0"/>
+                        </a:rPr>
+                        <m:t>𝑎𝑛𝑑</m:t>
+                      </m:r>
+                      <m:r>
+                        <a:rPr lang="en-IN" sz="2000" b="0" i="1" smtClean="0">
+                          <a:latin typeface="Cambria Math" panose="02040503050406030204" pitchFamily="18" charset="0"/>
+                        </a:rPr>
+                        <m:t> </m:t>
+                      </m:r>
+                      <m:d>
+                        <m:dPr>
+                          <m:ctrlPr>
+                            <a:rPr lang="en-IN" sz="2000" b="0" i="1" smtClean="0">
+                              <a:latin typeface="Cambria Math" panose="02040503050406030204" pitchFamily="18" charset="0"/>
+                            </a:rPr>
+                          </m:ctrlPr>
+                        </m:dPr>
+                        <m:e>
+                          <m:r>
+                            <a:rPr lang="en-IN" sz="2000" b="0" i="1" smtClean="0">
+                              <a:latin typeface="Cambria Math" panose="02040503050406030204" pitchFamily="18" charset="0"/>
+                            </a:rPr>
+                            <m:t>𝑑</m:t>
+                          </m:r>
+                          <m:r>
+                            <a:rPr lang="en-IN" sz="2000" b="0" i="1" smtClean="0">
+                              <a:latin typeface="Cambria Math" panose="02040503050406030204" pitchFamily="18" charset="0"/>
+                            </a:rPr>
+                            <m:t>,</m:t>
+                          </m:r>
+                          <m:sSup>
+                            <m:sSupPr>
+                              <m:ctrlPr>
+                                <a:rPr lang="en-IN" sz="2000" b="0" i="1" smtClean="0">
+                                  <a:latin typeface="Cambria Math" panose="02040503050406030204" pitchFamily="18" charset="0"/>
+                                </a:rPr>
+                              </m:ctrlPr>
+                            </m:sSupPr>
+                            <m:e>
+                              <m:r>
+                                <a:rPr lang="en-IN" sz="2000" b="0" i="1" smtClean="0">
+                                  <a:latin typeface="Cambria Math" panose="02040503050406030204" pitchFamily="18" charset="0"/>
+                                </a:rPr>
+                                <m:t>𝑑</m:t>
+                              </m:r>
+                            </m:e>
+                            <m:sup>
+                              <m:r>
+                                <a:rPr lang="en-IN" sz="2000" b="0" i="1" smtClean="0">
+                                  <a:latin typeface="Cambria Math" panose="02040503050406030204" pitchFamily="18" charset="0"/>
+                                </a:rPr>
+                                <m:t>′</m:t>
+                              </m:r>
+                            </m:sup>
+                          </m:sSup>
+                        </m:e>
+                      </m:d>
+                      <m:r>
+                        <a:rPr lang="en-IN" sz="2000" b="0" i="1" smtClean="0">
+                          <a:latin typeface="Cambria Math" panose="02040503050406030204" pitchFamily="18" charset="0"/>
+                        </a:rPr>
+                        <m:t>𝑖𝑠</m:t>
+                      </m:r>
+                      <m:r>
+                        <a:rPr lang="en-IN" sz="2000" b="0" i="1" smtClean="0">
+                          <a:latin typeface="Cambria Math" panose="02040503050406030204" pitchFamily="18" charset="0"/>
+                        </a:rPr>
+                        <m:t> </m:t>
+                      </m:r>
+                      <m:r>
+                        <a:rPr lang="en-IN" sz="2000" b="0" i="1" smtClean="0">
+                          <a:latin typeface="Cambria Math" panose="02040503050406030204" pitchFamily="18" charset="0"/>
+                        </a:rPr>
+                        <m:t>𝑎</m:t>
+                      </m:r>
+                      <m:r>
+                        <a:rPr lang="en-IN" sz="2000" b="0" i="1" smtClean="0">
+                          <a:latin typeface="Cambria Math" panose="02040503050406030204" pitchFamily="18" charset="0"/>
+                        </a:rPr>
+                        <m:t> </m:t>
+                      </m:r>
+                      <m:r>
+                        <a:rPr lang="en-IN" sz="2000" b="0" i="1" smtClean="0">
+                          <a:latin typeface="Cambria Math" panose="02040503050406030204" pitchFamily="18" charset="0"/>
+                        </a:rPr>
+                        <m:t>𝑏𝑎𝑠𝑒</m:t>
+                      </m:r>
+                      <m:r>
+                        <a:rPr lang="en-IN" sz="2000" b="0" i="1" smtClean="0">
+                          <a:latin typeface="Cambria Math" panose="02040503050406030204" pitchFamily="18" charset="0"/>
+                        </a:rPr>
+                        <m:t> </m:t>
+                      </m:r>
+                      <m:r>
+                        <a:rPr lang="en-IN" sz="2000" b="0" i="1" smtClean="0">
+                          <a:latin typeface="Cambria Math" panose="02040503050406030204" pitchFamily="18" charset="0"/>
+                        </a:rPr>
+                        <m:t>𝑝𝑎𝑖𝑟</m:t>
+                      </m:r>
+                    </m:oMath>
+                    <m:oMath xmlns:m="http://schemas.openxmlformats.org/officeDocument/2006/math">
+                      <m:r>
+                        <a:rPr lang="en-IN" sz="2000" i="1">
+                          <a:latin typeface="Cambria Math" panose="02040503050406030204" pitchFamily="18" charset="0"/>
+                        </a:rPr>
+                        <m:t>𝑆</m:t>
+                      </m:r>
+                      <m:r>
+                        <a:rPr lang="en-IN" sz="2000" i="1">
+                          <a:latin typeface="Cambria Math" panose="02040503050406030204" pitchFamily="18" charset="0"/>
+                        </a:rPr>
+                        <m:t>,</m:t>
+                      </m:r>
+                      <m:r>
+                        <a:rPr lang="en-IN" sz="2000" i="1">
+                          <a:latin typeface="Cambria Math" panose="02040503050406030204" pitchFamily="18" charset="0"/>
+                        </a:rPr>
+                        <m:t>𝐿</m:t>
+                      </m:r>
+                      <m:r>
+                        <a:rPr lang="en-IN" sz="2000" i="1">
+                          <a:latin typeface="Cambria Math" panose="02040503050406030204" pitchFamily="18" charset="0"/>
+                        </a:rPr>
+                        <m:t>,</m:t>
+                      </m:r>
+                      <m:r>
+                        <a:rPr lang="en-IN" sz="2000" i="1">
+                          <a:latin typeface="Cambria Math" panose="02040503050406030204" pitchFamily="18" charset="0"/>
+                        </a:rPr>
+                        <m:t>𝐹</m:t>
+                      </m:r>
+                      <m:r>
+                        <a:rPr lang="en-IN" sz="2000" i="1">
+                          <a:latin typeface="Cambria Math" panose="02040503050406030204" pitchFamily="18" charset="0"/>
+                        </a:rPr>
+                        <m:t> </m:t>
+                      </m:r>
+                      <m:r>
+                        <a:rPr lang="en-IN" sz="2000" i="1">
+                          <a:latin typeface="Cambria Math" panose="02040503050406030204" pitchFamily="18" charset="0"/>
+                        </a:rPr>
+                        <m:t>𝑎𝑟𝑒</m:t>
+                      </m:r>
+                      <m:r>
+                        <a:rPr lang="en-IN" sz="2000" i="1">
+                          <a:latin typeface="Cambria Math" panose="02040503050406030204" pitchFamily="18" charset="0"/>
+                        </a:rPr>
+                        <m:t> </m:t>
+                      </m:r>
+                      <m:r>
+                        <a:rPr lang="en-IN" sz="2000" i="1">
+                          <a:latin typeface="Cambria Math" panose="02040503050406030204" pitchFamily="18" charset="0"/>
+                        </a:rPr>
+                        <m:t>𝑎𝑙𝑙</m:t>
+                      </m:r>
+                      <m:r>
+                        <a:rPr lang="en-IN" sz="2000" i="1">
+                          <a:latin typeface="Cambria Math" panose="02040503050406030204" pitchFamily="18" charset="0"/>
+                        </a:rPr>
+                        <m:t> </m:t>
+                      </m:r>
+                      <m:r>
+                        <a:rPr lang="en-IN" sz="2000" i="1">
+                          <a:latin typeface="Cambria Math" panose="02040503050406030204" pitchFamily="18" charset="0"/>
+                        </a:rPr>
+                        <m:t>𝑁𝑜𝑛</m:t>
+                      </m:r>
+                      <m:r>
+                        <a:rPr lang="en-IN" sz="2000" i="1">
+                          <a:latin typeface="Cambria Math" panose="02040503050406030204" pitchFamily="18" charset="0"/>
+                        </a:rPr>
+                        <m:t>-</m:t>
+                      </m:r>
+                      <m:r>
+                        <a:rPr lang="en-IN" sz="2000" i="1">
+                          <a:latin typeface="Cambria Math" panose="02040503050406030204" pitchFamily="18" charset="0"/>
+                        </a:rPr>
+                        <m:t>𝑡𝑒𝑟𝑚𝑖𝑛𝑎𝑙𝑠</m:t>
+                      </m:r>
+                    </m:oMath>
+                  </m:oMathPara>
                 </a14:m>
-                <a:r>
-                  <a:rPr lang="en-IN" sz="2000" b="0" dirty="0"/>
-                  <a:t>.</a:t>
-                </a:r>
-                <a:br>
-                  <a:rPr lang="en-IN" sz="2000" b="0" dirty="0"/>
-                </a:br>
+                <a:endParaRPr lang="en-IN" sz="2000" b="0" dirty="0"/>
+              </a:p>
+              <a:p>
                 <a:r>
                   <a:rPr lang="en-IN" sz="2000" b="0" dirty="0"/>
                   <a:t>Here S produces Loops, and F produces stems.</a:t>
                 </a:r>
               </a:p>
               <a:p>
-                <a:pPr/>
                 <a:r>
                   <a:rPr lang="en-IN" sz="2400" b="1" dirty="0"/>
                   <a:t>Perhaps we can reduce the number of free parameters based on real data?</a:t>
@@ -33967,7 +34388,7 @@
               <a:blipFill>
                 <a:blip r:embed="rId3"/>
                 <a:stretch>
-                  <a:fillRect l="-1731" t="-1134" r="-1731"/>
+                  <a:fillRect l="-1731" t="-1134" r="-1833"/>
                 </a:stretch>
               </a:blipFill>
             </p:spPr>
@@ -34051,6 +34472,36 @@
           </a:p>
         </p:txBody>
       </p:sp>
+      <p:pic>
+        <p:nvPicPr>
+          <p:cNvPr id="6" name="Picture 5">
+            <a:extLst>
+              <a:ext uri="{FF2B5EF4-FFF2-40B4-BE49-F238E27FC236}">
+                <a16:creationId xmlns:a16="http://schemas.microsoft.com/office/drawing/2014/main" id="{921F97CF-40DD-3C6A-9161-CFF8DD787967}"/>
+              </a:ext>
+            </a:extLst>
+          </p:cNvPr>
+          <p:cNvPicPr>
+            <a:picLocks noChangeAspect="1"/>
+          </p:cNvPicPr>
+          <p:nvPr/>
+        </p:nvPicPr>
+        <p:blipFill>
+          <a:blip r:embed="rId5"/>
+          <a:stretch>
+            <a:fillRect/>
+          </a:stretch>
+        </p:blipFill>
+        <p:spPr>
+          <a:xfrm>
+            <a:off x="6967634" y="1232303"/>
+            <a:ext cx="5223381" cy="4492699"/>
+          </a:xfrm>
+          <a:prstGeom prst="rect">
+            <a:avLst/>
+          </a:prstGeom>
+        </p:spPr>
+      </p:pic>
     </p:spTree>
     <p:extLst>
       <p:ext uri="{BB962C8B-B14F-4D97-AF65-F5344CB8AC3E}">
@@ -34065,7 +34516,7 @@
 </file>
 
 <file path=ppt/slides/slide19.xml><?xml version="1.0" encoding="utf-8"?>
-<p:sld xmlns:a="http://schemas.openxmlformats.org/drawingml/2006/main" xmlns:r="http://schemas.openxmlformats.org/officeDocument/2006/relationships" xmlns:p="http://schemas.openxmlformats.org/presentationml/2006/main">
+<p:sld xmlns:a="http://schemas.openxmlformats.org/drawingml/2006/main" xmlns:r="http://schemas.openxmlformats.org/officeDocument/2006/relationships" xmlns:p="http://schemas.openxmlformats.org/presentationml/2006/main" showMasterSp="0">
   <p:cSld>
     <p:spTree>
       <p:nvGrpSpPr>
@@ -34086,7 +34537,7 @@
           <p:cNvPr id="2" name="Title 1">
             <a:extLst>
               <a:ext uri="{FF2B5EF4-FFF2-40B4-BE49-F238E27FC236}">
-                <a16:creationId xmlns:a16="http://schemas.microsoft.com/office/drawing/2014/main" id="{4CA0B847-7060-AB90-BC91-E23597CB3A3E}"/>
+                <a16:creationId xmlns:a16="http://schemas.microsoft.com/office/drawing/2014/main" id="{B83F7D2E-080D-DBDD-73C4-3C38A2B77908}"/>
               </a:ext>
             </a:extLst>
           </p:cNvPr>
@@ -34099,8 +34550,8 @@
         </p:nvSpPr>
         <p:spPr>
           <a:xfrm>
-            <a:off x="4006813" y="210312"/>
-            <a:ext cx="6766560" cy="1140098"/>
+            <a:off x="394636" y="326136"/>
+            <a:ext cx="7437200" cy="1289739"/>
           </a:xfrm>
         </p:spPr>
         <p:txBody>
@@ -34108,28 +34559,9 @@
           <a:lstStyle/>
           <a:p>
             <a:r>
-              <a:rPr lang="en-IN" dirty="0">
-                <a:solidFill>
-                  <a:schemeClr val="tx1"/>
-                </a:solidFill>
-              </a:rPr>
-              <a:t>Idea 2: </a:t>
+              <a:rPr lang="en-US" sz="3600" dirty="0"/>
+              <a:t>better estimation OF SCFG parameters? </a:t>
             </a:r>
-            <a:r>
-              <a:rPr lang="en-IN" sz="2800" dirty="0">
-                <a:solidFill>
-                  <a:schemeClr val="tx1"/>
-                </a:solidFill>
-                <a:latin typeface="+mn-lt"/>
-              </a:rPr>
-              <a:t>Using similar sequences</a:t>
-            </a:r>
-            <a:endParaRPr lang="en-IN" dirty="0">
-              <a:solidFill>
-                <a:schemeClr val="tx1"/>
-              </a:solidFill>
-              <a:latin typeface="+mn-lt"/>
-            </a:endParaRPr>
           </a:p>
         </p:txBody>
       </p:sp>
@@ -34140,7 +34572,7 @@
               <p:cNvPr id="3" name="Content Placeholder 2">
                 <a:extLst>
                   <a:ext uri="{FF2B5EF4-FFF2-40B4-BE49-F238E27FC236}">
-                    <a16:creationId xmlns:a16="http://schemas.microsoft.com/office/drawing/2014/main" id="{87916CE0-78FB-CD86-E879-8682FAF40960}"/>
+                    <a16:creationId xmlns:a16="http://schemas.microsoft.com/office/drawing/2014/main" id="{2BE8FDE3-DBA4-6A04-C75D-E56FE92EF368}"/>
                   </a:ext>
                 </a:extLst>
               </p:cNvPr>
@@ -34153,68 +34585,629 @@
             </p:nvSpPr>
             <p:spPr>
               <a:xfrm>
-                <a:off x="4006813" y="1350410"/>
-                <a:ext cx="7151044" cy="5050390"/>
+                <a:off x="555169" y="1719072"/>
+                <a:ext cx="6803573" cy="4839353"/>
               </a:xfrm>
             </p:spPr>
             <p:txBody>
               <a:bodyPr/>
               <a:lstStyle/>
               <a:p>
-                <a:pPr marL="285750" indent="-285750">
-                  <a:lnSpc>
-                    <a:spcPct val="150000"/>
-                  </a:lnSpc>
-                  <a:buFont typeface="Arial" panose="020B0604020202020204" pitchFamily="34" charset="0"/>
-                  <a:buChar char="•"/>
-                </a:pPr>
+                <a:pPr algn="ctr"/>
                 <a:r>
-                  <a:rPr lang="en-IN" sz="1800" dirty="0"/>
-                  <a:t>If we take “similar sequences” </a:t>
+                  <a:rPr lang="en-US" sz="2800" b="1" dirty="0">
+                    <a:solidFill>
+                      <a:schemeClr val="tx1"/>
+                    </a:solidFill>
+                  </a:rPr>
+                  <a:t>Idea 1: </a:t>
                 </a:r>
                 <a:r>
-                  <a:rPr lang="en-IN" sz="1800" i="1" dirty="0"/>
-                  <a:t>(this is done by constructing a phylogeny)</a:t>
+                  <a:rPr lang="en-US" sz="2800" dirty="0">
+                    <a:solidFill>
+                      <a:schemeClr val="tx1"/>
+                    </a:solidFill>
+                  </a:rPr>
+                  <a:t>Careful Selection of Rules</a:t>
                 </a:r>
+                <a:endParaRPr lang="en-US" sz="2800" b="1" dirty="0">
+                  <a:solidFill>
+                    <a:schemeClr val="tx1"/>
+                  </a:solidFill>
+                </a:endParaRPr>
+              </a:p>
+              <a:p>
+                <a:pPr/>
+                <a14:m>
+                  <m:oMathPara xmlns:m="http://schemas.openxmlformats.org/officeDocument/2006/math">
+                    <m:oMathParaPr>
+                      <m:jc m:val="centerGroup"/>
+                    </m:oMathParaPr>
+                    <m:oMath xmlns:m="http://schemas.openxmlformats.org/officeDocument/2006/math">
+                      <m:r>
+                        <a:rPr lang="en-IN" sz="2000" b="0" i="1" smtClean="0">
+                          <a:latin typeface="Cambria Math" panose="02040503050406030204" pitchFamily="18" charset="0"/>
+                        </a:rPr>
+                        <m:t>𝑆</m:t>
+                      </m:r>
+                      <m:r>
+                        <a:rPr lang="en-IN" sz="2000" b="0" i="1" smtClean="0">
+                          <a:latin typeface="Cambria Math" panose="02040503050406030204" pitchFamily="18" charset="0"/>
+                        </a:rPr>
+                        <m:t>→</m:t>
+                      </m:r>
+                      <m:r>
+                        <a:rPr lang="en-IN" sz="2000" b="0" i="1" smtClean="0">
+                          <a:latin typeface="Cambria Math" panose="02040503050406030204" pitchFamily="18" charset="0"/>
+                        </a:rPr>
+                        <m:t>𝐿𝑆</m:t>
+                      </m:r>
+                      <m:r>
+                        <a:rPr lang="en-IN" sz="2000" b="0" i="1" smtClean="0">
+                          <a:latin typeface="Cambria Math" panose="02040503050406030204" pitchFamily="18" charset="0"/>
+                        </a:rPr>
+                        <m:t> </m:t>
+                      </m:r>
+                      <m:r>
+                        <a:rPr lang="en-IN" sz="2000" b="0" i="1" smtClean="0">
+                          <a:latin typeface="Cambria Math" panose="02040503050406030204" pitchFamily="18" charset="0"/>
+                        </a:rPr>
+                        <m:t>𝑜𝑟</m:t>
+                      </m:r>
+                      <m:r>
+                        <a:rPr lang="en-IN" sz="2000" b="0" i="1" smtClean="0">
+                          <a:latin typeface="Cambria Math" panose="02040503050406030204" pitchFamily="18" charset="0"/>
+                        </a:rPr>
+                        <m:t> </m:t>
+                      </m:r>
+                      <m:r>
+                        <a:rPr lang="en-IN" sz="2000" b="0" i="1" smtClean="0">
+                          <a:latin typeface="Cambria Math" panose="02040503050406030204" pitchFamily="18" charset="0"/>
+                        </a:rPr>
+                        <m:t>𝐿</m:t>
+                      </m:r>
+                      <m:r>
+                        <a:rPr lang="en-IN" sz="2000" b="0" i="1" smtClean="0">
+                          <a:latin typeface="Cambria Math" panose="02040503050406030204" pitchFamily="18" charset="0"/>
+                        </a:rPr>
+                        <m:t>,  </m:t>
+                      </m:r>
+                      <m:r>
+                        <a:rPr lang="en-IN" sz="2000" b="0" i="1" smtClean="0">
+                          <a:latin typeface="Cambria Math" panose="02040503050406030204" pitchFamily="18" charset="0"/>
+                        </a:rPr>
+                        <m:t>𝐿</m:t>
+                      </m:r>
+                      <m:r>
+                        <a:rPr lang="en-IN" sz="2000" b="0" i="1" smtClean="0">
+                          <a:latin typeface="Cambria Math" panose="02040503050406030204" pitchFamily="18" charset="0"/>
+                        </a:rPr>
+                        <m:t>→</m:t>
+                      </m:r>
+                      <m:r>
+                        <a:rPr lang="en-IN" sz="2000" b="0" i="1" smtClean="0">
+                          <a:latin typeface="Cambria Math" panose="02040503050406030204" pitchFamily="18" charset="0"/>
+                        </a:rPr>
+                        <m:t>𝑠</m:t>
+                      </m:r>
+                      <m:r>
+                        <a:rPr lang="en-IN" sz="2000" b="0" i="1" smtClean="0">
+                          <a:latin typeface="Cambria Math" panose="02040503050406030204" pitchFamily="18" charset="0"/>
+                        </a:rPr>
+                        <m:t>, </m:t>
+                      </m:r>
+                      <m:r>
+                        <a:rPr lang="en-IN" sz="2000" b="0" i="1" smtClean="0">
+                          <a:latin typeface="Cambria Math" panose="02040503050406030204" pitchFamily="18" charset="0"/>
+                        </a:rPr>
+                        <m:t>𝑜𝑟</m:t>
+                      </m:r>
+                      <m:r>
+                        <a:rPr lang="en-IN" sz="2000" b="0" i="1" smtClean="0">
+                          <a:latin typeface="Cambria Math" panose="02040503050406030204" pitchFamily="18" charset="0"/>
+                        </a:rPr>
+                        <m:t> </m:t>
+                      </m:r>
+                      <m:r>
+                        <a:rPr lang="en-IN" sz="2000" b="0" i="1" smtClean="0">
+                          <a:latin typeface="Cambria Math" panose="02040503050406030204" pitchFamily="18" charset="0"/>
+                        </a:rPr>
+                        <m:t>𝑑𝐹</m:t>
+                      </m:r>
+                      <m:sSup>
+                        <m:sSupPr>
+                          <m:ctrlPr>
+                            <a:rPr lang="en-IN" sz="2000" b="0" i="1" smtClean="0">
+                              <a:latin typeface="Cambria Math" panose="02040503050406030204" pitchFamily="18" charset="0"/>
+                            </a:rPr>
+                          </m:ctrlPr>
+                        </m:sSupPr>
+                        <m:e>
+                          <m:r>
+                            <a:rPr lang="en-IN" sz="2000" b="0" i="1" smtClean="0">
+                              <a:latin typeface="Cambria Math" panose="02040503050406030204" pitchFamily="18" charset="0"/>
+                            </a:rPr>
+                            <m:t>𝑑</m:t>
+                          </m:r>
+                        </m:e>
+                        <m:sup>
+                          <m:r>
+                            <a:rPr lang="en-IN" sz="2000" b="0" i="1" smtClean="0">
+                              <a:latin typeface="Cambria Math" panose="02040503050406030204" pitchFamily="18" charset="0"/>
+                            </a:rPr>
+                            <m:t>′</m:t>
+                          </m:r>
+                        </m:sup>
+                      </m:sSup>
+                      <m:r>
+                        <a:rPr lang="en-IN" sz="2000" b="0" i="1" smtClean="0">
+                          <a:latin typeface="Cambria Math" panose="02040503050406030204" pitchFamily="18" charset="0"/>
+                        </a:rPr>
+                        <m:t>,  </m:t>
+                      </m:r>
+                      <m:r>
+                        <a:rPr lang="en-IN" sz="2000" b="0" i="1" smtClean="0">
+                          <a:latin typeface="Cambria Math" panose="02040503050406030204" pitchFamily="18" charset="0"/>
+                        </a:rPr>
+                        <m:t>𝐹</m:t>
+                      </m:r>
+                      <m:r>
+                        <a:rPr lang="en-IN" sz="2000" b="0" i="1" smtClean="0">
+                          <a:latin typeface="Cambria Math" panose="02040503050406030204" pitchFamily="18" charset="0"/>
+                        </a:rPr>
+                        <m:t>→</m:t>
+                      </m:r>
+                      <m:r>
+                        <a:rPr lang="en-IN" sz="2000" b="0" i="1" smtClean="0">
+                          <a:latin typeface="Cambria Math" panose="02040503050406030204" pitchFamily="18" charset="0"/>
+                        </a:rPr>
+                        <m:t>𝑑𝐹</m:t>
+                      </m:r>
+                      <m:sSup>
+                        <m:sSupPr>
+                          <m:ctrlPr>
+                            <a:rPr lang="en-IN" sz="2000" b="0" i="1" smtClean="0">
+                              <a:latin typeface="Cambria Math" panose="02040503050406030204" pitchFamily="18" charset="0"/>
+                            </a:rPr>
+                          </m:ctrlPr>
+                        </m:sSupPr>
+                        <m:e>
+                          <m:r>
+                            <a:rPr lang="en-IN" sz="2000" b="0" i="1" smtClean="0">
+                              <a:latin typeface="Cambria Math" panose="02040503050406030204" pitchFamily="18" charset="0"/>
+                            </a:rPr>
+                            <m:t>𝑑</m:t>
+                          </m:r>
+                        </m:e>
+                        <m:sup>
+                          <m:r>
+                            <a:rPr lang="en-IN" sz="2000" b="0" i="1" smtClean="0">
+                              <a:latin typeface="Cambria Math" panose="02040503050406030204" pitchFamily="18" charset="0"/>
+                            </a:rPr>
+                            <m:t>′</m:t>
+                          </m:r>
+                        </m:sup>
+                      </m:sSup>
+                      <m:r>
+                        <a:rPr lang="en-IN" sz="2000" b="0" i="1" smtClean="0">
+                          <a:latin typeface="Cambria Math" panose="02040503050406030204" pitchFamily="18" charset="0"/>
+                        </a:rPr>
+                        <m:t>𝑜𝑟</m:t>
+                      </m:r>
+                      <m:r>
+                        <a:rPr lang="en-IN" sz="2000" b="0" i="1" smtClean="0">
+                          <a:latin typeface="Cambria Math" panose="02040503050406030204" pitchFamily="18" charset="0"/>
+                        </a:rPr>
+                        <m:t> </m:t>
+                      </m:r>
+                      <m:r>
+                        <a:rPr lang="en-IN" sz="2000" b="0" i="1" smtClean="0">
+                          <a:latin typeface="Cambria Math" panose="02040503050406030204" pitchFamily="18" charset="0"/>
+                        </a:rPr>
+                        <m:t>𝐿𝑆</m:t>
+                      </m:r>
+                    </m:oMath>
+                  </m:oMathPara>
+                </a14:m>
+                <a:endParaRPr lang="en-IN" sz="2000" b="0" dirty="0"/>
+              </a:p>
+              <a:p>
+                <a:pPr algn="r"/>
+                <a14:m>
+                  <m:oMathPara xmlns:m="http://schemas.openxmlformats.org/officeDocument/2006/math">
+                    <m:oMathParaPr>
+                      <m:jc m:val="right"/>
+                    </m:oMathParaPr>
+                    <m:oMath xmlns:m="http://schemas.openxmlformats.org/officeDocument/2006/math">
+                      <m:r>
+                        <a:rPr lang="en-IN" sz="1800" b="0" i="1" smtClean="0">
+                          <a:latin typeface="Cambria Math" panose="02040503050406030204" pitchFamily="18" charset="0"/>
+                        </a:rPr>
+                        <m:t>𝑤h𝑒𝑟𝑒</m:t>
+                      </m:r>
+                      <m:r>
+                        <a:rPr lang="en-IN" sz="1800" b="0" i="1" smtClean="0">
+                          <a:latin typeface="Cambria Math" panose="02040503050406030204" pitchFamily="18" charset="0"/>
+                        </a:rPr>
+                        <m:t> </m:t>
+                      </m:r>
+                      <m:r>
+                        <a:rPr lang="en-IN" sz="1800" b="0" i="1" smtClean="0">
+                          <a:latin typeface="Cambria Math" panose="02040503050406030204" pitchFamily="18" charset="0"/>
+                        </a:rPr>
+                        <m:t>𝑠</m:t>
+                      </m:r>
+                      <m:r>
+                        <a:rPr lang="en-IN" sz="1800" b="0" i="1" smtClean="0">
+                          <a:latin typeface="Cambria Math" panose="02040503050406030204" pitchFamily="18" charset="0"/>
+                        </a:rPr>
+                        <m:t>∈</m:t>
+                      </m:r>
+                      <m:d>
+                        <m:dPr>
+                          <m:begChr m:val="{"/>
+                          <m:endChr m:val="}"/>
+                          <m:ctrlPr>
+                            <a:rPr lang="en-IN" sz="1800" b="0" i="1" smtClean="0">
+                              <a:latin typeface="Cambria Math" panose="02040503050406030204" pitchFamily="18" charset="0"/>
+                            </a:rPr>
+                          </m:ctrlPr>
+                        </m:dPr>
+                        <m:e>
+                          <m:r>
+                            <a:rPr lang="en-IN" sz="1800" b="0" i="1" smtClean="0">
+                              <a:latin typeface="Cambria Math" panose="02040503050406030204" pitchFamily="18" charset="0"/>
+                            </a:rPr>
+                            <m:t>𝐴</m:t>
+                          </m:r>
+                          <m:r>
+                            <a:rPr lang="en-IN" sz="1800" b="0" i="1" smtClean="0">
+                              <a:latin typeface="Cambria Math" panose="02040503050406030204" pitchFamily="18" charset="0"/>
+                            </a:rPr>
+                            <m:t>,</m:t>
+                          </m:r>
+                          <m:r>
+                            <a:rPr lang="en-IN" sz="1800" b="0" i="1" smtClean="0">
+                              <a:latin typeface="Cambria Math" panose="02040503050406030204" pitchFamily="18" charset="0"/>
+                            </a:rPr>
+                            <m:t>𝑈</m:t>
+                          </m:r>
+                          <m:r>
+                            <a:rPr lang="en-IN" sz="1800" b="0" i="1" smtClean="0">
+                              <a:latin typeface="Cambria Math" panose="02040503050406030204" pitchFamily="18" charset="0"/>
+                            </a:rPr>
+                            <m:t>,</m:t>
+                          </m:r>
+                          <m:r>
+                            <a:rPr lang="en-IN" sz="1800" b="0" i="1" smtClean="0">
+                              <a:latin typeface="Cambria Math" panose="02040503050406030204" pitchFamily="18" charset="0"/>
+                            </a:rPr>
+                            <m:t>𝐶</m:t>
+                          </m:r>
+                          <m:r>
+                            <a:rPr lang="en-IN" sz="1800" b="0" i="1" smtClean="0">
+                              <a:latin typeface="Cambria Math" panose="02040503050406030204" pitchFamily="18" charset="0"/>
+                            </a:rPr>
+                            <m:t>,</m:t>
+                          </m:r>
+                          <m:r>
+                            <a:rPr lang="en-IN" sz="1800" b="0" i="1" smtClean="0">
+                              <a:latin typeface="Cambria Math" panose="02040503050406030204" pitchFamily="18" charset="0"/>
+                            </a:rPr>
+                            <m:t>𝐺</m:t>
+                          </m:r>
+                        </m:e>
+                      </m:d>
+                      <m:r>
+                        <a:rPr lang="en-IN" sz="1800" b="0" i="1" smtClean="0">
+                          <a:latin typeface="Cambria Math" panose="02040503050406030204" pitchFamily="18" charset="0"/>
+                        </a:rPr>
+                        <m:t>, </m:t>
+                      </m:r>
+                      <m:r>
+                        <a:rPr lang="en-IN" sz="1800" b="0" i="1" smtClean="0">
+                          <a:latin typeface="Cambria Math" panose="02040503050406030204" pitchFamily="18" charset="0"/>
+                        </a:rPr>
+                        <m:t>𝑎𝑛𝑑</m:t>
+                      </m:r>
+                      <m:r>
+                        <a:rPr lang="en-IN" sz="1800" b="0" i="1" smtClean="0">
+                          <a:latin typeface="Cambria Math" panose="02040503050406030204" pitchFamily="18" charset="0"/>
+                        </a:rPr>
+                        <m:t> </m:t>
+                      </m:r>
+                      <m:d>
+                        <m:dPr>
+                          <m:ctrlPr>
+                            <a:rPr lang="en-IN" sz="1800" b="0" i="1" smtClean="0">
+                              <a:latin typeface="Cambria Math" panose="02040503050406030204" pitchFamily="18" charset="0"/>
+                            </a:rPr>
+                          </m:ctrlPr>
+                        </m:dPr>
+                        <m:e>
+                          <m:r>
+                            <a:rPr lang="en-IN" sz="1800" b="0" i="1" smtClean="0">
+                              <a:latin typeface="Cambria Math" panose="02040503050406030204" pitchFamily="18" charset="0"/>
+                            </a:rPr>
+                            <m:t>𝑑</m:t>
+                          </m:r>
+                          <m:r>
+                            <a:rPr lang="en-IN" sz="1800" b="0" i="1" smtClean="0">
+                              <a:latin typeface="Cambria Math" panose="02040503050406030204" pitchFamily="18" charset="0"/>
+                            </a:rPr>
+                            <m:t>,</m:t>
+                          </m:r>
+                          <m:sSup>
+                            <m:sSupPr>
+                              <m:ctrlPr>
+                                <a:rPr lang="en-IN" sz="1800" b="0" i="1" smtClean="0">
+                                  <a:latin typeface="Cambria Math" panose="02040503050406030204" pitchFamily="18" charset="0"/>
+                                </a:rPr>
+                              </m:ctrlPr>
+                            </m:sSupPr>
+                            <m:e>
+                              <m:r>
+                                <a:rPr lang="en-IN" sz="1800" b="0" i="1" smtClean="0">
+                                  <a:latin typeface="Cambria Math" panose="02040503050406030204" pitchFamily="18" charset="0"/>
+                                </a:rPr>
+                                <m:t>𝑑</m:t>
+                              </m:r>
+                            </m:e>
+                            <m:sup>
+                              <m:r>
+                                <a:rPr lang="en-IN" sz="1800" b="0" i="1" smtClean="0">
+                                  <a:latin typeface="Cambria Math" panose="02040503050406030204" pitchFamily="18" charset="0"/>
+                                </a:rPr>
+                                <m:t>′</m:t>
+                              </m:r>
+                            </m:sup>
+                          </m:sSup>
+                        </m:e>
+                      </m:d>
+                      <m:r>
+                        <a:rPr lang="en-IN" sz="1800" b="0" i="1" smtClean="0">
+                          <a:latin typeface="Cambria Math" panose="02040503050406030204" pitchFamily="18" charset="0"/>
+                        </a:rPr>
+                        <m:t>𝑖𝑠</m:t>
+                      </m:r>
+                      <m:r>
+                        <a:rPr lang="en-IN" sz="1800" b="0" i="1" smtClean="0">
+                          <a:latin typeface="Cambria Math" panose="02040503050406030204" pitchFamily="18" charset="0"/>
+                        </a:rPr>
+                        <m:t> </m:t>
+                      </m:r>
+                      <m:r>
+                        <a:rPr lang="en-IN" sz="1800" b="0" i="1" smtClean="0">
+                          <a:latin typeface="Cambria Math" panose="02040503050406030204" pitchFamily="18" charset="0"/>
+                        </a:rPr>
+                        <m:t>𝑎</m:t>
+                      </m:r>
+                      <m:r>
+                        <a:rPr lang="en-IN" sz="1800" b="0" i="1" smtClean="0">
+                          <a:latin typeface="Cambria Math" panose="02040503050406030204" pitchFamily="18" charset="0"/>
+                        </a:rPr>
+                        <m:t> </m:t>
+                      </m:r>
+                      <m:r>
+                        <a:rPr lang="en-IN" sz="1800" b="0" i="1" smtClean="0">
+                          <a:latin typeface="Cambria Math" panose="02040503050406030204" pitchFamily="18" charset="0"/>
+                        </a:rPr>
+                        <m:t>𝑏𝑎𝑠𝑒</m:t>
+                      </m:r>
+                      <m:r>
+                        <a:rPr lang="en-IN" sz="1800" b="0" i="1" smtClean="0">
+                          <a:latin typeface="Cambria Math" panose="02040503050406030204" pitchFamily="18" charset="0"/>
+                        </a:rPr>
+                        <m:t> </m:t>
+                      </m:r>
+                      <m:r>
+                        <a:rPr lang="en-IN" sz="1800" b="0" i="1" smtClean="0">
+                          <a:latin typeface="Cambria Math" panose="02040503050406030204" pitchFamily="18" charset="0"/>
+                        </a:rPr>
+                        <m:t>𝑝𝑎𝑖𝑟</m:t>
+                      </m:r>
+                      <m:r>
+                        <a:rPr lang="en-IN" sz="1800" b="0" i="1" smtClean="0">
+                          <a:latin typeface="Cambria Math" panose="02040503050406030204" pitchFamily="18" charset="0"/>
+                        </a:rPr>
+                        <m:t>,</m:t>
+                      </m:r>
+                    </m:oMath>
+                  </m:oMathPara>
+                </a14:m>
+                <a:br>
+                  <a:rPr lang="en-IN" sz="1800" b="0" i="1" dirty="0">
+                    <a:latin typeface="Cambria Math" panose="02040503050406030204" pitchFamily="18" charset="0"/>
+                  </a:rPr>
+                </a:br>
+                <a14:m>
+                  <m:oMath xmlns:m="http://schemas.openxmlformats.org/officeDocument/2006/math">
+                    <m:r>
+                      <a:rPr lang="en-US" sz="1800" i="1">
+                        <a:latin typeface="Cambria Math" panose="02040503050406030204" pitchFamily="18" charset="0"/>
+                      </a:rPr>
+                      <m:t>𝑆</m:t>
+                    </m:r>
+                    <m:r>
+                      <a:rPr lang="en-US" sz="1800" i="1">
+                        <a:latin typeface="Cambria Math" panose="02040503050406030204" pitchFamily="18" charset="0"/>
+                      </a:rPr>
+                      <m:t>,</m:t>
+                    </m:r>
+                    <m:r>
+                      <a:rPr lang="en-US" sz="1800" i="1">
+                        <a:latin typeface="Cambria Math" panose="02040503050406030204" pitchFamily="18" charset="0"/>
+                      </a:rPr>
+                      <m:t>𝐿</m:t>
+                    </m:r>
+                    <m:r>
+                      <a:rPr lang="en-US" sz="1800" i="1">
+                        <a:latin typeface="Cambria Math" panose="02040503050406030204" pitchFamily="18" charset="0"/>
+                      </a:rPr>
+                      <m:t>,</m:t>
+                    </m:r>
+                    <m:r>
+                      <a:rPr lang="en-US" sz="1800" i="1">
+                        <a:latin typeface="Cambria Math" panose="02040503050406030204" pitchFamily="18" charset="0"/>
+                      </a:rPr>
+                      <m:t>𝐹</m:t>
+                    </m:r>
+                    <m:r>
+                      <a:rPr lang="en-US" sz="1800" i="1">
+                        <a:latin typeface="Cambria Math" panose="02040503050406030204" pitchFamily="18" charset="0"/>
+                      </a:rPr>
+                      <m:t> </m:t>
+                    </m:r>
+                    <m:r>
+                      <a:rPr lang="en-US" sz="1800" i="1">
+                        <a:latin typeface="Cambria Math" panose="02040503050406030204" pitchFamily="18" charset="0"/>
+                      </a:rPr>
+                      <m:t>𝑎𝑟𝑒</m:t>
+                    </m:r>
+                    <m:r>
+                      <a:rPr lang="en-US" sz="1800" i="1">
+                        <a:latin typeface="Cambria Math" panose="02040503050406030204" pitchFamily="18" charset="0"/>
+                      </a:rPr>
+                      <m:t> </m:t>
+                    </m:r>
+                    <m:r>
+                      <a:rPr lang="en-US" sz="1800" i="1">
+                        <a:latin typeface="Cambria Math" panose="02040503050406030204" pitchFamily="18" charset="0"/>
+                      </a:rPr>
+                      <m:t>𝑎𝑙𝑙</m:t>
+                    </m:r>
+                    <m:r>
+                      <a:rPr lang="en-US" sz="1800" i="1">
+                        <a:latin typeface="Cambria Math" panose="02040503050406030204" pitchFamily="18" charset="0"/>
+                      </a:rPr>
+                      <m:t> </m:t>
+                    </m:r>
+                    <m:r>
+                      <a:rPr lang="en-US" sz="1800" i="1">
+                        <a:latin typeface="Cambria Math" panose="02040503050406030204" pitchFamily="18" charset="0"/>
+                      </a:rPr>
+                      <m:t>𝑁𝑜𝑛</m:t>
+                    </m:r>
+                    <m:r>
+                      <a:rPr lang="en-US" sz="1800" i="1">
+                        <a:latin typeface="Cambria Math" panose="02040503050406030204" pitchFamily="18" charset="0"/>
+                      </a:rPr>
+                      <m:t>-</m:t>
+                    </m:r>
+                    <m:r>
+                      <a:rPr lang="en-US" sz="1800" i="1">
+                        <a:latin typeface="Cambria Math" panose="02040503050406030204" pitchFamily="18" charset="0"/>
+                      </a:rPr>
+                      <m:t>𝑡𝑒𝑟𝑚𝑖𝑛𝑎𝑙𝑠</m:t>
+                    </m:r>
+                  </m:oMath>
+                </a14:m>
                 <a:r>
-                  <a:rPr lang="en-IN" sz="1800" dirty="0"/>
-                  <a:t> and align them, even they will have some mutations, the secondary structure motifs are likely to be in similar places.</a:t>
+                  <a:rPr lang="en-IN" sz="1800" b="0" dirty="0"/>
+                  <a:t>. </a:t>
+                </a:r>
+                <a:endParaRPr lang="en-IN" sz="2000" b="0" dirty="0"/>
+              </a:p>
+              <a:p>
+                <a:r>
+                  <a:rPr lang="en-IN" sz="1800" b="0" dirty="0"/>
+                  <a:t>In the above rules:</a:t>
                 </a:r>
               </a:p>
               <a:p>
-                <a:pPr marL="285750" indent="-285750">
-                  <a:lnSpc>
-                    <a:spcPct val="150000"/>
-                  </a:lnSpc>
-                  <a:buFont typeface="Arial" panose="020B0604020202020204" pitchFamily="34" charset="0"/>
-                  <a:buChar char="•"/>
-                </a:pPr>
+                <a:pPr marL="1028700" lvl="1" indent="-342900"/>
+                <a14:m>
+                  <m:oMath xmlns:m="http://schemas.openxmlformats.org/officeDocument/2006/math">
+                    <m:r>
+                      <a:rPr lang="en-IN" sz="1800" b="0" i="1" smtClean="0">
+                        <a:latin typeface="Cambria Math" panose="02040503050406030204" pitchFamily="18" charset="0"/>
+                      </a:rPr>
+                      <m:t>𝐿</m:t>
+                    </m:r>
+                    <m:r>
+                      <a:rPr lang="en-IN" sz="1800" b="0" i="1" smtClean="0">
+                        <a:latin typeface="Cambria Math" panose="02040503050406030204" pitchFamily="18" charset="0"/>
+                      </a:rPr>
+                      <m:t>→</m:t>
+                    </m:r>
+                    <m:r>
+                      <a:rPr lang="en-IN" sz="1800" b="0" i="1" smtClean="0">
+                        <a:latin typeface="Cambria Math" panose="02040503050406030204" pitchFamily="18" charset="0"/>
+                      </a:rPr>
+                      <m:t>𝑠</m:t>
+                    </m:r>
+                    <m:r>
+                      <a:rPr lang="en-IN" sz="1800" b="0" i="0" smtClean="0">
+                        <a:latin typeface="Cambria Math" panose="02040503050406030204" pitchFamily="18" charset="0"/>
+                      </a:rPr>
+                      <m:t> </m:t>
+                    </m:r>
+                  </m:oMath>
+                </a14:m>
                 <a:r>
-                  <a:rPr lang="en-IN" sz="1800" dirty="0"/>
-                  <a:t>We can then find the probability of co-occurrences of different bases and base-pair combinations. </a:t>
-                </a:r>
-                <a:br>
-                  <a:rPr lang="en-IN" sz="1800" dirty="0"/>
-                </a:br>
-                <a:r>
-                  <a:rPr lang="en-IN" sz="1800" dirty="0"/>
-                  <a:t>i.e. How much is the (C,G) base pair replaced by a (U,G) base pair. We will therefore have a 16*16 probability table in the stem region  or the loop region etc.</a:t>
+                  <a:rPr lang="en-IN" sz="1800" b="0" dirty="0"/>
+                  <a:t>: Produces all non-paired base pairs</a:t>
                 </a:r>
               </a:p>
               <a:p>
-                <a:pPr marL="285750" indent="-285750">
-                  <a:lnSpc>
-                    <a:spcPct val="150000"/>
-                  </a:lnSpc>
-                  <a:buFont typeface="Arial" panose="020B0604020202020204" pitchFamily="34" charset="0"/>
-                  <a:buChar char="•"/>
-                </a:pPr>
-                <a:r>
-                  <a:rPr lang="en-IN" sz="1800" dirty="0"/>
-                  <a:t> Now for a rule like;  </a:t>
-                </a:r>
+                <a:pPr marL="1028700" lvl="1" indent="-342900"/>
                 <a14:m>
                   <m:oMath xmlns:m="http://schemas.openxmlformats.org/officeDocument/2006/math">
+                    <m:r>
+                      <a:rPr lang="en-IN" sz="1800" b="0" i="1" smtClean="0">
+                        <a:latin typeface="Cambria Math" panose="02040503050406030204" pitchFamily="18" charset="0"/>
+                      </a:rPr>
+                      <m:t>𝐹</m:t>
+                    </m:r>
+                    <m:r>
+                      <a:rPr lang="en-IN" sz="1800" b="0" i="1" smtClean="0">
+                        <a:latin typeface="Cambria Math" panose="02040503050406030204" pitchFamily="18" charset="0"/>
+                      </a:rPr>
+                      <m:t>→</m:t>
+                    </m:r>
+                    <m:r>
+                      <a:rPr lang="en-IN" sz="1800" b="0" i="1" smtClean="0">
+                        <a:latin typeface="Cambria Math" panose="02040503050406030204" pitchFamily="18" charset="0"/>
+                      </a:rPr>
+                      <m:t>𝑑𝐹</m:t>
+                    </m:r>
+                    <m:sSup>
+                      <m:sSupPr>
+                        <m:ctrlPr>
+                          <a:rPr lang="en-IN" sz="1800" b="0" i="1" smtClean="0">
+                            <a:latin typeface="Cambria Math" panose="02040503050406030204" pitchFamily="18" charset="0"/>
+                          </a:rPr>
+                        </m:ctrlPr>
+                      </m:sSupPr>
+                      <m:e>
+                        <m:r>
+                          <a:rPr lang="en-IN" sz="1800" b="0" i="1" smtClean="0">
+                            <a:latin typeface="Cambria Math" panose="02040503050406030204" pitchFamily="18" charset="0"/>
+                          </a:rPr>
+                          <m:t>𝑑</m:t>
+                        </m:r>
+                      </m:e>
+                      <m:sup>
+                        <m:r>
+                          <a:rPr lang="en-IN" sz="1800" b="0" i="1" smtClean="0">
+                            <a:latin typeface="Cambria Math" panose="02040503050406030204" pitchFamily="18" charset="0"/>
+                          </a:rPr>
+                          <m:t>′</m:t>
+                        </m:r>
+                        <m:r>
+                          <a:rPr lang="en-IN" sz="1800" b="0" i="1" smtClean="0">
+                            <a:latin typeface="Cambria Math" panose="02040503050406030204" pitchFamily="18" charset="0"/>
+                          </a:rPr>
+                          <m:t> </m:t>
+                        </m:r>
+                      </m:sup>
+                    </m:sSup>
+                    <m:r>
+                      <a:rPr lang="en-IN" sz="1800" i="1">
+                        <a:latin typeface="Cambria Math" panose="02040503050406030204" pitchFamily="18" charset="0"/>
+                      </a:rPr>
+                      <m:t>,,  </m:t>
+                    </m:r>
                     <m:r>
                       <a:rPr lang="en-IN" sz="1800" i="1">
                         <a:latin typeface="Cambria Math" panose="02040503050406030204" pitchFamily="18" charset="0"/>
@@ -34261,142 +35254,117 @@
                   </m:oMath>
                 </a14:m>
                 <a:r>
+                  <a:rPr lang="en-IN" sz="1800" b="0" dirty="0"/>
+                  <a:t>: Produce all </a:t>
+                </a:r>
+                <a:r>
                   <a:rPr lang="en-IN" sz="1800" dirty="0"/>
-                  <a:t>,  we can just estimate one such rule  and use the above table to estimate the probability of 16 other variants </a:t>
+                  <a:t>p</a:t>
+                </a:r>
+                <a:r>
+                  <a:rPr lang="en-IN" sz="1800" b="0" dirty="0"/>
+                  <a:t>aired up base-pairs</a:t>
+                </a:r>
+              </a:p>
+              <a:p>
+                <a:pPr marL="342900" indent="-342900"/>
+                <a:endParaRPr lang="en-IN" sz="1800" dirty="0"/>
+              </a:p>
+              <a:p>
+                <a:pPr marL="342900" indent="-342900" algn="just"/>
+                <a:r>
+                  <a:rPr lang="en-IN" sz="1900" dirty="0"/>
+                  <a:t>If we estimate the frequency of different </a:t>
                 </a:r>
                 <a14:m>
                   <m:oMath xmlns:m="http://schemas.openxmlformats.org/officeDocument/2006/math">
-                    <m:d>
-                      <m:dPr>
-                        <m:ctrlPr>
-                          <a:rPr lang="en-IN" sz="1800" b="0" i="1" smtClean="0">
-                            <a:latin typeface="Cambria Math" panose="02040503050406030204" pitchFamily="18" charset="0"/>
-                          </a:rPr>
-                        </m:ctrlPr>
-                      </m:dPr>
-                      <m:e>
-                        <m:r>
-                          <a:rPr lang="en-IN" sz="1800" b="0" i="1" smtClean="0">
-                            <a:latin typeface="Cambria Math" panose="02040503050406030204" pitchFamily="18" charset="0"/>
-                          </a:rPr>
-                          <m:t>𝑑</m:t>
-                        </m:r>
-                        <m:r>
-                          <a:rPr lang="en-IN" sz="1800" b="0" i="1" smtClean="0">
-                            <a:latin typeface="Cambria Math" panose="02040503050406030204" pitchFamily="18" charset="0"/>
-                          </a:rPr>
-                          <m:t>,</m:t>
-                        </m:r>
-                        <m:sSup>
-                          <m:sSupPr>
-                            <m:ctrlPr>
-                              <a:rPr lang="en-IN" sz="1800" b="0" i="1" smtClean="0">
-                                <a:latin typeface="Cambria Math" panose="02040503050406030204" pitchFamily="18" charset="0"/>
-                              </a:rPr>
-                            </m:ctrlPr>
-                          </m:sSupPr>
-                          <m:e>
-                            <m:r>
-                              <a:rPr lang="en-IN" sz="1800" b="0" i="1" smtClean="0">
-                                <a:latin typeface="Cambria Math" panose="02040503050406030204" pitchFamily="18" charset="0"/>
-                              </a:rPr>
-                              <m:t>𝑑</m:t>
-                            </m:r>
-                          </m:e>
-                          <m:sup>
-                            <m:r>
-                              <a:rPr lang="en-IN" sz="1800" b="0" i="1" smtClean="0">
-                                <a:latin typeface="Cambria Math" panose="02040503050406030204" pitchFamily="18" charset="0"/>
-                              </a:rPr>
-                              <m:t>′</m:t>
-                            </m:r>
-                          </m:sup>
-                        </m:sSup>
-                      </m:e>
-                    </m:d>
                     <m:r>
-                      <a:rPr lang="en-IN" sz="1800" b="0" i="1" smtClean="0">
+                      <a:rPr lang="en-IN" sz="1900" b="0" i="0" smtClean="0">
                         <a:latin typeface="Cambria Math" panose="02040503050406030204" pitchFamily="18" charset="0"/>
                       </a:rPr>
-                      <m:t>∈</m:t>
+                      <m:t>(</m:t>
+                    </m:r>
+                    <m:r>
+                      <a:rPr lang="en-IN" sz="1900" b="0" i="1" smtClean="0">
+                        <a:latin typeface="Cambria Math" panose="02040503050406030204" pitchFamily="18" charset="0"/>
+                      </a:rPr>
+                      <m:t>𝑠</m:t>
+                    </m:r>
+                    <m:r>
+                      <a:rPr lang="en-IN" sz="1900" b="0" i="1" smtClean="0">
+                        <a:latin typeface="Cambria Math" panose="02040503050406030204" pitchFamily="18" charset="0"/>
+                      </a:rPr>
+                      <m:t>) </m:t>
+                    </m:r>
+                  </m:oMath>
+                </a14:m>
+                <a:r>
+                  <a:rPr lang="en-IN" sz="1900" dirty="0"/>
+                  <a:t>in unpaired regions(loops) and </a:t>
+                </a:r>
+                <a14:m>
+                  <m:oMath xmlns:m="http://schemas.openxmlformats.org/officeDocument/2006/math">
+                    <m:r>
+                      <a:rPr lang="en-IN" sz="1900" b="0" i="1" smtClean="0">
+                        <a:latin typeface="Cambria Math" panose="02040503050406030204" pitchFamily="18" charset="0"/>
+                      </a:rPr>
+                      <m:t>(</m:t>
+                    </m:r>
+                    <m:r>
+                      <a:rPr lang="en-IN" sz="1900" b="0" i="1" smtClean="0">
+                        <a:latin typeface="Cambria Math" panose="02040503050406030204" pitchFamily="18" charset="0"/>
+                      </a:rPr>
+                      <m:t>𝑑</m:t>
+                    </m:r>
+                    <m:r>
+                      <a:rPr lang="en-IN" sz="1900" b="0" i="1" smtClean="0">
+                        <a:latin typeface="Cambria Math" panose="02040503050406030204" pitchFamily="18" charset="0"/>
+                      </a:rPr>
+                      <m:t>,</m:t>
                     </m:r>
                     <m:sSup>
                       <m:sSupPr>
                         <m:ctrlPr>
-                          <a:rPr lang="en-IN" sz="1800" b="0" i="1" smtClean="0">
+                          <a:rPr lang="en-IN" sz="1900" b="0" i="1" smtClean="0">
                             <a:latin typeface="Cambria Math" panose="02040503050406030204" pitchFamily="18" charset="0"/>
                           </a:rPr>
                         </m:ctrlPr>
                       </m:sSupPr>
                       <m:e>
-                        <m:d>
-                          <m:dPr>
-                            <m:begChr m:val="{"/>
-                            <m:endChr m:val="}"/>
-                            <m:ctrlPr>
-                              <a:rPr lang="en-IN" sz="1800" b="0" i="1" smtClean="0">
-                                <a:latin typeface="Cambria Math" panose="02040503050406030204" pitchFamily="18" charset="0"/>
-                              </a:rPr>
-                            </m:ctrlPr>
-                          </m:dPr>
-                          <m:e>
-                            <m:r>
-                              <a:rPr lang="en-IN" sz="1800" b="0" i="1" smtClean="0">
-                                <a:latin typeface="Cambria Math" panose="02040503050406030204" pitchFamily="18" charset="0"/>
-                              </a:rPr>
-                              <m:t>𝐴</m:t>
-                            </m:r>
-                            <m:r>
-                              <a:rPr lang="en-IN" sz="1800" b="0" i="1" smtClean="0">
-                                <a:latin typeface="Cambria Math" panose="02040503050406030204" pitchFamily="18" charset="0"/>
-                              </a:rPr>
-                              <m:t>,</m:t>
-                            </m:r>
-                            <m:r>
-                              <a:rPr lang="en-IN" sz="1800" b="0" i="1" smtClean="0">
-                                <a:latin typeface="Cambria Math" panose="02040503050406030204" pitchFamily="18" charset="0"/>
-                              </a:rPr>
-                              <m:t>𝑈</m:t>
-                            </m:r>
-                            <m:r>
-                              <a:rPr lang="en-IN" sz="1800" b="0" i="1" smtClean="0">
-                                <a:latin typeface="Cambria Math" panose="02040503050406030204" pitchFamily="18" charset="0"/>
-                              </a:rPr>
-                              <m:t>,</m:t>
-                            </m:r>
-                            <m:r>
-                              <a:rPr lang="en-IN" sz="1800" b="0" i="1" smtClean="0">
-                                <a:latin typeface="Cambria Math" panose="02040503050406030204" pitchFamily="18" charset="0"/>
-                              </a:rPr>
-                              <m:t>𝐶</m:t>
-                            </m:r>
-                            <m:r>
-                              <a:rPr lang="en-IN" sz="1800" b="0" i="1" smtClean="0">
-                                <a:latin typeface="Cambria Math" panose="02040503050406030204" pitchFamily="18" charset="0"/>
-                              </a:rPr>
-                              <m:t>,</m:t>
-                            </m:r>
-                            <m:r>
-                              <a:rPr lang="en-IN" sz="1800" b="0" i="1" smtClean="0">
-                                <a:latin typeface="Cambria Math" panose="02040503050406030204" pitchFamily="18" charset="0"/>
-                              </a:rPr>
-                              <m:t>𝐺</m:t>
-                            </m:r>
-                          </m:e>
-                        </m:d>
+                        <m:r>
+                          <a:rPr lang="en-IN" sz="1900" b="0" i="1" smtClean="0">
+                            <a:latin typeface="Cambria Math" panose="02040503050406030204" pitchFamily="18" charset="0"/>
+                          </a:rPr>
+                          <m:t>𝑑</m:t>
+                        </m:r>
                       </m:e>
                       <m:sup>
                         <m:r>
-                          <a:rPr lang="en-IN" sz="1800" b="0" i="1" smtClean="0">
+                          <a:rPr lang="en-IN" sz="1900" b="0" i="1" smtClean="0">
                             <a:latin typeface="Cambria Math" panose="02040503050406030204" pitchFamily="18" charset="0"/>
                           </a:rPr>
-                          <m:t>2</m:t>
+                          <m:t>′</m:t>
                         </m:r>
                       </m:sup>
                     </m:sSup>
+                    <m:r>
+                      <a:rPr lang="en-IN" sz="1900" b="0" i="1" smtClean="0">
+                        <a:latin typeface="Cambria Math" panose="02040503050406030204" pitchFamily="18" charset="0"/>
+                      </a:rPr>
+                      <m:t>)</m:t>
+                    </m:r>
                   </m:oMath>
                 </a14:m>
-                <a:endParaRPr lang="en-IN" sz="1800" dirty="0"/>
+                <a:r>
+                  <a:rPr lang="en-IN" sz="1900" b="0" dirty="0"/>
+                  <a:t> in paired up regions (stems),  and use this information to infer rules. We can estimate this using RNA whose secondary structure has already been found. ( Labelled data)</a:t>
+                </a:r>
+              </a:p>
+              <a:p>
+                <a:endParaRPr lang="en-IN" sz="2000" b="0" dirty="0"/>
+              </a:p>
+              <a:p>
+                <a:endParaRPr lang="en-US" dirty="0"/>
               </a:p>
             </p:txBody>
           </p:sp>
@@ -34407,7 +35375,7 @@
               <p:cNvPr id="3" name="Content Placeholder 2">
                 <a:extLst>
                   <a:ext uri="{FF2B5EF4-FFF2-40B4-BE49-F238E27FC236}">
-                    <a16:creationId xmlns:a16="http://schemas.microsoft.com/office/drawing/2014/main" id="{87916CE0-78FB-CD86-E879-8682FAF40960}"/>
+                    <a16:creationId xmlns:a16="http://schemas.microsoft.com/office/drawing/2014/main" id="{2BE8FDE3-DBA4-6A04-C75D-E56FE92EF368}"/>
                   </a:ext>
                 </a:extLst>
               </p:cNvPr>
@@ -34420,13 +35388,13 @@
             </p:nvSpPr>
             <p:spPr>
               <a:xfrm>
-                <a:off x="4006813" y="1350410"/>
-                <a:ext cx="7151044" cy="5050390"/>
+                <a:off x="555169" y="1719072"/>
+                <a:ext cx="6803573" cy="4839353"/>
               </a:xfrm>
               <a:blipFill>
-                <a:blip r:embed="rId2"/>
+                <a:blip r:embed="rId3"/>
                 <a:stretch>
-                  <a:fillRect l="-512" b="-2778"/>
+                  <a:fillRect l="-806" t="-1134" r="-1703" b="-1008"/>
                 </a:stretch>
               </a:blipFill>
             </p:spPr>
@@ -34445,12 +35413,42 @@
           </p:sp>
         </mc:Fallback>
       </mc:AlternateContent>
+      <p:pic>
+        <p:nvPicPr>
+          <p:cNvPr id="7" name="Picture 6">
+            <a:extLst>
+              <a:ext uri="{FF2B5EF4-FFF2-40B4-BE49-F238E27FC236}">
+                <a16:creationId xmlns:a16="http://schemas.microsoft.com/office/drawing/2014/main" id="{62B2FD70-1FBC-A05E-AE66-634DB6F09DCD}"/>
+              </a:ext>
+            </a:extLst>
+          </p:cNvPr>
+          <p:cNvPicPr>
+            <a:picLocks noChangeAspect="1"/>
+          </p:cNvPicPr>
+          <p:nvPr/>
+        </p:nvPicPr>
+        <p:blipFill>
+          <a:blip r:embed="rId4"/>
+          <a:stretch>
+            <a:fillRect/>
+          </a:stretch>
+        </p:blipFill>
+        <p:spPr>
+          <a:xfrm>
+            <a:off x="8186058" y="-1"/>
+            <a:ext cx="4009108" cy="6957309"/>
+          </a:xfrm>
+          <a:prstGeom prst="rect">
+            <a:avLst/>
+          </a:prstGeom>
+        </p:spPr>
+      </p:pic>
       <p:sp>
         <p:nvSpPr>
           <p:cNvPr id="5" name="Slide Number Placeholder 4">
             <a:extLst>
               <a:ext uri="{FF2B5EF4-FFF2-40B4-BE49-F238E27FC236}">
-                <a16:creationId xmlns:a16="http://schemas.microsoft.com/office/drawing/2014/main" id="{9350C69E-8E3B-216F-AF70-9B265C4D49F4}"/>
+                <a16:creationId xmlns:a16="http://schemas.microsoft.com/office/drawing/2014/main" id="{BF7F20BE-640F-EFAB-3A43-2AA146DB42BF}"/>
               </a:ext>
             </a:extLst>
           </p:cNvPr>
@@ -34461,23 +35459,59 @@
             <p:ph type="sldNum" sz="quarter" idx="12"/>
           </p:nvPr>
         </p:nvSpPr>
-        <p:spPr/>
+        <p:spPr>
+          <a:xfrm>
+            <a:off x="9791481" y="188976"/>
+            <a:ext cx="987552" cy="274320"/>
+          </a:xfrm>
+        </p:spPr>
         <p:txBody>
           <a:bodyPr/>
           <a:lstStyle/>
           <a:p>
             <a:fld id="{48F63A3B-78C7-47BE-AE5E-E10140E04643}" type="slidenum">
               <a:rPr lang="en-US" smtClean="0"/>
+              <a:pPr/>
               <a:t>19</a:t>
             </a:fld>
             <a:endParaRPr lang="en-US" dirty="0"/>
           </a:p>
         </p:txBody>
       </p:sp>
+      <p:pic>
+        <p:nvPicPr>
+          <p:cNvPr id="6" name="Picture 5">
+            <a:extLst>
+              <a:ext uri="{FF2B5EF4-FFF2-40B4-BE49-F238E27FC236}">
+                <a16:creationId xmlns:a16="http://schemas.microsoft.com/office/drawing/2014/main" id="{921F97CF-40DD-3C6A-9161-CFF8DD787967}"/>
+              </a:ext>
+            </a:extLst>
+          </p:cNvPr>
+          <p:cNvPicPr>
+            <a:picLocks noChangeAspect="1"/>
+          </p:cNvPicPr>
+          <p:nvPr/>
+        </p:nvPicPr>
+        <p:blipFill>
+          <a:blip r:embed="rId5"/>
+          <a:stretch>
+            <a:fillRect/>
+          </a:stretch>
+        </p:blipFill>
+        <p:spPr>
+          <a:xfrm>
+            <a:off x="7514972" y="1232303"/>
+            <a:ext cx="4680194" cy="4025497"/>
+          </a:xfrm>
+          <a:prstGeom prst="rect">
+            <a:avLst/>
+          </a:prstGeom>
+        </p:spPr>
+      </p:pic>
     </p:spTree>
     <p:extLst>
       <p:ext uri="{BB962C8B-B14F-4D97-AF65-F5344CB8AC3E}">
-        <p14:creationId xmlns:p14="http://schemas.microsoft.com/office/powerpoint/2010/main" val="3069527440"/>
+        <p14:creationId xmlns:p14="http://schemas.microsoft.com/office/powerpoint/2010/main" val="684674332"/>
       </p:ext>
     </p:extLst>
   </p:cSld>
@@ -35342,6 +36376,2306 @@
 </file>
 
 <file path=ppt/slides/slide20.xml><?xml version="1.0" encoding="utf-8"?>
+<p:sld xmlns:a="http://schemas.openxmlformats.org/drawingml/2006/main" xmlns:r="http://schemas.openxmlformats.org/officeDocument/2006/relationships" xmlns:p="http://schemas.openxmlformats.org/presentationml/2006/main" showMasterSp="0">
+  <p:cSld>
+    <p:bg>
+      <p:bgPr>
+        <a:solidFill>
+          <a:schemeClr val="bg1"/>
+        </a:solidFill>
+        <a:effectLst/>
+      </p:bgPr>
+    </p:bg>
+    <p:spTree>
+      <p:nvGrpSpPr>
+        <p:cNvPr id="1" name=""/>
+        <p:cNvGrpSpPr/>
+        <p:nvPr/>
+      </p:nvGrpSpPr>
+      <p:grpSpPr>
+        <a:xfrm>
+          <a:off x="0" y="0"/>
+          <a:ext cx="0" cy="0"/>
+          <a:chOff x="0" y="0"/>
+          <a:chExt cx="0" cy="0"/>
+        </a:xfrm>
+      </p:grpSpPr>
+      <p:sp>
+        <p:nvSpPr>
+          <p:cNvPr id="2" name="Title 1">
+            <a:extLst>
+              <a:ext uri="{FF2B5EF4-FFF2-40B4-BE49-F238E27FC236}">
+                <a16:creationId xmlns:a16="http://schemas.microsoft.com/office/drawing/2014/main" id="{B83F7D2E-080D-DBDD-73C4-3C38A2B77908}"/>
+              </a:ext>
+            </a:extLst>
+          </p:cNvPr>
+          <p:cNvSpPr>
+            <a:spLocks noGrp="1"/>
+          </p:cNvSpPr>
+          <p:nvPr>
+            <p:ph type="title"/>
+          </p:nvPr>
+        </p:nvSpPr>
+        <p:spPr>
+          <a:xfrm>
+            <a:off x="394636" y="326136"/>
+            <a:ext cx="7437200" cy="1289739"/>
+          </a:xfrm>
+        </p:spPr>
+        <p:txBody>
+          <a:bodyPr/>
+          <a:lstStyle/>
+          <a:p>
+            <a:r>
+              <a:rPr lang="en-US" sz="3600" dirty="0"/>
+              <a:t>better estimation OF SCFG parameters? </a:t>
+            </a:r>
+          </a:p>
+        </p:txBody>
+      </p:sp>
+      <mc:AlternateContent xmlns:mc="http://schemas.openxmlformats.org/markup-compatibility/2006">
+        <mc:Choice xmlns:a14="http://schemas.microsoft.com/office/drawing/2010/main" Requires="a14">
+          <p:sp>
+            <p:nvSpPr>
+              <p:cNvPr id="3" name="Content Placeholder 2">
+                <a:extLst>
+                  <a:ext uri="{FF2B5EF4-FFF2-40B4-BE49-F238E27FC236}">
+                    <a16:creationId xmlns:a16="http://schemas.microsoft.com/office/drawing/2014/main" id="{2BE8FDE3-DBA4-6A04-C75D-E56FE92EF368}"/>
+                  </a:ext>
+                </a:extLst>
+              </p:cNvPr>
+              <p:cNvSpPr>
+                <a:spLocks noGrp="1"/>
+              </p:cNvSpPr>
+              <p:nvPr>
+                <p:ph idx="1"/>
+              </p:nvPr>
+            </p:nvSpPr>
+            <p:spPr>
+              <a:xfrm>
+                <a:off x="555169" y="1719072"/>
+                <a:ext cx="6803573" cy="4839353"/>
+              </a:xfrm>
+            </p:spPr>
+            <p:txBody>
+              <a:bodyPr/>
+              <a:lstStyle/>
+              <a:p>
+                <a:pPr algn="ctr"/>
+                <a:r>
+                  <a:rPr lang="en-US" sz="2800" b="1" dirty="0">
+                    <a:solidFill>
+                      <a:schemeClr val="tx1"/>
+                    </a:solidFill>
+                  </a:rPr>
+                  <a:t>Idea 1: </a:t>
+                </a:r>
+                <a:r>
+                  <a:rPr lang="en-US" sz="2800" dirty="0">
+                    <a:solidFill>
+                      <a:schemeClr val="tx1"/>
+                    </a:solidFill>
+                  </a:rPr>
+                  <a:t>Careful Selection of Rules</a:t>
+                </a:r>
+                <a:endParaRPr lang="en-US" sz="2800" b="1" dirty="0">
+                  <a:solidFill>
+                    <a:schemeClr val="tx1"/>
+                  </a:solidFill>
+                </a:endParaRPr>
+              </a:p>
+              <a:p>
+                <a:pPr/>
+                <a14:m>
+                  <m:oMathPara xmlns:m="http://schemas.openxmlformats.org/officeDocument/2006/math">
+                    <m:oMathParaPr>
+                      <m:jc m:val="centerGroup"/>
+                    </m:oMathParaPr>
+                    <m:oMath xmlns:m="http://schemas.openxmlformats.org/officeDocument/2006/math">
+                      <m:r>
+                        <a:rPr lang="en-IN" sz="2000" b="0" i="1" smtClean="0">
+                          <a:latin typeface="Cambria Math" panose="02040503050406030204" pitchFamily="18" charset="0"/>
+                        </a:rPr>
+                        <m:t>𝑆</m:t>
+                      </m:r>
+                      <m:r>
+                        <a:rPr lang="en-IN" sz="2000" b="0" i="1" smtClean="0">
+                          <a:latin typeface="Cambria Math" panose="02040503050406030204" pitchFamily="18" charset="0"/>
+                        </a:rPr>
+                        <m:t>→</m:t>
+                      </m:r>
+                      <m:r>
+                        <a:rPr lang="en-IN" sz="2000" b="0" i="1" smtClean="0">
+                          <a:latin typeface="Cambria Math" panose="02040503050406030204" pitchFamily="18" charset="0"/>
+                        </a:rPr>
+                        <m:t>𝐿𝑆</m:t>
+                      </m:r>
+                      <m:r>
+                        <a:rPr lang="en-IN" sz="2000" b="0" i="1" smtClean="0">
+                          <a:latin typeface="Cambria Math" panose="02040503050406030204" pitchFamily="18" charset="0"/>
+                        </a:rPr>
+                        <m:t> </m:t>
+                      </m:r>
+                      <m:r>
+                        <a:rPr lang="en-IN" sz="2000" b="0" i="1" smtClean="0">
+                          <a:latin typeface="Cambria Math" panose="02040503050406030204" pitchFamily="18" charset="0"/>
+                        </a:rPr>
+                        <m:t>𝑜𝑟</m:t>
+                      </m:r>
+                      <m:r>
+                        <a:rPr lang="en-IN" sz="2000" b="0" i="1" smtClean="0">
+                          <a:latin typeface="Cambria Math" panose="02040503050406030204" pitchFamily="18" charset="0"/>
+                        </a:rPr>
+                        <m:t> </m:t>
+                      </m:r>
+                      <m:r>
+                        <a:rPr lang="en-IN" sz="2000" b="0" i="1" smtClean="0">
+                          <a:latin typeface="Cambria Math" panose="02040503050406030204" pitchFamily="18" charset="0"/>
+                        </a:rPr>
+                        <m:t>𝐿</m:t>
+                      </m:r>
+                      <m:r>
+                        <a:rPr lang="en-IN" sz="2000" b="0" i="1" smtClean="0">
+                          <a:latin typeface="Cambria Math" panose="02040503050406030204" pitchFamily="18" charset="0"/>
+                        </a:rPr>
+                        <m:t>,  </m:t>
+                      </m:r>
+                      <m:r>
+                        <a:rPr lang="en-IN" sz="2000" b="0" i="1" smtClean="0">
+                          <a:latin typeface="Cambria Math" panose="02040503050406030204" pitchFamily="18" charset="0"/>
+                        </a:rPr>
+                        <m:t>𝐿</m:t>
+                      </m:r>
+                      <m:r>
+                        <a:rPr lang="en-IN" sz="2000" b="0" i="1" smtClean="0">
+                          <a:latin typeface="Cambria Math" panose="02040503050406030204" pitchFamily="18" charset="0"/>
+                        </a:rPr>
+                        <m:t>→</m:t>
+                      </m:r>
+                      <m:r>
+                        <a:rPr lang="en-IN" sz="2000" b="0" i="1" smtClean="0">
+                          <a:latin typeface="Cambria Math" panose="02040503050406030204" pitchFamily="18" charset="0"/>
+                        </a:rPr>
+                        <m:t>𝑠</m:t>
+                      </m:r>
+                      <m:r>
+                        <a:rPr lang="en-IN" sz="2000" b="0" i="1" smtClean="0">
+                          <a:latin typeface="Cambria Math" panose="02040503050406030204" pitchFamily="18" charset="0"/>
+                        </a:rPr>
+                        <m:t>, </m:t>
+                      </m:r>
+                      <m:r>
+                        <a:rPr lang="en-IN" sz="2000" b="0" i="1" smtClean="0">
+                          <a:latin typeface="Cambria Math" panose="02040503050406030204" pitchFamily="18" charset="0"/>
+                        </a:rPr>
+                        <m:t>𝑜𝑟</m:t>
+                      </m:r>
+                      <m:r>
+                        <a:rPr lang="en-IN" sz="2000" b="0" i="1" smtClean="0">
+                          <a:latin typeface="Cambria Math" panose="02040503050406030204" pitchFamily="18" charset="0"/>
+                        </a:rPr>
+                        <m:t> </m:t>
+                      </m:r>
+                      <m:r>
+                        <a:rPr lang="en-IN" sz="2000" b="0" i="1" smtClean="0">
+                          <a:latin typeface="Cambria Math" panose="02040503050406030204" pitchFamily="18" charset="0"/>
+                        </a:rPr>
+                        <m:t>𝑑𝐹</m:t>
+                      </m:r>
+                      <m:sSup>
+                        <m:sSupPr>
+                          <m:ctrlPr>
+                            <a:rPr lang="en-IN" sz="2000" b="0" i="1" smtClean="0">
+                              <a:latin typeface="Cambria Math" panose="02040503050406030204" pitchFamily="18" charset="0"/>
+                            </a:rPr>
+                          </m:ctrlPr>
+                        </m:sSupPr>
+                        <m:e>
+                          <m:r>
+                            <a:rPr lang="en-IN" sz="2000" b="0" i="1" smtClean="0">
+                              <a:latin typeface="Cambria Math" panose="02040503050406030204" pitchFamily="18" charset="0"/>
+                            </a:rPr>
+                            <m:t>𝑑</m:t>
+                          </m:r>
+                        </m:e>
+                        <m:sup>
+                          <m:r>
+                            <a:rPr lang="en-IN" sz="2000" b="0" i="1" smtClean="0">
+                              <a:latin typeface="Cambria Math" panose="02040503050406030204" pitchFamily="18" charset="0"/>
+                            </a:rPr>
+                            <m:t>′</m:t>
+                          </m:r>
+                        </m:sup>
+                      </m:sSup>
+                      <m:r>
+                        <a:rPr lang="en-IN" sz="2000" b="0" i="1" smtClean="0">
+                          <a:latin typeface="Cambria Math" panose="02040503050406030204" pitchFamily="18" charset="0"/>
+                        </a:rPr>
+                        <m:t>,  </m:t>
+                      </m:r>
+                      <m:r>
+                        <a:rPr lang="en-IN" sz="2000" b="0" i="1" smtClean="0">
+                          <a:latin typeface="Cambria Math" panose="02040503050406030204" pitchFamily="18" charset="0"/>
+                        </a:rPr>
+                        <m:t>𝐹</m:t>
+                      </m:r>
+                      <m:r>
+                        <a:rPr lang="en-IN" sz="2000" b="0" i="1" smtClean="0">
+                          <a:latin typeface="Cambria Math" panose="02040503050406030204" pitchFamily="18" charset="0"/>
+                        </a:rPr>
+                        <m:t>→</m:t>
+                      </m:r>
+                      <m:r>
+                        <a:rPr lang="en-IN" sz="2000" b="0" i="1" smtClean="0">
+                          <a:latin typeface="Cambria Math" panose="02040503050406030204" pitchFamily="18" charset="0"/>
+                        </a:rPr>
+                        <m:t>𝑑𝐹</m:t>
+                      </m:r>
+                      <m:sSup>
+                        <m:sSupPr>
+                          <m:ctrlPr>
+                            <a:rPr lang="en-IN" sz="2000" b="0" i="1" smtClean="0">
+                              <a:latin typeface="Cambria Math" panose="02040503050406030204" pitchFamily="18" charset="0"/>
+                            </a:rPr>
+                          </m:ctrlPr>
+                        </m:sSupPr>
+                        <m:e>
+                          <m:r>
+                            <a:rPr lang="en-IN" sz="2000" b="0" i="1" smtClean="0">
+                              <a:latin typeface="Cambria Math" panose="02040503050406030204" pitchFamily="18" charset="0"/>
+                            </a:rPr>
+                            <m:t>𝑑</m:t>
+                          </m:r>
+                        </m:e>
+                        <m:sup>
+                          <m:r>
+                            <a:rPr lang="en-IN" sz="2000" b="0" i="1" smtClean="0">
+                              <a:latin typeface="Cambria Math" panose="02040503050406030204" pitchFamily="18" charset="0"/>
+                            </a:rPr>
+                            <m:t>′</m:t>
+                          </m:r>
+                        </m:sup>
+                      </m:sSup>
+                      <m:r>
+                        <a:rPr lang="en-IN" sz="2000" b="0" i="1" smtClean="0">
+                          <a:latin typeface="Cambria Math" panose="02040503050406030204" pitchFamily="18" charset="0"/>
+                        </a:rPr>
+                        <m:t>𝑜𝑟</m:t>
+                      </m:r>
+                      <m:r>
+                        <a:rPr lang="en-IN" sz="2000" b="0" i="1" smtClean="0">
+                          <a:latin typeface="Cambria Math" panose="02040503050406030204" pitchFamily="18" charset="0"/>
+                        </a:rPr>
+                        <m:t> </m:t>
+                      </m:r>
+                      <m:r>
+                        <a:rPr lang="en-IN" sz="2000" b="0" i="1" smtClean="0">
+                          <a:latin typeface="Cambria Math" panose="02040503050406030204" pitchFamily="18" charset="0"/>
+                        </a:rPr>
+                        <m:t>𝐿𝑆</m:t>
+                      </m:r>
+                    </m:oMath>
+                  </m:oMathPara>
+                </a14:m>
+                <a:endParaRPr lang="en-IN" sz="2000" b="0" dirty="0"/>
+              </a:p>
+              <a:p>
+                <a:pPr algn="r"/>
+                <a14:m>
+                  <m:oMathPara xmlns:m="http://schemas.openxmlformats.org/officeDocument/2006/math">
+                    <m:oMathParaPr>
+                      <m:jc m:val="right"/>
+                    </m:oMathParaPr>
+                    <m:oMath xmlns:m="http://schemas.openxmlformats.org/officeDocument/2006/math">
+                      <m:r>
+                        <a:rPr lang="en-IN" sz="1800" b="0" i="1" smtClean="0">
+                          <a:latin typeface="Cambria Math" panose="02040503050406030204" pitchFamily="18" charset="0"/>
+                        </a:rPr>
+                        <m:t>𝑤h𝑒𝑟𝑒</m:t>
+                      </m:r>
+                      <m:r>
+                        <a:rPr lang="en-IN" sz="1800" b="0" i="1" smtClean="0">
+                          <a:latin typeface="Cambria Math" panose="02040503050406030204" pitchFamily="18" charset="0"/>
+                        </a:rPr>
+                        <m:t> </m:t>
+                      </m:r>
+                      <m:r>
+                        <a:rPr lang="en-IN" sz="1800" b="0" i="1" smtClean="0">
+                          <a:latin typeface="Cambria Math" panose="02040503050406030204" pitchFamily="18" charset="0"/>
+                        </a:rPr>
+                        <m:t>𝑠</m:t>
+                      </m:r>
+                      <m:r>
+                        <a:rPr lang="en-IN" sz="1800" b="0" i="1" smtClean="0">
+                          <a:latin typeface="Cambria Math" panose="02040503050406030204" pitchFamily="18" charset="0"/>
+                        </a:rPr>
+                        <m:t>∈</m:t>
+                      </m:r>
+                      <m:d>
+                        <m:dPr>
+                          <m:begChr m:val="{"/>
+                          <m:endChr m:val="}"/>
+                          <m:ctrlPr>
+                            <a:rPr lang="en-IN" sz="1800" b="0" i="1" smtClean="0">
+                              <a:latin typeface="Cambria Math" panose="02040503050406030204" pitchFamily="18" charset="0"/>
+                            </a:rPr>
+                          </m:ctrlPr>
+                        </m:dPr>
+                        <m:e>
+                          <m:r>
+                            <a:rPr lang="en-IN" sz="1800" b="0" i="1" smtClean="0">
+                              <a:latin typeface="Cambria Math" panose="02040503050406030204" pitchFamily="18" charset="0"/>
+                            </a:rPr>
+                            <m:t>𝐴</m:t>
+                          </m:r>
+                          <m:r>
+                            <a:rPr lang="en-IN" sz="1800" b="0" i="1" smtClean="0">
+                              <a:latin typeface="Cambria Math" panose="02040503050406030204" pitchFamily="18" charset="0"/>
+                            </a:rPr>
+                            <m:t>,</m:t>
+                          </m:r>
+                          <m:r>
+                            <a:rPr lang="en-IN" sz="1800" b="0" i="1" smtClean="0">
+                              <a:latin typeface="Cambria Math" panose="02040503050406030204" pitchFamily="18" charset="0"/>
+                            </a:rPr>
+                            <m:t>𝑈</m:t>
+                          </m:r>
+                          <m:r>
+                            <a:rPr lang="en-IN" sz="1800" b="0" i="1" smtClean="0">
+                              <a:latin typeface="Cambria Math" panose="02040503050406030204" pitchFamily="18" charset="0"/>
+                            </a:rPr>
+                            <m:t>,</m:t>
+                          </m:r>
+                          <m:r>
+                            <a:rPr lang="en-IN" sz="1800" b="0" i="1" smtClean="0">
+                              <a:latin typeface="Cambria Math" panose="02040503050406030204" pitchFamily="18" charset="0"/>
+                            </a:rPr>
+                            <m:t>𝐶</m:t>
+                          </m:r>
+                          <m:r>
+                            <a:rPr lang="en-IN" sz="1800" b="0" i="1" smtClean="0">
+                              <a:latin typeface="Cambria Math" panose="02040503050406030204" pitchFamily="18" charset="0"/>
+                            </a:rPr>
+                            <m:t>,</m:t>
+                          </m:r>
+                          <m:r>
+                            <a:rPr lang="en-IN" sz="1800" b="0" i="1" smtClean="0">
+                              <a:latin typeface="Cambria Math" panose="02040503050406030204" pitchFamily="18" charset="0"/>
+                            </a:rPr>
+                            <m:t>𝐺</m:t>
+                          </m:r>
+                        </m:e>
+                      </m:d>
+                      <m:r>
+                        <a:rPr lang="en-IN" sz="1800" b="0" i="1" smtClean="0">
+                          <a:latin typeface="Cambria Math" panose="02040503050406030204" pitchFamily="18" charset="0"/>
+                        </a:rPr>
+                        <m:t>, </m:t>
+                      </m:r>
+                      <m:r>
+                        <a:rPr lang="en-IN" sz="1800" b="0" i="1" smtClean="0">
+                          <a:latin typeface="Cambria Math" panose="02040503050406030204" pitchFamily="18" charset="0"/>
+                        </a:rPr>
+                        <m:t>𝑎𝑛𝑑</m:t>
+                      </m:r>
+                      <m:r>
+                        <a:rPr lang="en-IN" sz="1800" b="0" i="1" smtClean="0">
+                          <a:latin typeface="Cambria Math" panose="02040503050406030204" pitchFamily="18" charset="0"/>
+                        </a:rPr>
+                        <m:t> </m:t>
+                      </m:r>
+                      <m:d>
+                        <m:dPr>
+                          <m:ctrlPr>
+                            <a:rPr lang="en-IN" sz="1800" b="0" i="1" smtClean="0">
+                              <a:latin typeface="Cambria Math" panose="02040503050406030204" pitchFamily="18" charset="0"/>
+                            </a:rPr>
+                          </m:ctrlPr>
+                        </m:dPr>
+                        <m:e>
+                          <m:r>
+                            <a:rPr lang="en-IN" sz="1800" b="0" i="1" smtClean="0">
+                              <a:latin typeface="Cambria Math" panose="02040503050406030204" pitchFamily="18" charset="0"/>
+                            </a:rPr>
+                            <m:t>𝑑</m:t>
+                          </m:r>
+                          <m:r>
+                            <a:rPr lang="en-IN" sz="1800" b="0" i="1" smtClean="0">
+                              <a:latin typeface="Cambria Math" panose="02040503050406030204" pitchFamily="18" charset="0"/>
+                            </a:rPr>
+                            <m:t>,</m:t>
+                          </m:r>
+                          <m:sSup>
+                            <m:sSupPr>
+                              <m:ctrlPr>
+                                <a:rPr lang="en-IN" sz="1800" b="0" i="1" smtClean="0">
+                                  <a:latin typeface="Cambria Math" panose="02040503050406030204" pitchFamily="18" charset="0"/>
+                                </a:rPr>
+                              </m:ctrlPr>
+                            </m:sSupPr>
+                            <m:e>
+                              <m:r>
+                                <a:rPr lang="en-IN" sz="1800" b="0" i="1" smtClean="0">
+                                  <a:latin typeface="Cambria Math" panose="02040503050406030204" pitchFamily="18" charset="0"/>
+                                </a:rPr>
+                                <m:t>𝑑</m:t>
+                              </m:r>
+                            </m:e>
+                            <m:sup>
+                              <m:r>
+                                <a:rPr lang="en-IN" sz="1800" b="0" i="1" smtClean="0">
+                                  <a:latin typeface="Cambria Math" panose="02040503050406030204" pitchFamily="18" charset="0"/>
+                                </a:rPr>
+                                <m:t>′</m:t>
+                              </m:r>
+                            </m:sup>
+                          </m:sSup>
+                        </m:e>
+                      </m:d>
+                      <m:r>
+                        <a:rPr lang="en-IN" sz="1800" b="0" i="1" smtClean="0">
+                          <a:latin typeface="Cambria Math" panose="02040503050406030204" pitchFamily="18" charset="0"/>
+                        </a:rPr>
+                        <m:t>𝑖𝑠</m:t>
+                      </m:r>
+                      <m:r>
+                        <a:rPr lang="en-IN" sz="1800" b="0" i="1" smtClean="0">
+                          <a:latin typeface="Cambria Math" panose="02040503050406030204" pitchFamily="18" charset="0"/>
+                        </a:rPr>
+                        <m:t> </m:t>
+                      </m:r>
+                      <m:r>
+                        <a:rPr lang="en-IN" sz="1800" b="0" i="1" smtClean="0">
+                          <a:latin typeface="Cambria Math" panose="02040503050406030204" pitchFamily="18" charset="0"/>
+                        </a:rPr>
+                        <m:t>𝑎</m:t>
+                      </m:r>
+                      <m:r>
+                        <a:rPr lang="en-IN" sz="1800" b="0" i="1" smtClean="0">
+                          <a:latin typeface="Cambria Math" panose="02040503050406030204" pitchFamily="18" charset="0"/>
+                        </a:rPr>
+                        <m:t> </m:t>
+                      </m:r>
+                      <m:r>
+                        <a:rPr lang="en-IN" sz="1800" b="0" i="1" smtClean="0">
+                          <a:latin typeface="Cambria Math" panose="02040503050406030204" pitchFamily="18" charset="0"/>
+                        </a:rPr>
+                        <m:t>𝑏𝑎𝑠𝑒</m:t>
+                      </m:r>
+                      <m:r>
+                        <a:rPr lang="en-IN" sz="1800" b="0" i="1" smtClean="0">
+                          <a:latin typeface="Cambria Math" panose="02040503050406030204" pitchFamily="18" charset="0"/>
+                        </a:rPr>
+                        <m:t> </m:t>
+                      </m:r>
+                      <m:r>
+                        <a:rPr lang="en-IN" sz="1800" b="0" i="1" smtClean="0">
+                          <a:latin typeface="Cambria Math" panose="02040503050406030204" pitchFamily="18" charset="0"/>
+                        </a:rPr>
+                        <m:t>𝑝𝑎𝑖𝑟</m:t>
+                      </m:r>
+                      <m:r>
+                        <a:rPr lang="en-IN" sz="1800" b="0" i="1" smtClean="0">
+                          <a:latin typeface="Cambria Math" panose="02040503050406030204" pitchFamily="18" charset="0"/>
+                        </a:rPr>
+                        <m:t>,</m:t>
+                      </m:r>
+                    </m:oMath>
+                  </m:oMathPara>
+                </a14:m>
+                <a:br>
+                  <a:rPr lang="en-IN" sz="1800" b="0" i="1" dirty="0">
+                    <a:latin typeface="Cambria Math" panose="02040503050406030204" pitchFamily="18" charset="0"/>
+                  </a:rPr>
+                </a:br>
+                <a14:m>
+                  <m:oMath xmlns:m="http://schemas.openxmlformats.org/officeDocument/2006/math">
+                    <m:r>
+                      <a:rPr lang="en-US" sz="1800" i="1">
+                        <a:latin typeface="Cambria Math" panose="02040503050406030204" pitchFamily="18" charset="0"/>
+                      </a:rPr>
+                      <m:t>𝑆</m:t>
+                    </m:r>
+                    <m:r>
+                      <a:rPr lang="en-US" sz="1800" i="1">
+                        <a:latin typeface="Cambria Math" panose="02040503050406030204" pitchFamily="18" charset="0"/>
+                      </a:rPr>
+                      <m:t>,</m:t>
+                    </m:r>
+                    <m:r>
+                      <a:rPr lang="en-US" sz="1800" i="1">
+                        <a:latin typeface="Cambria Math" panose="02040503050406030204" pitchFamily="18" charset="0"/>
+                      </a:rPr>
+                      <m:t>𝐿</m:t>
+                    </m:r>
+                    <m:r>
+                      <a:rPr lang="en-US" sz="1800" i="1">
+                        <a:latin typeface="Cambria Math" panose="02040503050406030204" pitchFamily="18" charset="0"/>
+                      </a:rPr>
+                      <m:t>,</m:t>
+                    </m:r>
+                    <m:r>
+                      <a:rPr lang="en-US" sz="1800" i="1">
+                        <a:latin typeface="Cambria Math" panose="02040503050406030204" pitchFamily="18" charset="0"/>
+                      </a:rPr>
+                      <m:t>𝐹</m:t>
+                    </m:r>
+                    <m:r>
+                      <a:rPr lang="en-US" sz="1800" i="1">
+                        <a:latin typeface="Cambria Math" panose="02040503050406030204" pitchFamily="18" charset="0"/>
+                      </a:rPr>
+                      <m:t> </m:t>
+                    </m:r>
+                    <m:r>
+                      <a:rPr lang="en-US" sz="1800" i="1">
+                        <a:latin typeface="Cambria Math" panose="02040503050406030204" pitchFamily="18" charset="0"/>
+                      </a:rPr>
+                      <m:t>𝑎𝑟𝑒</m:t>
+                    </m:r>
+                    <m:r>
+                      <a:rPr lang="en-US" sz="1800" i="1">
+                        <a:latin typeface="Cambria Math" panose="02040503050406030204" pitchFamily="18" charset="0"/>
+                      </a:rPr>
+                      <m:t> </m:t>
+                    </m:r>
+                    <m:r>
+                      <a:rPr lang="en-US" sz="1800" i="1">
+                        <a:latin typeface="Cambria Math" panose="02040503050406030204" pitchFamily="18" charset="0"/>
+                      </a:rPr>
+                      <m:t>𝑎𝑙𝑙</m:t>
+                    </m:r>
+                    <m:r>
+                      <a:rPr lang="en-US" sz="1800" i="1">
+                        <a:latin typeface="Cambria Math" panose="02040503050406030204" pitchFamily="18" charset="0"/>
+                      </a:rPr>
+                      <m:t> </m:t>
+                    </m:r>
+                    <m:r>
+                      <a:rPr lang="en-US" sz="1800" i="1">
+                        <a:latin typeface="Cambria Math" panose="02040503050406030204" pitchFamily="18" charset="0"/>
+                      </a:rPr>
+                      <m:t>𝑁𝑜𝑛</m:t>
+                    </m:r>
+                    <m:r>
+                      <a:rPr lang="en-US" sz="1800" i="1">
+                        <a:latin typeface="Cambria Math" panose="02040503050406030204" pitchFamily="18" charset="0"/>
+                      </a:rPr>
+                      <m:t>−</m:t>
+                    </m:r>
+                    <m:r>
+                      <a:rPr lang="en-US" sz="1800" i="1">
+                        <a:latin typeface="Cambria Math" panose="02040503050406030204" pitchFamily="18" charset="0"/>
+                      </a:rPr>
+                      <m:t>𝑡𝑒𝑟𝑚𝑖𝑛𝑎𝑙𝑠</m:t>
+                    </m:r>
+                  </m:oMath>
+                </a14:m>
+                <a:r>
+                  <a:rPr lang="en-IN" sz="1800" b="0" dirty="0"/>
+                  <a:t>. </a:t>
+                </a:r>
+                <a:endParaRPr lang="en-IN" sz="2000" b="0" dirty="0"/>
+              </a:p>
+              <a:p>
+                <a:r>
+                  <a:rPr lang="en-IN" sz="1800" b="0" dirty="0"/>
+                  <a:t>Cre</a:t>
+                </a:r>
+                <a:r>
+                  <a:rPr lang="en-IN" sz="1800" dirty="0"/>
+                  <a:t>ate two tables </a:t>
+                </a:r>
+              </a:p>
+              <a:p>
+                <a:pPr marL="342900" indent="-342900">
+                  <a:buFont typeface="Arial" panose="020B0604020202020204" pitchFamily="34" charset="0"/>
+                  <a:buChar char="•"/>
+                </a:pPr>
+                <a14:m>
+                  <m:oMath xmlns:m="http://schemas.openxmlformats.org/officeDocument/2006/math">
+                    <m:sSub>
+                      <m:sSubPr>
+                        <m:ctrlPr>
+                          <a:rPr lang="en-IN" sz="1800" b="0" i="1" smtClean="0">
+                            <a:latin typeface="Cambria Math" panose="02040503050406030204" pitchFamily="18" charset="0"/>
+                          </a:rPr>
+                        </m:ctrlPr>
+                      </m:sSubPr>
+                      <m:e>
+                        <m:r>
+                          <a:rPr lang="en-IN" sz="1800" b="0" i="1" smtClean="0">
+                            <a:latin typeface="Cambria Math" panose="02040503050406030204" pitchFamily="18" charset="0"/>
+                          </a:rPr>
+                          <m:t>𝑇</m:t>
+                        </m:r>
+                      </m:e>
+                      <m:sub>
+                        <m:r>
+                          <a:rPr lang="en-IN" sz="1800" b="0" i="1" smtClean="0">
+                            <a:latin typeface="Cambria Math" panose="02040503050406030204" pitchFamily="18" charset="0"/>
+                          </a:rPr>
+                          <m:t>1</m:t>
+                        </m:r>
+                      </m:sub>
+                    </m:sSub>
+                    <m:r>
+                      <a:rPr lang="en-IN" sz="1800" b="0" i="0" smtClean="0">
+                        <a:latin typeface="Cambria Math" panose="02040503050406030204" pitchFamily="18" charset="0"/>
+                      </a:rPr>
+                      <m:t>(4</m:t>
+                    </m:r>
+                    <m:r>
+                      <a:rPr lang="en-IN" sz="1800" b="0" i="1" smtClean="0">
+                        <a:latin typeface="Cambria Math" panose="02040503050406030204" pitchFamily="18" charset="0"/>
+                      </a:rPr>
+                      <m:t>×1)</m:t>
+                    </m:r>
+                  </m:oMath>
+                </a14:m>
+                <a:r>
+                  <a:rPr lang="en-IN" sz="1800" b="0" dirty="0"/>
+                  <a:t>: which counts frequencies of different bases in loop regions</a:t>
+                </a:r>
+              </a:p>
+              <a:p>
+                <a:pPr marL="342900" indent="-342900">
+                  <a:buFont typeface="Arial" panose="020B0604020202020204" pitchFamily="34" charset="0"/>
+                  <a:buChar char="•"/>
+                </a:pPr>
+                <a14:m>
+                  <m:oMath xmlns:m="http://schemas.openxmlformats.org/officeDocument/2006/math">
+                    <m:sSub>
+                      <m:sSubPr>
+                        <m:ctrlPr>
+                          <a:rPr lang="en-IN" sz="1800" b="0" i="1" smtClean="0">
+                            <a:latin typeface="Cambria Math" panose="02040503050406030204" pitchFamily="18" charset="0"/>
+                          </a:rPr>
+                        </m:ctrlPr>
+                      </m:sSubPr>
+                      <m:e>
+                        <m:r>
+                          <a:rPr lang="en-IN" sz="1800" b="0" i="1" smtClean="0">
+                            <a:latin typeface="Cambria Math" panose="02040503050406030204" pitchFamily="18" charset="0"/>
+                          </a:rPr>
+                          <m:t>𝑇</m:t>
+                        </m:r>
+                      </m:e>
+                      <m:sub>
+                        <m:r>
+                          <a:rPr lang="en-IN" sz="1800" b="0" i="1" smtClean="0">
+                            <a:latin typeface="Cambria Math" panose="02040503050406030204" pitchFamily="18" charset="0"/>
+                          </a:rPr>
+                          <m:t>2</m:t>
+                        </m:r>
+                      </m:sub>
+                    </m:sSub>
+                    <m:r>
+                      <a:rPr lang="en-IN" sz="1800" b="0" i="1" smtClean="0">
+                        <a:latin typeface="Cambria Math" panose="02040503050406030204" pitchFamily="18" charset="0"/>
+                      </a:rPr>
+                      <m:t>(4×4)</m:t>
+                    </m:r>
+                  </m:oMath>
+                </a14:m>
+                <a:r>
+                  <a:rPr lang="en-IN" sz="1800" b="0" dirty="0"/>
+                  <a:t>: which counts frequencies of different base pairs in stem regions.</a:t>
+                </a:r>
+              </a:p>
+              <a:p>
+                <a:r>
+                  <a:rPr lang="en-IN" sz="2000" dirty="0"/>
+                  <a:t>Now </a:t>
+                </a:r>
+                <a14:m>
+                  <m:oMath xmlns:m="http://schemas.openxmlformats.org/officeDocument/2006/math">
+                    <m:r>
+                      <a:rPr lang="en-IN" sz="2000" b="1" i="1" smtClean="0">
+                        <a:latin typeface="Cambria Math" panose="02040503050406030204" pitchFamily="18" charset="0"/>
+                      </a:rPr>
+                      <m:t>𝒑</m:t>
+                    </m:r>
+                    <m:d>
+                      <m:dPr>
+                        <m:ctrlPr>
+                          <a:rPr lang="en-IN" sz="2000" b="1" i="1" smtClean="0">
+                            <a:latin typeface="Cambria Math" panose="02040503050406030204" pitchFamily="18" charset="0"/>
+                          </a:rPr>
+                        </m:ctrlPr>
+                      </m:dPr>
+                      <m:e>
+                        <m:r>
+                          <a:rPr lang="en-IN" sz="2000" b="1" i="1" smtClean="0">
+                            <a:latin typeface="Cambria Math" panose="02040503050406030204" pitchFamily="18" charset="0"/>
+                          </a:rPr>
+                          <m:t>𝑳</m:t>
+                        </m:r>
+                        <m:r>
+                          <a:rPr lang="en-IN" sz="2000" b="1" i="1" smtClean="0">
+                            <a:latin typeface="Cambria Math" panose="02040503050406030204" pitchFamily="18" charset="0"/>
+                          </a:rPr>
+                          <m:t>→</m:t>
+                        </m:r>
+                        <m:r>
+                          <a:rPr lang="en-IN" sz="2000" b="1" i="1" smtClean="0">
+                            <a:latin typeface="Cambria Math" panose="02040503050406030204" pitchFamily="18" charset="0"/>
+                          </a:rPr>
+                          <m:t>𝒅𝑭</m:t>
+                        </m:r>
+                        <m:sSup>
+                          <m:sSupPr>
+                            <m:ctrlPr>
+                              <a:rPr lang="en-IN" sz="2000" b="1" i="1" smtClean="0">
+                                <a:latin typeface="Cambria Math" panose="02040503050406030204" pitchFamily="18" charset="0"/>
+                              </a:rPr>
+                            </m:ctrlPr>
+                          </m:sSupPr>
+                          <m:e>
+                            <m:r>
+                              <a:rPr lang="en-IN" sz="2000" b="1" i="1" smtClean="0">
+                                <a:latin typeface="Cambria Math" panose="02040503050406030204" pitchFamily="18" charset="0"/>
+                              </a:rPr>
+                              <m:t>𝒅</m:t>
+                            </m:r>
+                          </m:e>
+                          <m:sup>
+                            <m:r>
+                              <a:rPr lang="en-IN" sz="2000" b="1" i="1" smtClean="0">
+                                <a:latin typeface="Cambria Math" panose="02040503050406030204" pitchFamily="18" charset="0"/>
+                              </a:rPr>
+                              <m:t>′</m:t>
+                            </m:r>
+                          </m:sup>
+                        </m:sSup>
+                      </m:e>
+                    </m:d>
+                    <m:r>
+                      <a:rPr lang="en-IN" sz="2000" b="0" i="1" smtClean="0">
+                        <a:latin typeface="Cambria Math" panose="02040503050406030204" pitchFamily="18" charset="0"/>
+                      </a:rPr>
+                      <m:t>=</m:t>
+                    </m:r>
+                    <m:nary>
+                      <m:naryPr>
+                        <m:chr m:val="∑"/>
+                        <m:supHide m:val="on"/>
+                        <m:ctrlPr>
+                          <a:rPr lang="en-IN" sz="2000" b="0" i="1" smtClean="0">
+                            <a:solidFill>
+                              <a:schemeClr val="tx1">
+                                <a:lumMod val="95000"/>
+                                <a:lumOff val="5000"/>
+                              </a:schemeClr>
+                            </a:solidFill>
+                            <a:latin typeface="Cambria Math" panose="02040503050406030204" pitchFamily="18" charset="0"/>
+                          </a:rPr>
+                        </m:ctrlPr>
+                      </m:naryPr>
+                      <m:sub>
+                        <m:d>
+                          <m:dPr>
+                            <m:ctrlPr>
+                              <a:rPr lang="en-IN" sz="2000" b="0" i="1" smtClean="0">
+                                <a:solidFill>
+                                  <a:schemeClr val="tx1">
+                                    <a:lumMod val="95000"/>
+                                    <a:lumOff val="5000"/>
+                                  </a:schemeClr>
+                                </a:solidFill>
+                                <a:latin typeface="Cambria Math" panose="02040503050406030204" pitchFamily="18" charset="0"/>
+                              </a:rPr>
+                            </m:ctrlPr>
+                          </m:dPr>
+                          <m:e>
+                            <m:r>
+                              <m:rPr>
+                                <m:brk m:alnAt="7"/>
+                              </m:rPr>
+                              <a:rPr lang="en-IN" sz="2000" b="0" i="1" smtClean="0">
+                                <a:solidFill>
+                                  <a:schemeClr val="tx1">
+                                    <a:lumMod val="95000"/>
+                                    <a:lumOff val="5000"/>
+                                  </a:schemeClr>
+                                </a:solidFill>
+                                <a:latin typeface="Cambria Math" panose="02040503050406030204" pitchFamily="18" charset="0"/>
+                              </a:rPr>
+                              <m:t>𝑑</m:t>
+                            </m:r>
+                            <m:r>
+                              <a:rPr lang="en-IN" sz="2000" b="0" i="1" smtClean="0">
+                                <a:solidFill>
+                                  <a:schemeClr val="tx1">
+                                    <a:lumMod val="95000"/>
+                                    <a:lumOff val="5000"/>
+                                  </a:schemeClr>
+                                </a:solidFill>
+                                <a:latin typeface="Cambria Math" panose="02040503050406030204" pitchFamily="18" charset="0"/>
+                              </a:rPr>
+                              <m:t>,</m:t>
+                            </m:r>
+                            <m:sSup>
+                              <m:sSupPr>
+                                <m:ctrlPr>
+                                  <a:rPr lang="en-IN" sz="2000" b="0" i="1" smtClean="0">
+                                    <a:solidFill>
+                                      <a:schemeClr val="tx1">
+                                        <a:lumMod val="95000"/>
+                                        <a:lumOff val="5000"/>
+                                      </a:schemeClr>
+                                    </a:solidFill>
+                                    <a:latin typeface="Cambria Math" panose="02040503050406030204" pitchFamily="18" charset="0"/>
+                                  </a:rPr>
+                                </m:ctrlPr>
+                              </m:sSupPr>
+                              <m:e>
+                                <m:r>
+                                  <m:rPr>
+                                    <m:brk m:alnAt="7"/>
+                                  </m:rPr>
+                                  <a:rPr lang="en-IN" sz="2000" b="0" i="1" smtClean="0">
+                                    <a:solidFill>
+                                      <a:schemeClr val="tx1">
+                                        <a:lumMod val="95000"/>
+                                        <a:lumOff val="5000"/>
+                                      </a:schemeClr>
+                                    </a:solidFill>
+                                    <a:latin typeface="Cambria Math" panose="02040503050406030204" pitchFamily="18" charset="0"/>
+                                  </a:rPr>
+                                  <m:t>𝑑</m:t>
+                                </m:r>
+                              </m:e>
+                              <m:sup>
+                                <m:r>
+                                  <a:rPr lang="en-IN" sz="2000" b="0" i="1" smtClean="0">
+                                    <a:solidFill>
+                                      <a:schemeClr val="tx1">
+                                        <a:lumMod val="95000"/>
+                                        <a:lumOff val="5000"/>
+                                      </a:schemeClr>
+                                    </a:solidFill>
+                                    <a:latin typeface="Cambria Math" panose="02040503050406030204" pitchFamily="18" charset="0"/>
+                                  </a:rPr>
+                                  <m:t>′</m:t>
+                                </m:r>
+                              </m:sup>
+                            </m:sSup>
+                          </m:e>
+                        </m:d>
+                        <m:r>
+                          <a:rPr lang="en-IN" sz="2000" b="0" i="1" smtClean="0">
+                            <a:solidFill>
+                              <a:schemeClr val="tx1">
+                                <a:lumMod val="95000"/>
+                                <a:lumOff val="5000"/>
+                              </a:schemeClr>
+                            </a:solidFill>
+                            <a:latin typeface="Cambria Math" panose="02040503050406030204" pitchFamily="18" charset="0"/>
+                          </a:rPr>
+                          <m:t>∈</m:t>
+                        </m:r>
+                        <m:sSup>
+                          <m:sSupPr>
+                            <m:ctrlPr>
+                              <a:rPr lang="en-IN" sz="2000" b="0" i="1" smtClean="0">
+                                <a:solidFill>
+                                  <a:schemeClr val="tx1">
+                                    <a:lumMod val="95000"/>
+                                    <a:lumOff val="5000"/>
+                                  </a:schemeClr>
+                                </a:solidFill>
+                                <a:latin typeface="Cambria Math" panose="02040503050406030204" pitchFamily="18" charset="0"/>
+                              </a:rPr>
+                            </m:ctrlPr>
+                          </m:sSupPr>
+                          <m:e>
+                            <m:r>
+                              <m:rPr>
+                                <m:sty m:val="p"/>
+                              </m:rPr>
+                              <a:rPr lang="en-IN" sz="2000" b="0" i="0" smtClean="0">
+                                <a:solidFill>
+                                  <a:schemeClr val="tx1">
+                                    <a:lumMod val="95000"/>
+                                    <a:lumOff val="5000"/>
+                                  </a:schemeClr>
+                                </a:solidFill>
+                                <a:latin typeface="Cambria Math" panose="02040503050406030204" pitchFamily="18" charset="0"/>
+                              </a:rPr>
+                              <m:t>Σ</m:t>
+                            </m:r>
+                          </m:e>
+                          <m:sup>
+                            <m:r>
+                              <a:rPr lang="en-IN" sz="2000" b="0" i="1" smtClean="0">
+                                <a:solidFill>
+                                  <a:schemeClr val="tx1">
+                                    <a:lumMod val="95000"/>
+                                    <a:lumOff val="5000"/>
+                                  </a:schemeClr>
+                                </a:solidFill>
+                                <a:latin typeface="Cambria Math" panose="02040503050406030204" pitchFamily="18" charset="0"/>
+                              </a:rPr>
+                              <m:t>2</m:t>
+                            </m:r>
+                          </m:sup>
+                        </m:sSup>
+                      </m:sub>
+                      <m:sup/>
+                      <m:e>
+                        <m:d>
+                          <m:dPr>
+                            <m:ctrlPr>
+                              <a:rPr lang="en-IN" sz="2000" b="0" i="1" smtClean="0">
+                                <a:solidFill>
+                                  <a:schemeClr val="tx1">
+                                    <a:lumMod val="95000"/>
+                                    <a:lumOff val="5000"/>
+                                  </a:schemeClr>
+                                </a:solidFill>
+                                <a:latin typeface="Cambria Math" panose="02040503050406030204" pitchFamily="18" charset="0"/>
+                              </a:rPr>
+                            </m:ctrlPr>
+                          </m:dPr>
+                          <m:e>
+                            <m:r>
+                              <a:rPr lang="en-IN" sz="2000" i="1">
+                                <a:solidFill>
+                                  <a:schemeClr val="tx1">
+                                    <a:lumMod val="95000"/>
+                                    <a:lumOff val="5000"/>
+                                  </a:schemeClr>
+                                </a:solidFill>
+                                <a:latin typeface="Cambria Math" panose="02040503050406030204" pitchFamily="18" charset="0"/>
+                              </a:rPr>
+                              <m:t>𝑝</m:t>
+                            </m:r>
+                            <m:d>
+                              <m:dPr>
+                                <m:ctrlPr>
+                                  <a:rPr lang="en-IN" sz="2000" i="1">
+                                    <a:solidFill>
+                                      <a:schemeClr val="tx1">
+                                        <a:lumMod val="95000"/>
+                                        <a:lumOff val="5000"/>
+                                      </a:schemeClr>
+                                    </a:solidFill>
+                                    <a:latin typeface="Cambria Math" panose="02040503050406030204" pitchFamily="18" charset="0"/>
+                                  </a:rPr>
+                                </m:ctrlPr>
+                              </m:dPr>
+                              <m:e>
+                                <m:r>
+                                  <a:rPr lang="en-IN" sz="2000" i="1">
+                                    <a:solidFill>
+                                      <a:schemeClr val="tx1">
+                                        <a:lumMod val="95000"/>
+                                        <a:lumOff val="5000"/>
+                                      </a:schemeClr>
+                                    </a:solidFill>
+                                    <a:latin typeface="Cambria Math" panose="02040503050406030204" pitchFamily="18" charset="0"/>
+                                  </a:rPr>
+                                  <m:t>𝐿</m:t>
+                                </m:r>
+                                <m:r>
+                                  <a:rPr lang="en-IN" sz="2000" i="1">
+                                    <a:solidFill>
+                                      <a:schemeClr val="tx1">
+                                        <a:lumMod val="95000"/>
+                                        <a:lumOff val="5000"/>
+                                      </a:schemeClr>
+                                    </a:solidFill>
+                                    <a:latin typeface="Cambria Math" panose="02040503050406030204" pitchFamily="18" charset="0"/>
+                                  </a:rPr>
+                                  <m:t>→</m:t>
+                                </m:r>
+                                <m:r>
+                                  <a:rPr lang="en-IN" sz="2000" i="1">
+                                    <a:solidFill>
+                                      <a:schemeClr val="tx1">
+                                        <a:lumMod val="95000"/>
+                                        <a:lumOff val="5000"/>
+                                      </a:schemeClr>
+                                    </a:solidFill>
+                                    <a:latin typeface="Cambria Math" panose="02040503050406030204" pitchFamily="18" charset="0"/>
+                                  </a:rPr>
+                                  <m:t>𝑑𝐹</m:t>
+                                </m:r>
+                                <m:sSup>
+                                  <m:sSupPr>
+                                    <m:ctrlPr>
+                                      <a:rPr lang="en-IN" sz="2000" i="1">
+                                        <a:solidFill>
+                                          <a:schemeClr val="tx1">
+                                            <a:lumMod val="95000"/>
+                                            <a:lumOff val="5000"/>
+                                          </a:schemeClr>
+                                        </a:solidFill>
+                                        <a:latin typeface="Cambria Math" panose="02040503050406030204" pitchFamily="18" charset="0"/>
+                                      </a:rPr>
+                                    </m:ctrlPr>
+                                  </m:sSupPr>
+                                  <m:e>
+                                    <m:r>
+                                      <a:rPr lang="en-IN" sz="2000" i="1">
+                                        <a:solidFill>
+                                          <a:schemeClr val="tx1">
+                                            <a:lumMod val="95000"/>
+                                            <a:lumOff val="5000"/>
+                                          </a:schemeClr>
+                                        </a:solidFill>
+                                        <a:latin typeface="Cambria Math" panose="02040503050406030204" pitchFamily="18" charset="0"/>
+                                      </a:rPr>
+                                      <m:t>𝑑</m:t>
+                                    </m:r>
+                                  </m:e>
+                                  <m:sup>
+                                    <m:r>
+                                      <a:rPr lang="en-IN" sz="2000" i="1">
+                                        <a:solidFill>
+                                          <a:schemeClr val="tx1">
+                                            <a:lumMod val="95000"/>
+                                            <a:lumOff val="5000"/>
+                                          </a:schemeClr>
+                                        </a:solidFill>
+                                        <a:latin typeface="Cambria Math" panose="02040503050406030204" pitchFamily="18" charset="0"/>
+                                      </a:rPr>
+                                      <m:t>′</m:t>
+                                    </m:r>
+                                  </m:sup>
+                                </m:sSup>
+                              </m:e>
+                            </m:d>
+                          </m:e>
+                        </m:d>
+                      </m:e>
+                    </m:nary>
+                    <m:r>
+                      <a:rPr lang="en-IN" sz="2000" b="0" i="1" smtClean="0">
+                        <a:latin typeface="Cambria Math" panose="02040503050406030204" pitchFamily="18" charset="0"/>
+                      </a:rPr>
+                      <m:t>×</m:t>
+                    </m:r>
+                    <m:sSub>
+                      <m:sSubPr>
+                        <m:ctrlPr>
+                          <a:rPr lang="en-IN" sz="2000" b="1" i="1" smtClean="0">
+                            <a:latin typeface="Cambria Math" panose="02040503050406030204" pitchFamily="18" charset="0"/>
+                          </a:rPr>
+                        </m:ctrlPr>
+                      </m:sSubPr>
+                      <m:e>
+                        <m:r>
+                          <a:rPr lang="en-IN" sz="2000" b="1" i="1" smtClean="0">
+                            <a:latin typeface="Cambria Math" panose="02040503050406030204" pitchFamily="18" charset="0"/>
+                          </a:rPr>
+                          <m:t>𝑻</m:t>
+                        </m:r>
+                      </m:e>
+                      <m:sub>
+                        <m:r>
+                          <a:rPr lang="en-IN" sz="2000" b="1" i="1" smtClean="0">
+                            <a:latin typeface="Cambria Math" panose="02040503050406030204" pitchFamily="18" charset="0"/>
+                          </a:rPr>
+                          <m:t>𝟐</m:t>
+                        </m:r>
+                      </m:sub>
+                    </m:sSub>
+                    <m:r>
+                      <a:rPr lang="en-IN" sz="2000" b="1" i="1" smtClean="0">
+                        <a:latin typeface="Cambria Math" panose="02040503050406030204" pitchFamily="18" charset="0"/>
+                      </a:rPr>
+                      <m:t>(</m:t>
+                    </m:r>
+                    <m:r>
+                      <a:rPr lang="en-IN" sz="2000" b="1" i="1" smtClean="0">
+                        <a:latin typeface="Cambria Math" panose="02040503050406030204" pitchFamily="18" charset="0"/>
+                      </a:rPr>
+                      <m:t>𝒅</m:t>
+                    </m:r>
+                    <m:r>
+                      <a:rPr lang="en-IN" sz="2000" b="1" i="1" smtClean="0">
+                        <a:latin typeface="Cambria Math" panose="02040503050406030204" pitchFamily="18" charset="0"/>
+                      </a:rPr>
+                      <m:t>,</m:t>
+                    </m:r>
+                    <m:sSup>
+                      <m:sSupPr>
+                        <m:ctrlPr>
+                          <a:rPr lang="en-IN" sz="2000" b="1" i="1" smtClean="0">
+                            <a:latin typeface="Cambria Math" panose="02040503050406030204" pitchFamily="18" charset="0"/>
+                          </a:rPr>
+                        </m:ctrlPr>
+                      </m:sSupPr>
+                      <m:e>
+                        <m:r>
+                          <a:rPr lang="en-IN" sz="2000" b="1" i="1" smtClean="0">
+                            <a:latin typeface="Cambria Math" panose="02040503050406030204" pitchFamily="18" charset="0"/>
+                          </a:rPr>
+                          <m:t>𝒅</m:t>
+                        </m:r>
+                      </m:e>
+                      <m:sup>
+                        <m:r>
+                          <a:rPr lang="en-IN" sz="2000" b="1" i="1" smtClean="0">
+                            <a:latin typeface="Cambria Math" panose="02040503050406030204" pitchFamily="18" charset="0"/>
+                          </a:rPr>
+                          <m:t>′</m:t>
+                        </m:r>
+                      </m:sup>
+                    </m:sSup>
+                    <m:r>
+                      <a:rPr lang="en-IN" sz="2000" b="1" i="1" smtClean="0">
+                        <a:latin typeface="Cambria Math" panose="02040503050406030204" pitchFamily="18" charset="0"/>
+                      </a:rPr>
+                      <m:t>)</m:t>
+                    </m:r>
+                  </m:oMath>
+                </a14:m>
+                <a:endParaRPr lang="en-US" b="1" dirty="0"/>
+              </a:p>
+              <a:p>
+                <a:endParaRPr lang="en-US" b="1" dirty="0"/>
+              </a:p>
+              <a:p>
+                <a:r>
+                  <a:rPr lang="en-US" sz="1800" dirty="0"/>
+                  <a:t>i.e. we only estimate the frequency of the overall rule </a:t>
+                </a:r>
+                <a14:m>
+                  <m:oMath xmlns:m="http://schemas.openxmlformats.org/officeDocument/2006/math">
+                    <m:r>
+                      <a:rPr lang="en-IN" sz="1800" b="0" i="1" smtClean="0">
+                        <a:latin typeface="Cambria Math" panose="02040503050406030204" pitchFamily="18" charset="0"/>
+                      </a:rPr>
+                      <m:t>𝐿</m:t>
+                    </m:r>
+                    <m:r>
+                      <a:rPr lang="en-IN" sz="1800" b="0" i="1" smtClean="0">
+                        <a:latin typeface="Cambria Math" panose="02040503050406030204" pitchFamily="18" charset="0"/>
+                      </a:rPr>
+                      <m:t>→</m:t>
+                    </m:r>
+                    <m:r>
+                      <a:rPr lang="en-IN" sz="1800" b="0" i="1" smtClean="0">
+                        <a:latin typeface="Cambria Math" panose="02040503050406030204" pitchFamily="18" charset="0"/>
+                      </a:rPr>
+                      <m:t>𝑑𝐹𝑑</m:t>
+                    </m:r>
+                    <m:r>
+                      <a:rPr lang="en-IN" sz="1800" b="0" i="1" smtClean="0">
+                        <a:latin typeface="Cambria Math" panose="02040503050406030204" pitchFamily="18" charset="0"/>
+                      </a:rPr>
+                      <m:t>′</m:t>
+                    </m:r>
+                  </m:oMath>
+                </a14:m>
+                <a:r>
+                  <a:rPr lang="en-US" sz="1800" b="1" dirty="0"/>
+                  <a:t>, </a:t>
+                </a:r>
+                <a:r>
+                  <a:rPr lang="en-US" sz="1800" dirty="0"/>
+                  <a:t>each of 16 individual </a:t>
+                </a:r>
+                <a:r>
+                  <a:rPr lang="en-US" sz="1800" dirty="0" err="1"/>
+                  <a:t>rules’s</a:t>
+                </a:r>
+                <a:r>
+                  <a:rPr lang="en-US" sz="1800" dirty="0"/>
+                  <a:t> probability is found by multiplying the above by the frequency in labelled data. (Similarly for other rules)</a:t>
+                </a:r>
+              </a:p>
+            </p:txBody>
+          </p:sp>
+        </mc:Choice>
+        <mc:Fallback>
+          <p:sp>
+            <p:nvSpPr>
+              <p:cNvPr id="3" name="Content Placeholder 2">
+                <a:extLst>
+                  <a:ext uri="{FF2B5EF4-FFF2-40B4-BE49-F238E27FC236}">
+                    <a16:creationId xmlns:a16="http://schemas.microsoft.com/office/drawing/2014/main" id="{2BE8FDE3-DBA4-6A04-C75D-E56FE92EF368}"/>
+                  </a:ext>
+                </a:extLst>
+              </p:cNvPr>
+              <p:cNvSpPr>
+                <a:spLocks noGrp="1" noRot="1" noChangeAspect="1" noMove="1" noResize="1" noEditPoints="1" noAdjustHandles="1" noChangeArrowheads="1" noChangeShapeType="1" noTextEdit="1"/>
+              </p:cNvSpPr>
+              <p:nvPr>
+                <p:ph idx="1"/>
+              </p:nvPr>
+            </p:nvSpPr>
+            <p:spPr>
+              <a:xfrm>
+                <a:off x="555169" y="1719072"/>
+                <a:ext cx="6803573" cy="4839353"/>
+              </a:xfrm>
+              <a:blipFill>
+                <a:blip r:embed="rId3"/>
+                <a:stretch>
+                  <a:fillRect l="-896" t="-1134" r="-1703" b="-1134"/>
+                </a:stretch>
+              </a:blipFill>
+            </p:spPr>
+            <p:txBody>
+              <a:bodyPr/>
+              <a:lstStyle/>
+              <a:p>
+                <a:r>
+                  <a:rPr lang="en-IN">
+                    <a:noFill/>
+                  </a:rPr>
+                  <a:t> </a:t>
+                </a:r>
+              </a:p>
+            </p:txBody>
+          </p:sp>
+        </mc:Fallback>
+      </mc:AlternateContent>
+      <p:sp>
+        <p:nvSpPr>
+          <p:cNvPr id="5" name="Slide Number Placeholder 4">
+            <a:extLst>
+              <a:ext uri="{FF2B5EF4-FFF2-40B4-BE49-F238E27FC236}">
+                <a16:creationId xmlns:a16="http://schemas.microsoft.com/office/drawing/2014/main" id="{BF7F20BE-640F-EFAB-3A43-2AA146DB42BF}"/>
+              </a:ext>
+            </a:extLst>
+          </p:cNvPr>
+          <p:cNvSpPr>
+            <a:spLocks noGrp="1"/>
+          </p:cNvSpPr>
+          <p:nvPr>
+            <p:ph type="sldNum" sz="quarter" idx="12"/>
+          </p:nvPr>
+        </p:nvSpPr>
+        <p:spPr>
+          <a:xfrm>
+            <a:off x="9791481" y="188976"/>
+            <a:ext cx="987552" cy="274320"/>
+          </a:xfrm>
+        </p:spPr>
+        <p:txBody>
+          <a:bodyPr/>
+          <a:lstStyle/>
+          <a:p>
+            <a:fld id="{48F63A3B-78C7-47BE-AE5E-E10140E04643}" type="slidenum">
+              <a:rPr lang="en-US" smtClean="0"/>
+              <a:pPr/>
+              <a:t>20</a:t>
+            </a:fld>
+            <a:endParaRPr lang="en-US" dirty="0"/>
+          </a:p>
+        </p:txBody>
+      </p:sp>
+      <p:pic>
+        <p:nvPicPr>
+          <p:cNvPr id="8" name="Picture 7">
+            <a:extLst>
+              <a:ext uri="{FF2B5EF4-FFF2-40B4-BE49-F238E27FC236}">
+                <a16:creationId xmlns:a16="http://schemas.microsoft.com/office/drawing/2014/main" id="{9C9EC88F-EF46-D293-F3F5-38086459E529}"/>
+              </a:ext>
+            </a:extLst>
+          </p:cNvPr>
+          <p:cNvPicPr>
+            <a:picLocks noChangeAspect="1"/>
+          </p:cNvPicPr>
+          <p:nvPr/>
+        </p:nvPicPr>
+        <p:blipFill>
+          <a:blip r:embed="rId4"/>
+          <a:stretch>
+            <a:fillRect/>
+          </a:stretch>
+        </p:blipFill>
+        <p:spPr>
+          <a:xfrm>
+            <a:off x="7476311" y="1169475"/>
+            <a:ext cx="4718856" cy="1922071"/>
+          </a:xfrm>
+          <a:prstGeom prst="rect">
+            <a:avLst/>
+          </a:prstGeom>
+        </p:spPr>
+      </p:pic>
+      <p:pic>
+        <p:nvPicPr>
+          <p:cNvPr id="10" name="Picture 9">
+            <a:extLst>
+              <a:ext uri="{FF2B5EF4-FFF2-40B4-BE49-F238E27FC236}">
+                <a16:creationId xmlns:a16="http://schemas.microsoft.com/office/drawing/2014/main" id="{EFE1A328-0F84-8A31-A6D3-6D579095D5EB}"/>
+              </a:ext>
+            </a:extLst>
+          </p:cNvPr>
+          <p:cNvPicPr>
+            <a:picLocks noChangeAspect="1"/>
+          </p:cNvPicPr>
+          <p:nvPr/>
+        </p:nvPicPr>
+        <p:blipFill>
+          <a:blip r:embed="rId5"/>
+          <a:stretch>
+            <a:fillRect/>
+          </a:stretch>
+        </p:blipFill>
+        <p:spPr>
+          <a:xfrm>
+            <a:off x="7476310" y="3080288"/>
+            <a:ext cx="4718856" cy="2091208"/>
+          </a:xfrm>
+          <a:prstGeom prst="rect">
+            <a:avLst/>
+          </a:prstGeom>
+        </p:spPr>
+      </p:pic>
+      <p:pic>
+        <p:nvPicPr>
+          <p:cNvPr id="12" name="Picture 11">
+            <a:extLst>
+              <a:ext uri="{FF2B5EF4-FFF2-40B4-BE49-F238E27FC236}">
+                <a16:creationId xmlns:a16="http://schemas.microsoft.com/office/drawing/2014/main" id="{38C84D36-60D9-B7AA-5D64-4E7E48A39D73}"/>
+              </a:ext>
+            </a:extLst>
+          </p:cNvPr>
+          <p:cNvPicPr>
+            <a:picLocks noChangeAspect="1"/>
+          </p:cNvPicPr>
+          <p:nvPr/>
+        </p:nvPicPr>
+        <p:blipFill>
+          <a:blip r:embed="rId6"/>
+          <a:stretch>
+            <a:fillRect/>
+          </a:stretch>
+        </p:blipFill>
+        <p:spPr>
+          <a:xfrm>
+            <a:off x="7473144" y="5183843"/>
+            <a:ext cx="4718856" cy="1456438"/>
+          </a:xfrm>
+          <a:prstGeom prst="rect">
+            <a:avLst/>
+          </a:prstGeom>
+          <a:ln>
+            <a:solidFill>
+              <a:schemeClr val="tx1"/>
+            </a:solidFill>
+          </a:ln>
+        </p:spPr>
+      </p:pic>
+    </p:spTree>
+    <p:extLst>
+      <p:ext uri="{BB962C8B-B14F-4D97-AF65-F5344CB8AC3E}">
+        <p14:creationId xmlns:p14="http://schemas.microsoft.com/office/powerpoint/2010/main" val="1956284492"/>
+      </p:ext>
+    </p:extLst>
+  </p:cSld>
+  <p:clrMapOvr>
+    <a:masterClrMapping/>
+  </p:clrMapOvr>
+</p:sld>
+</file>
+
+<file path=ppt/slides/slide21.xml><?xml version="1.0" encoding="utf-8"?>
+<p:sld xmlns:a="http://schemas.openxmlformats.org/drawingml/2006/main" xmlns:r="http://schemas.openxmlformats.org/officeDocument/2006/relationships" xmlns:p="http://schemas.openxmlformats.org/presentationml/2006/main" showMasterSp="0">
+  <p:cSld>
+    <p:spTree>
+      <p:nvGrpSpPr>
+        <p:cNvPr id="1" name=""/>
+        <p:cNvGrpSpPr/>
+        <p:nvPr/>
+      </p:nvGrpSpPr>
+      <p:grpSpPr>
+        <a:xfrm>
+          <a:off x="0" y="0"/>
+          <a:ext cx="0" cy="0"/>
+          <a:chOff x="0" y="0"/>
+          <a:chExt cx="0" cy="0"/>
+        </a:xfrm>
+      </p:grpSpPr>
+      <p:sp>
+        <p:nvSpPr>
+          <p:cNvPr id="2" name="Title 1">
+            <a:extLst>
+              <a:ext uri="{FF2B5EF4-FFF2-40B4-BE49-F238E27FC236}">
+                <a16:creationId xmlns:a16="http://schemas.microsoft.com/office/drawing/2014/main" id="{4CA0B847-7060-AB90-BC91-E23597CB3A3E}"/>
+              </a:ext>
+            </a:extLst>
+          </p:cNvPr>
+          <p:cNvSpPr>
+            <a:spLocks noGrp="1"/>
+          </p:cNvSpPr>
+          <p:nvPr>
+            <p:ph type="title"/>
+          </p:nvPr>
+        </p:nvSpPr>
+        <p:spPr>
+          <a:xfrm>
+            <a:off x="259079" y="24311"/>
+            <a:ext cx="10169435" cy="1140098"/>
+          </a:xfrm>
+        </p:spPr>
+        <p:txBody>
+          <a:bodyPr/>
+          <a:lstStyle/>
+          <a:p>
+            <a:r>
+              <a:rPr lang="en-IN" dirty="0">
+                <a:solidFill>
+                  <a:schemeClr val="tx1"/>
+                </a:solidFill>
+              </a:rPr>
+              <a:t>Idea 2: </a:t>
+            </a:r>
+            <a:r>
+              <a:rPr lang="en-IN" sz="2000" dirty="0">
+                <a:solidFill>
+                  <a:schemeClr val="tx1"/>
+                </a:solidFill>
+              </a:rPr>
+              <a:t>for better secondary structure estimation</a:t>
+            </a:r>
+            <a:r>
+              <a:rPr lang="en-IN" sz="2400" dirty="0">
+                <a:solidFill>
+                  <a:schemeClr val="tx1"/>
+                </a:solidFill>
+              </a:rPr>
+              <a:t>:</a:t>
+            </a:r>
+            <a:r>
+              <a:rPr lang="en-IN" dirty="0">
+                <a:solidFill>
+                  <a:schemeClr val="tx1"/>
+                </a:solidFill>
+              </a:rPr>
+              <a:t> </a:t>
+            </a:r>
+            <a:r>
+              <a:rPr lang="en-IN" sz="2800" dirty="0">
+                <a:solidFill>
+                  <a:schemeClr val="tx1"/>
+                </a:solidFill>
+                <a:latin typeface="+mn-lt"/>
+              </a:rPr>
+              <a:t>Using similar sequences</a:t>
+            </a:r>
+            <a:endParaRPr lang="en-IN" dirty="0">
+              <a:solidFill>
+                <a:schemeClr val="tx1"/>
+              </a:solidFill>
+              <a:latin typeface="+mn-lt"/>
+            </a:endParaRPr>
+          </a:p>
+        </p:txBody>
+      </p:sp>
+      <p:sp>
+        <p:nvSpPr>
+          <p:cNvPr id="3" name="Content Placeholder 2">
+            <a:extLst>
+              <a:ext uri="{FF2B5EF4-FFF2-40B4-BE49-F238E27FC236}">
+                <a16:creationId xmlns:a16="http://schemas.microsoft.com/office/drawing/2014/main" id="{87916CE0-78FB-CD86-E879-8682FAF40960}"/>
+              </a:ext>
+            </a:extLst>
+          </p:cNvPr>
+          <p:cNvSpPr>
+            <a:spLocks noGrp="1"/>
+          </p:cNvSpPr>
+          <p:nvPr>
+            <p:ph idx="1"/>
+          </p:nvPr>
+        </p:nvSpPr>
+        <p:spPr>
+          <a:xfrm>
+            <a:off x="259079" y="1783299"/>
+            <a:ext cx="7926107" cy="4225615"/>
+          </a:xfrm>
+        </p:spPr>
+        <p:txBody>
+          <a:bodyPr/>
+          <a:lstStyle/>
+          <a:p>
+            <a:pPr marL="285750" indent="-285750">
+              <a:lnSpc>
+                <a:spcPct val="150000"/>
+              </a:lnSpc>
+              <a:buFont typeface="Arial" panose="020B0604020202020204" pitchFamily="34" charset="0"/>
+              <a:buChar char="•"/>
+            </a:pPr>
+            <a:r>
+              <a:rPr lang="en-IN" sz="1600" dirty="0">
+                <a:solidFill>
+                  <a:srgbClr val="002060"/>
+                </a:solidFill>
+              </a:rPr>
+              <a:t>If we take “related sequences” </a:t>
+            </a:r>
+            <a:r>
+              <a:rPr lang="en-IN" sz="1600" i="1" dirty="0">
+                <a:solidFill>
+                  <a:srgbClr val="002060"/>
+                </a:solidFill>
+              </a:rPr>
+              <a:t>(this is done by constructing a phylogeny of evolutionarily similar RNA)</a:t>
+            </a:r>
+            <a:r>
+              <a:rPr lang="en-IN" sz="1600" dirty="0">
+                <a:solidFill>
+                  <a:srgbClr val="002060"/>
+                </a:solidFill>
+              </a:rPr>
+              <a:t> and align them, even they will have some mutations, the </a:t>
+            </a:r>
+            <a:r>
+              <a:rPr lang="en-IN" sz="1600" b="1" dirty="0">
+                <a:solidFill>
+                  <a:srgbClr val="002060"/>
+                </a:solidFill>
+              </a:rPr>
+              <a:t>secondary structure motifs are likely to be in similar places.</a:t>
+            </a:r>
+          </a:p>
+          <a:p>
+            <a:pPr marL="285750" indent="-285750">
+              <a:lnSpc>
+                <a:spcPct val="150000"/>
+              </a:lnSpc>
+              <a:buFont typeface="Arial" panose="020B0604020202020204" pitchFamily="34" charset="0"/>
+              <a:buChar char="•"/>
+            </a:pPr>
+            <a:r>
+              <a:rPr lang="en-IN" sz="1600" dirty="0">
+                <a:solidFill>
+                  <a:srgbClr val="002060"/>
+                </a:solidFill>
+              </a:rPr>
+              <a:t>We can then find the </a:t>
+            </a:r>
+            <a:r>
+              <a:rPr lang="en-IN" sz="1600" b="1" dirty="0">
+                <a:solidFill>
+                  <a:srgbClr val="002060"/>
+                </a:solidFill>
+              </a:rPr>
+              <a:t>probability of co-occurrences </a:t>
+            </a:r>
+            <a:r>
+              <a:rPr lang="en-IN" sz="1600" dirty="0">
+                <a:solidFill>
+                  <a:srgbClr val="002060"/>
+                </a:solidFill>
+              </a:rPr>
+              <a:t>of different bases and base-pair combinations in loop/stem regions. Using this data under the assumptions of a model known as the </a:t>
+            </a:r>
+            <a:r>
+              <a:rPr lang="en-IN" sz="1600" dirty="0">
+                <a:solidFill>
+                  <a:srgbClr val="7030A0"/>
+                </a:solidFill>
+                <a:hlinkClick r:id="rId2">
+                  <a:extLst>
+                    <a:ext uri="{A12FA001-AC4F-418D-AE19-62706E023703}">
+                      <ahyp:hlinkClr xmlns:ahyp="http://schemas.microsoft.com/office/drawing/2018/hyperlinkcolor" val="tx"/>
+                    </a:ext>
+                  </a:extLst>
+                </a:hlinkClick>
+              </a:rPr>
+              <a:t>General Reversible Model</a:t>
+            </a:r>
+            <a:r>
+              <a:rPr lang="en-IN" sz="1600" dirty="0">
+                <a:solidFill>
+                  <a:srgbClr val="7030A0"/>
+                </a:solidFill>
+              </a:rPr>
+              <a:t>, </a:t>
+            </a:r>
+            <a:r>
+              <a:rPr lang="en-IN" sz="1600" dirty="0">
+                <a:solidFill>
+                  <a:srgbClr val="002060"/>
+                </a:solidFill>
+              </a:rPr>
+              <a:t>we can estimate the mutation rates of one base/ base pair to another.</a:t>
+            </a:r>
+          </a:p>
+          <a:p>
+            <a:pPr marL="285750" indent="-285750">
+              <a:lnSpc>
+                <a:spcPct val="150000"/>
+              </a:lnSpc>
+              <a:buFont typeface="Arial" panose="020B0604020202020204" pitchFamily="34" charset="0"/>
+              <a:buChar char="•"/>
+            </a:pPr>
+            <a:r>
+              <a:rPr lang="en-IN" sz="1600" dirty="0">
+                <a:solidFill>
+                  <a:srgbClr val="002060"/>
+                </a:solidFill>
+              </a:rPr>
+              <a:t>These rates depend on biological likelihood. Especially in paired up bases( stems), </a:t>
+            </a:r>
+            <a:r>
+              <a:rPr lang="en-IN" sz="1600" b="1" dirty="0">
+                <a:solidFill>
+                  <a:srgbClr val="002060"/>
+                </a:solidFill>
+              </a:rPr>
+              <a:t>Transitions (which preserve base pairing) are more common that transversions.</a:t>
+            </a:r>
+          </a:p>
+          <a:p>
+            <a:pPr marL="285750" indent="-285750">
+              <a:lnSpc>
+                <a:spcPct val="150000"/>
+              </a:lnSpc>
+              <a:buFont typeface="Arial" panose="020B0604020202020204" pitchFamily="34" charset="0"/>
+              <a:buChar char="•"/>
+            </a:pPr>
+            <a:endParaRPr lang="en-IN" sz="1600" dirty="0">
+              <a:solidFill>
+                <a:srgbClr val="7030A0"/>
+              </a:solidFill>
+            </a:endParaRPr>
+          </a:p>
+        </p:txBody>
+      </p:sp>
+      <p:sp>
+        <p:nvSpPr>
+          <p:cNvPr id="5" name="Slide Number Placeholder 4">
+            <a:extLst>
+              <a:ext uri="{FF2B5EF4-FFF2-40B4-BE49-F238E27FC236}">
+                <a16:creationId xmlns:a16="http://schemas.microsoft.com/office/drawing/2014/main" id="{9350C69E-8E3B-216F-AF70-9B265C4D49F4}"/>
+              </a:ext>
+            </a:extLst>
+          </p:cNvPr>
+          <p:cNvSpPr>
+            <a:spLocks noGrp="1"/>
+          </p:cNvSpPr>
+          <p:nvPr>
+            <p:ph type="sldNum" sz="quarter" idx="12"/>
+          </p:nvPr>
+        </p:nvSpPr>
+        <p:spPr/>
+        <p:txBody>
+          <a:bodyPr/>
+          <a:lstStyle/>
+          <a:p>
+            <a:fld id="{48F63A3B-78C7-47BE-AE5E-E10140E04643}" type="slidenum">
+              <a:rPr lang="en-US" smtClean="0"/>
+              <a:t>21</a:t>
+            </a:fld>
+            <a:endParaRPr lang="en-US" dirty="0"/>
+          </a:p>
+        </p:txBody>
+      </p:sp>
+      <p:pic>
+        <p:nvPicPr>
+          <p:cNvPr id="4" name="Picture 2" descr="Transition (genetics) - Wikipedia">
+            <a:extLst>
+              <a:ext uri="{FF2B5EF4-FFF2-40B4-BE49-F238E27FC236}">
+                <a16:creationId xmlns:a16="http://schemas.microsoft.com/office/drawing/2014/main" id="{2654C7B1-D882-8A60-4B00-44111D56A219}"/>
+              </a:ext>
+            </a:extLst>
+          </p:cNvPr>
+          <p:cNvPicPr>
+            <a:picLocks noChangeAspect="1" noChangeArrowheads="1"/>
+          </p:cNvPicPr>
+          <p:nvPr/>
+        </p:nvPicPr>
+        <p:blipFill>
+          <a:blip r:embed="rId3">
+            <a:extLst>
+              <a:ext uri="{28A0092B-C50C-407E-A947-70E740481C1C}">
+                <a14:useLocalDpi xmlns:a14="http://schemas.microsoft.com/office/drawing/2010/main" val="0"/>
+              </a:ext>
+            </a:extLst>
+          </a:blip>
+          <a:srcRect/>
+          <a:stretch>
+            <a:fillRect/>
+          </a:stretch>
+        </p:blipFill>
+        <p:spPr bwMode="auto">
+          <a:xfrm>
+            <a:off x="8281307" y="1729114"/>
+            <a:ext cx="3519082" cy="3366588"/>
+          </a:xfrm>
+          <a:prstGeom prst="rect">
+            <a:avLst/>
+          </a:prstGeom>
+          <a:noFill/>
+          <a:extLst>
+            <a:ext uri="{909E8E84-426E-40DD-AFC4-6F175D3DCCD1}">
+              <a14:hiddenFill xmlns:a14="http://schemas.microsoft.com/office/drawing/2010/main">
+                <a:solidFill>
+                  <a:srgbClr val="FFFFFF"/>
+                </a:solidFill>
+              </a14:hiddenFill>
+            </a:ext>
+          </a:extLst>
+        </p:spPr>
+      </p:pic>
+      <p:sp>
+        <p:nvSpPr>
+          <p:cNvPr id="7" name="TextBox 6">
+            <a:extLst>
+              <a:ext uri="{FF2B5EF4-FFF2-40B4-BE49-F238E27FC236}">
+                <a16:creationId xmlns:a16="http://schemas.microsoft.com/office/drawing/2014/main" id="{F8B5FD3A-6A09-0EF4-7732-892B0D606C87}"/>
+              </a:ext>
+            </a:extLst>
+          </p:cNvPr>
+          <p:cNvSpPr txBox="1"/>
+          <p:nvPr/>
+        </p:nvSpPr>
+        <p:spPr>
+          <a:xfrm>
+            <a:off x="8371114" y="5227519"/>
+            <a:ext cx="3429275" cy="1077218"/>
+          </a:xfrm>
+          <a:prstGeom prst="rect">
+            <a:avLst/>
+          </a:prstGeom>
+          <a:noFill/>
+        </p:spPr>
+        <p:txBody>
+          <a:bodyPr wrap="square">
+            <a:spAutoFit/>
+          </a:bodyPr>
+          <a:lstStyle/>
+          <a:p>
+            <a:r>
+              <a:rPr lang="en-IN" sz="1600" b="1" dirty="0">
+                <a:solidFill>
+                  <a:srgbClr val="002060"/>
+                </a:solidFill>
+              </a:rPr>
+              <a:t>Transitions (which preserve base pairing to some extent) are more common that transversions.</a:t>
+            </a:r>
+          </a:p>
+        </p:txBody>
+      </p:sp>
+    </p:spTree>
+    <p:extLst>
+      <p:ext uri="{BB962C8B-B14F-4D97-AF65-F5344CB8AC3E}">
+        <p14:creationId xmlns:p14="http://schemas.microsoft.com/office/powerpoint/2010/main" val="3069527440"/>
+      </p:ext>
+    </p:extLst>
+  </p:cSld>
+  <p:clrMapOvr>
+    <a:masterClrMapping/>
+  </p:clrMapOvr>
+</p:sld>
+</file>
+
+<file path=ppt/slides/slide22.xml><?xml version="1.0" encoding="utf-8"?>
+<p:sld xmlns:a="http://schemas.openxmlformats.org/drawingml/2006/main" xmlns:r="http://schemas.openxmlformats.org/officeDocument/2006/relationships" xmlns:p="http://schemas.openxmlformats.org/presentationml/2006/main" showMasterSp="0">
+  <p:cSld>
+    <p:spTree>
+      <p:nvGrpSpPr>
+        <p:cNvPr id="1" name=""/>
+        <p:cNvGrpSpPr/>
+        <p:nvPr/>
+      </p:nvGrpSpPr>
+      <p:grpSpPr>
+        <a:xfrm>
+          <a:off x="0" y="0"/>
+          <a:ext cx="0" cy="0"/>
+          <a:chOff x="0" y="0"/>
+          <a:chExt cx="0" cy="0"/>
+        </a:xfrm>
+      </p:grpSpPr>
+      <p:sp>
+        <p:nvSpPr>
+          <p:cNvPr id="2" name="Title 1">
+            <a:extLst>
+              <a:ext uri="{FF2B5EF4-FFF2-40B4-BE49-F238E27FC236}">
+                <a16:creationId xmlns:a16="http://schemas.microsoft.com/office/drawing/2014/main" id="{4CA0B847-7060-AB90-BC91-E23597CB3A3E}"/>
+              </a:ext>
+            </a:extLst>
+          </p:cNvPr>
+          <p:cNvSpPr>
+            <a:spLocks noGrp="1"/>
+          </p:cNvSpPr>
+          <p:nvPr>
+            <p:ph type="title"/>
+          </p:nvPr>
+        </p:nvSpPr>
+        <p:spPr>
+          <a:xfrm>
+            <a:off x="259079" y="24311"/>
+            <a:ext cx="10169435" cy="1140098"/>
+          </a:xfrm>
+        </p:spPr>
+        <p:txBody>
+          <a:bodyPr/>
+          <a:lstStyle/>
+          <a:p>
+            <a:r>
+              <a:rPr lang="en-IN" dirty="0">
+                <a:solidFill>
+                  <a:schemeClr val="tx1"/>
+                </a:solidFill>
+              </a:rPr>
+              <a:t>Idea 2: </a:t>
+            </a:r>
+            <a:r>
+              <a:rPr lang="en-IN" sz="2000" dirty="0">
+                <a:solidFill>
+                  <a:schemeClr val="tx1"/>
+                </a:solidFill>
+              </a:rPr>
+              <a:t>for better secondary structure estimation</a:t>
+            </a:r>
+            <a:r>
+              <a:rPr lang="en-IN" sz="2400" dirty="0">
+                <a:solidFill>
+                  <a:schemeClr val="tx1"/>
+                </a:solidFill>
+              </a:rPr>
+              <a:t>:</a:t>
+            </a:r>
+            <a:r>
+              <a:rPr lang="en-IN" dirty="0">
+                <a:solidFill>
+                  <a:schemeClr val="tx1"/>
+                </a:solidFill>
+              </a:rPr>
+              <a:t> </a:t>
+            </a:r>
+            <a:r>
+              <a:rPr lang="en-IN" sz="2800" dirty="0">
+                <a:solidFill>
+                  <a:schemeClr val="tx1"/>
+                </a:solidFill>
+                <a:latin typeface="+mn-lt"/>
+              </a:rPr>
+              <a:t>Using similar sequences</a:t>
+            </a:r>
+            <a:br>
+              <a:rPr lang="en-IN" sz="2800" dirty="0">
+                <a:solidFill>
+                  <a:schemeClr val="tx1"/>
+                </a:solidFill>
+                <a:latin typeface="+mn-lt"/>
+              </a:rPr>
+            </a:br>
+            <a:endParaRPr lang="en-IN" dirty="0">
+              <a:solidFill>
+                <a:schemeClr val="tx1"/>
+              </a:solidFill>
+              <a:latin typeface="+mn-lt"/>
+            </a:endParaRPr>
+          </a:p>
+        </p:txBody>
+      </p:sp>
+      <p:sp>
+        <p:nvSpPr>
+          <p:cNvPr id="5" name="Slide Number Placeholder 4">
+            <a:extLst>
+              <a:ext uri="{FF2B5EF4-FFF2-40B4-BE49-F238E27FC236}">
+                <a16:creationId xmlns:a16="http://schemas.microsoft.com/office/drawing/2014/main" id="{9350C69E-8E3B-216F-AF70-9B265C4D49F4}"/>
+              </a:ext>
+            </a:extLst>
+          </p:cNvPr>
+          <p:cNvSpPr>
+            <a:spLocks noGrp="1"/>
+          </p:cNvSpPr>
+          <p:nvPr>
+            <p:ph type="sldNum" sz="quarter" idx="12"/>
+          </p:nvPr>
+        </p:nvSpPr>
+        <p:spPr/>
+        <p:txBody>
+          <a:bodyPr/>
+          <a:lstStyle/>
+          <a:p>
+            <a:fld id="{48F63A3B-78C7-47BE-AE5E-E10140E04643}" type="slidenum">
+              <a:rPr lang="en-US" smtClean="0"/>
+              <a:t>22</a:t>
+            </a:fld>
+            <a:endParaRPr lang="en-US" dirty="0"/>
+          </a:p>
+        </p:txBody>
+      </p:sp>
+      <p:pic>
+        <p:nvPicPr>
+          <p:cNvPr id="4" name="Picture 2" descr="Transition (genetics) - Wikipedia">
+            <a:extLst>
+              <a:ext uri="{FF2B5EF4-FFF2-40B4-BE49-F238E27FC236}">
+                <a16:creationId xmlns:a16="http://schemas.microsoft.com/office/drawing/2014/main" id="{2654C7B1-D882-8A60-4B00-44111D56A219}"/>
+              </a:ext>
+            </a:extLst>
+          </p:cNvPr>
+          <p:cNvPicPr>
+            <a:picLocks noChangeAspect="1" noChangeArrowheads="1"/>
+          </p:cNvPicPr>
+          <p:nvPr/>
+        </p:nvPicPr>
+        <p:blipFill>
+          <a:blip r:embed="rId2">
+            <a:extLst>
+              <a:ext uri="{28A0092B-C50C-407E-A947-70E740481C1C}">
+                <a14:useLocalDpi xmlns:a14="http://schemas.microsoft.com/office/drawing/2010/main" val="0"/>
+              </a:ext>
+            </a:extLst>
+          </a:blip>
+          <a:srcRect/>
+          <a:stretch>
+            <a:fillRect/>
+          </a:stretch>
+        </p:blipFill>
+        <p:spPr bwMode="auto">
+          <a:xfrm>
+            <a:off x="8281307" y="1729114"/>
+            <a:ext cx="3519082" cy="3366588"/>
+          </a:xfrm>
+          <a:prstGeom prst="rect">
+            <a:avLst/>
+          </a:prstGeom>
+          <a:noFill/>
+          <a:extLst>
+            <a:ext uri="{909E8E84-426E-40DD-AFC4-6F175D3DCCD1}">
+              <a14:hiddenFill xmlns:a14="http://schemas.microsoft.com/office/drawing/2010/main">
+                <a:solidFill>
+                  <a:srgbClr val="FFFFFF"/>
+                </a:solidFill>
+              </a14:hiddenFill>
+            </a:ext>
+          </a:extLst>
+        </p:spPr>
+      </p:pic>
+      <p:sp>
+        <p:nvSpPr>
+          <p:cNvPr id="7" name="TextBox 6">
+            <a:extLst>
+              <a:ext uri="{FF2B5EF4-FFF2-40B4-BE49-F238E27FC236}">
+                <a16:creationId xmlns:a16="http://schemas.microsoft.com/office/drawing/2014/main" id="{F8B5FD3A-6A09-0EF4-7732-892B0D606C87}"/>
+              </a:ext>
+            </a:extLst>
+          </p:cNvPr>
+          <p:cNvSpPr txBox="1"/>
+          <p:nvPr/>
+        </p:nvSpPr>
+        <p:spPr>
+          <a:xfrm>
+            <a:off x="8371114" y="5227519"/>
+            <a:ext cx="3429275" cy="1323439"/>
+          </a:xfrm>
+          <a:prstGeom prst="rect">
+            <a:avLst/>
+          </a:prstGeom>
+          <a:noFill/>
+        </p:spPr>
+        <p:txBody>
+          <a:bodyPr wrap="square">
+            <a:spAutoFit/>
+          </a:bodyPr>
+          <a:lstStyle/>
+          <a:p>
+            <a:r>
+              <a:rPr lang="en-IN" sz="1600" b="1" dirty="0">
+                <a:solidFill>
+                  <a:srgbClr val="002060"/>
+                </a:solidFill>
+              </a:rPr>
+              <a:t>Transitions (which preserve base pairing to some extent) are more common that transversions in paired-up bases.</a:t>
+            </a:r>
+          </a:p>
+        </p:txBody>
+      </p:sp>
+      <p:pic>
+        <p:nvPicPr>
+          <p:cNvPr id="8" name="Picture 7">
+            <a:extLst>
+              <a:ext uri="{FF2B5EF4-FFF2-40B4-BE49-F238E27FC236}">
+                <a16:creationId xmlns:a16="http://schemas.microsoft.com/office/drawing/2014/main" id="{043D935C-F9F5-6FAC-A1CA-41B81F64529D}"/>
+              </a:ext>
+            </a:extLst>
+          </p:cNvPr>
+          <p:cNvPicPr>
+            <a:picLocks noChangeAspect="1"/>
+          </p:cNvPicPr>
+          <p:nvPr/>
+        </p:nvPicPr>
+        <p:blipFill>
+          <a:blip r:embed="rId3"/>
+          <a:stretch>
+            <a:fillRect/>
+          </a:stretch>
+        </p:blipFill>
+        <p:spPr>
+          <a:xfrm>
+            <a:off x="391611" y="1530252"/>
+            <a:ext cx="3748405" cy="1779005"/>
+          </a:xfrm>
+          <a:prstGeom prst="rect">
+            <a:avLst/>
+          </a:prstGeom>
+        </p:spPr>
+      </p:pic>
+      <p:pic>
+        <p:nvPicPr>
+          <p:cNvPr id="10" name="Picture 9">
+            <a:extLst>
+              <a:ext uri="{FF2B5EF4-FFF2-40B4-BE49-F238E27FC236}">
+                <a16:creationId xmlns:a16="http://schemas.microsoft.com/office/drawing/2014/main" id="{F1C13316-E510-C2FD-066E-A88710F21CA7}"/>
+              </a:ext>
+            </a:extLst>
+          </p:cNvPr>
+          <p:cNvPicPr>
+            <a:picLocks noChangeAspect="1"/>
+          </p:cNvPicPr>
+          <p:nvPr/>
+        </p:nvPicPr>
+        <p:blipFill>
+          <a:blip r:embed="rId4"/>
+          <a:stretch>
+            <a:fillRect/>
+          </a:stretch>
+        </p:blipFill>
+        <p:spPr>
+          <a:xfrm>
+            <a:off x="4294357" y="1597298"/>
+            <a:ext cx="3678268" cy="1751286"/>
+          </a:xfrm>
+          <a:prstGeom prst="rect">
+            <a:avLst/>
+          </a:prstGeom>
+        </p:spPr>
+      </p:pic>
+      <p:sp>
+        <p:nvSpPr>
+          <p:cNvPr id="11" name="Content Placeholder 11">
+            <a:extLst>
+              <a:ext uri="{FF2B5EF4-FFF2-40B4-BE49-F238E27FC236}">
+                <a16:creationId xmlns:a16="http://schemas.microsoft.com/office/drawing/2014/main" id="{14851518-829C-C49B-78E0-5D908ECBC275}"/>
+              </a:ext>
+            </a:extLst>
+          </p:cNvPr>
+          <p:cNvSpPr txBox="1">
+            <a:spLocks/>
+          </p:cNvSpPr>
+          <p:nvPr/>
+        </p:nvSpPr>
+        <p:spPr>
+          <a:xfrm>
+            <a:off x="223181" y="3548744"/>
+            <a:ext cx="7903785" cy="3162541"/>
+          </a:xfrm>
+          <a:prstGeom prst="rect">
+            <a:avLst/>
+          </a:prstGeom>
+        </p:spPr>
+        <p:txBody>
+          <a:bodyPr/>
+          <a:lstStyle>
+            <a:lvl1pPr marL="347472" indent="-347472" algn="l" defTabSz="914400" rtl="0" eaLnBrk="1" latinLnBrk="0" hangingPunct="1">
+              <a:lnSpc>
+                <a:spcPct val="100000"/>
+              </a:lnSpc>
+              <a:spcBef>
+                <a:spcPts val="360"/>
+              </a:spcBef>
+              <a:buFont typeface="Arial" panose="020B0604020202020204" pitchFamily="34" charset="0"/>
+              <a:buChar char="•"/>
+              <a:defRPr sz="2800" kern="1200">
+                <a:solidFill>
+                  <a:schemeClr val="accent6"/>
+                </a:solidFill>
+                <a:latin typeface="+mn-lt"/>
+                <a:ea typeface="+mn-ea"/>
+                <a:cs typeface="+mn-cs"/>
+              </a:defRPr>
+            </a:lvl1pPr>
+            <a:lvl2pPr marL="685800" indent="-347472" algn="l" defTabSz="914400" rtl="0" eaLnBrk="1" latinLnBrk="0" hangingPunct="1">
+              <a:lnSpc>
+                <a:spcPct val="100000"/>
+              </a:lnSpc>
+              <a:spcBef>
+                <a:spcPts val="360"/>
+              </a:spcBef>
+              <a:buFont typeface="Arial" panose="020B0604020202020204" pitchFamily="34" charset="0"/>
+              <a:buChar char="•"/>
+              <a:defRPr sz="2400" kern="1200">
+                <a:solidFill>
+                  <a:schemeClr val="accent6"/>
+                </a:solidFill>
+                <a:latin typeface="+mn-lt"/>
+                <a:ea typeface="+mn-ea"/>
+                <a:cs typeface="+mn-cs"/>
+              </a:defRPr>
+            </a:lvl2pPr>
+            <a:lvl3pPr marL="1143000" indent="-347472" algn="l" defTabSz="914400" rtl="0" eaLnBrk="1" latinLnBrk="0" hangingPunct="1">
+              <a:lnSpc>
+                <a:spcPct val="100000"/>
+              </a:lnSpc>
+              <a:spcBef>
+                <a:spcPts val="360"/>
+              </a:spcBef>
+              <a:buFont typeface="Arial" panose="020B0604020202020204" pitchFamily="34" charset="0"/>
+              <a:buChar char="•"/>
+              <a:defRPr sz="2000" kern="1200">
+                <a:solidFill>
+                  <a:schemeClr val="accent6"/>
+                </a:solidFill>
+                <a:latin typeface="+mn-lt"/>
+                <a:ea typeface="+mn-ea"/>
+                <a:cs typeface="+mn-cs"/>
+              </a:defRPr>
+            </a:lvl3pPr>
+            <a:lvl4pPr marL="1600200" indent="-347472" algn="l" defTabSz="914400" rtl="0" eaLnBrk="1" latinLnBrk="0" hangingPunct="1">
+              <a:lnSpc>
+                <a:spcPct val="100000"/>
+              </a:lnSpc>
+              <a:spcBef>
+                <a:spcPts val="360"/>
+              </a:spcBef>
+              <a:buFont typeface="Arial" panose="020B0604020202020204" pitchFamily="34" charset="0"/>
+              <a:buChar char="•"/>
+              <a:defRPr sz="1800" kern="1200">
+                <a:solidFill>
+                  <a:schemeClr val="accent6"/>
+                </a:solidFill>
+                <a:latin typeface="+mn-lt"/>
+                <a:ea typeface="+mn-ea"/>
+                <a:cs typeface="+mn-cs"/>
+              </a:defRPr>
+            </a:lvl4pPr>
+            <a:lvl5pPr marL="2057400" indent="-347472" algn="l" defTabSz="914400" rtl="0" eaLnBrk="1" latinLnBrk="0" hangingPunct="1">
+              <a:lnSpc>
+                <a:spcPct val="100000"/>
+              </a:lnSpc>
+              <a:spcBef>
+                <a:spcPts val="360"/>
+              </a:spcBef>
+              <a:buFont typeface="Arial" panose="020B0604020202020204" pitchFamily="34" charset="0"/>
+              <a:buChar char="•"/>
+              <a:defRPr sz="1800" kern="1200">
+                <a:solidFill>
+                  <a:schemeClr val="accent6"/>
+                </a:solidFill>
+                <a:latin typeface="+mn-lt"/>
+                <a:ea typeface="+mn-ea"/>
+                <a:cs typeface="+mn-cs"/>
+              </a:defRPr>
+            </a:lvl5pPr>
+            <a:lvl6pPr marL="2514600" indent="-228600" algn="l" defTabSz="914400" rtl="0" eaLnBrk="1" latinLnBrk="0" hangingPunct="1">
+              <a:lnSpc>
+                <a:spcPct val="90000"/>
+              </a:lnSpc>
+              <a:spcBef>
+                <a:spcPts val="500"/>
+              </a:spcBef>
+              <a:buFont typeface="Arial" panose="020B0604020202020204" pitchFamily="34" charset="0"/>
+              <a:buChar char="•"/>
+              <a:defRPr sz="1800" kern="1200">
+                <a:solidFill>
+                  <a:schemeClr val="tx1"/>
+                </a:solidFill>
+                <a:latin typeface="+mn-lt"/>
+                <a:ea typeface="+mn-ea"/>
+                <a:cs typeface="+mn-cs"/>
+              </a:defRPr>
+            </a:lvl6pPr>
+            <a:lvl7pPr marL="2971800" indent="-228600" algn="l" defTabSz="914400" rtl="0" eaLnBrk="1" latinLnBrk="0" hangingPunct="1">
+              <a:lnSpc>
+                <a:spcPct val="90000"/>
+              </a:lnSpc>
+              <a:spcBef>
+                <a:spcPts val="500"/>
+              </a:spcBef>
+              <a:buFont typeface="Arial" panose="020B0604020202020204" pitchFamily="34" charset="0"/>
+              <a:buChar char="•"/>
+              <a:defRPr sz="1800" kern="1200">
+                <a:solidFill>
+                  <a:schemeClr val="tx1"/>
+                </a:solidFill>
+                <a:latin typeface="+mn-lt"/>
+                <a:ea typeface="+mn-ea"/>
+                <a:cs typeface="+mn-cs"/>
+              </a:defRPr>
+            </a:lvl7pPr>
+            <a:lvl8pPr marL="3429000" indent="-228600" algn="l" defTabSz="914400" rtl="0" eaLnBrk="1" latinLnBrk="0" hangingPunct="1">
+              <a:lnSpc>
+                <a:spcPct val="90000"/>
+              </a:lnSpc>
+              <a:spcBef>
+                <a:spcPts val="500"/>
+              </a:spcBef>
+              <a:buFont typeface="Arial" panose="020B0604020202020204" pitchFamily="34" charset="0"/>
+              <a:buChar char="•"/>
+              <a:defRPr sz="1800" kern="1200">
+                <a:solidFill>
+                  <a:schemeClr val="tx1"/>
+                </a:solidFill>
+                <a:latin typeface="+mn-lt"/>
+                <a:ea typeface="+mn-ea"/>
+                <a:cs typeface="+mn-cs"/>
+              </a:defRPr>
+            </a:lvl8pPr>
+            <a:lvl9pPr marL="3886200" indent="-228600" algn="l" defTabSz="914400" rtl="0" eaLnBrk="1" latinLnBrk="0" hangingPunct="1">
+              <a:lnSpc>
+                <a:spcPct val="90000"/>
+              </a:lnSpc>
+              <a:spcBef>
+                <a:spcPts val="500"/>
+              </a:spcBef>
+              <a:buFont typeface="Arial" panose="020B0604020202020204" pitchFamily="34" charset="0"/>
+              <a:buChar char="•"/>
+              <a:defRPr sz="1800" kern="1200">
+                <a:solidFill>
+                  <a:schemeClr val="tx1"/>
+                </a:solidFill>
+                <a:latin typeface="+mn-lt"/>
+                <a:ea typeface="+mn-ea"/>
+                <a:cs typeface="+mn-cs"/>
+              </a:defRPr>
+            </a:lvl9pPr>
+          </a:lstStyle>
+          <a:p>
+            <a:r>
+              <a:rPr lang="en-US" sz="1800" dirty="0"/>
+              <a:t>The mutation rates are different for loops and stems  because of base pairing. (These parameters can again be learnt from biological data)</a:t>
+            </a:r>
+          </a:p>
+          <a:p>
+            <a:r>
+              <a:rPr lang="en-US" sz="1800" dirty="0"/>
+              <a:t>Therefore, we take multiple related RNA sequence, align them and then estimate mutation rates; use this to estimate structure before</a:t>
+            </a:r>
+          </a:p>
+          <a:p>
+            <a:r>
+              <a:rPr lang="en-US" sz="1800" dirty="0"/>
+              <a:t>This can be incorporated with the </a:t>
+            </a:r>
+            <a:r>
+              <a:rPr lang="en-US" sz="1800" b="1" dirty="0"/>
+              <a:t>CYK algorithm in a Bayesian fashion </a:t>
+            </a:r>
+            <a:r>
+              <a:rPr lang="en-US" sz="1800" dirty="0"/>
+              <a:t>(details will be skipped here) to give better results.</a:t>
+            </a:r>
+          </a:p>
+        </p:txBody>
+      </p:sp>
+    </p:spTree>
+    <p:extLst>
+      <p:ext uri="{BB962C8B-B14F-4D97-AF65-F5344CB8AC3E}">
+        <p14:creationId xmlns:p14="http://schemas.microsoft.com/office/powerpoint/2010/main" val="460212330"/>
+      </p:ext>
+    </p:extLst>
+  </p:cSld>
+  <p:clrMapOvr>
+    <a:masterClrMapping/>
+  </p:clrMapOvr>
+</p:sld>
+</file>
+
+<file path=ppt/slides/slide23.xml><?xml version="1.0" encoding="utf-8"?>
 <p:sld xmlns:a="http://schemas.openxmlformats.org/drawingml/2006/main" xmlns:r="http://schemas.openxmlformats.org/officeDocument/2006/relationships" xmlns:p="http://schemas.openxmlformats.org/presentationml/2006/main">
   <p:cSld>
     <p:spTree>
@@ -35410,7 +38744,7 @@
         <p:spPr>
           <a:xfrm>
             <a:off x="3889248" y="1872488"/>
-            <a:ext cx="6766560" cy="2700528"/>
+            <a:ext cx="4362123" cy="2700528"/>
           </a:xfrm>
         </p:spPr>
         <p:txBody>
@@ -35433,19 +38767,9 @@
             </a:pPr>
             <a:r>
               <a:rPr lang="en-IN" sz="1800" dirty="0"/>
-              <a:t>Will finish implementation and show its results in the report (Or present for about 5 minutes on Monday, if that’s possible)</a:t>
+              <a:t>Will finish implementation and show its results in the report </a:t>
             </a:r>
             <a:endParaRPr lang="en-IN" sz="1600" dirty="0"/>
-          </a:p>
-          <a:p>
-            <a:pPr marL="285750" indent="-285750">
-              <a:buFont typeface="Arial" panose="020B0604020202020204" pitchFamily="34" charset="0"/>
-              <a:buChar char="•"/>
-            </a:pPr>
-            <a:r>
-              <a:rPr lang="en-IN" sz="1600" dirty="0"/>
-              <a:t>Small code demo?</a:t>
-            </a:r>
           </a:p>
         </p:txBody>
       </p:sp>
@@ -35472,7 +38796,7 @@
           <a:p>
             <a:fld id="{48F63A3B-78C7-47BE-AE5E-E10140E04643}" type="slidenum">
               <a:rPr lang="en-US" smtClean="0"/>
-              <a:t>20</a:t>
+              <a:t>23</a:t>
             </a:fld>
             <a:endParaRPr lang="en-US" dirty="0"/>
           </a:p>
@@ -35500,8 +38824,38 @@
         </p:blipFill>
         <p:spPr>
           <a:xfrm>
-            <a:off x="3993807" y="3931636"/>
+            <a:off x="3813400" y="4166183"/>
             <a:ext cx="6842408" cy="2700527"/>
+          </a:xfrm>
+          <a:prstGeom prst="rect">
+            <a:avLst/>
+          </a:prstGeom>
+        </p:spPr>
+      </p:pic>
+      <p:pic>
+        <p:nvPicPr>
+          <p:cNvPr id="6" name="Picture 5">
+            <a:extLst>
+              <a:ext uri="{FF2B5EF4-FFF2-40B4-BE49-F238E27FC236}">
+                <a16:creationId xmlns:a16="http://schemas.microsoft.com/office/drawing/2014/main" id="{23A702E6-BC01-9F6A-B7EB-78DF59F6BDCB}"/>
+              </a:ext>
+            </a:extLst>
+          </p:cNvPr>
+          <p:cNvPicPr>
+            <a:picLocks noChangeAspect="1"/>
+          </p:cNvPicPr>
+          <p:nvPr/>
+        </p:nvPicPr>
+        <p:blipFill>
+          <a:blip r:embed="rId3"/>
+          <a:stretch>
+            <a:fillRect/>
+          </a:stretch>
+        </p:blipFill>
+        <p:spPr>
+          <a:xfrm>
+            <a:off x="8756117" y="1393963"/>
+            <a:ext cx="3065211" cy="3476744"/>
           </a:xfrm>
           <a:prstGeom prst="rect">
             <a:avLst/>
@@ -35521,7 +38875,7 @@
 </p:sld>
 </file>
 
-<file path=ppt/slides/slide21.xml><?xml version="1.0" encoding="utf-8"?>
+<file path=ppt/slides/slide24.xml><?xml version="1.0" encoding="utf-8"?>
 <p:sld xmlns:a="http://schemas.openxmlformats.org/drawingml/2006/main" xmlns:r="http://schemas.openxmlformats.org/officeDocument/2006/relationships" xmlns:p="http://schemas.openxmlformats.org/presentationml/2006/main">
   <p:cSld>
     <p:spTree>
@@ -35554,7 +38908,12 @@
             <p:ph type="ctrTitle"/>
           </p:nvPr>
         </p:nvSpPr>
-        <p:spPr/>
+        <p:spPr>
+          <a:xfrm>
+            <a:off x="1725799" y="1147789"/>
+            <a:ext cx="4169664" cy="667512"/>
+          </a:xfrm>
+        </p:spPr>
         <p:txBody>
           <a:bodyPr/>
           <a:lstStyle/>
@@ -35584,20 +38943,22 @@
         </p:nvSpPr>
         <p:spPr>
           <a:xfrm>
-            <a:off x="1545335" y="2846832"/>
-            <a:ext cx="5760239" cy="3688722"/>
+            <a:off x="315687" y="2059806"/>
+            <a:ext cx="6989888" cy="4253907"/>
           </a:xfrm>
         </p:spPr>
         <p:txBody>
           <a:bodyPr/>
           <a:lstStyle/>
           <a:p>
+            <a:pPr algn="ctr"/>
             <a:r>
               <a:rPr lang="en-US" dirty="0"/>
               <a:t>Sudhanshu B</a:t>
             </a:r>
           </a:p>
           <a:p>
+            <a:pPr algn="ctr"/>
             <a:r>
               <a:rPr lang="en-US" dirty="0">
                 <a:hlinkClick r:id="rId2"/>
@@ -35618,15 +38979,26 @@
               <a:buChar char="•"/>
             </a:pPr>
             <a:r>
-              <a:rPr lang="en-US" sz="1800" i="1" dirty="0"/>
+              <a:rPr lang="en-US" sz="1600" dirty="0"/>
+              <a:t>Knudsen, B., &amp; Hein, J. (1999). RNA secondary structure prediction using stochastic context-free grammars and evolutionary history. In Bioinformatics (Vol. 15, Issue 6, pp. 446–454). Oxford University Press (OUP). https://doi.org/10.1093/bioinformatics/15.6.446 </a:t>
+            </a:r>
+            <a:endParaRPr lang="en-US" sz="2000" i="1" dirty="0"/>
+          </a:p>
+          <a:p>
+            <a:pPr marL="285750" indent="-285750">
+              <a:buFont typeface="Arial" panose="020B0604020202020204" pitchFamily="34" charset="0"/>
+              <a:buChar char="•"/>
+            </a:pPr>
+            <a:r>
+              <a:rPr lang="en-US" sz="1600" i="1" dirty="0"/>
               <a:t>Bjarne Knudsen and Jotun Hein. </a:t>
             </a:r>
             <a:r>
-              <a:rPr lang="en-US" sz="1800" i="1" dirty="0" err="1"/>
+              <a:rPr lang="en-US" sz="1600" i="1" dirty="0" err="1"/>
               <a:t>Pfold</a:t>
             </a:r>
             <a:r>
-              <a:rPr lang="en-US" sz="1800" i="1" dirty="0"/>
+              <a:rPr lang="en-US" sz="1600" i="1" dirty="0"/>
               <a:t>: RNA secondary structure pre-diction using stochastic context-free grammars. Nucleic Acids Research,31(13):3423–3428, 07 2003</a:t>
             </a:r>
           </a:p>
@@ -35636,22 +39008,22 @@
               <a:buChar char="•"/>
             </a:pPr>
             <a:r>
-              <a:rPr lang="en-US" sz="1800" i="1" dirty="0"/>
+              <a:rPr lang="en-US" sz="1600" i="1" dirty="0"/>
               <a:t> Several figures have been borrowed from </a:t>
             </a:r>
             <a:r>
-              <a:rPr lang="en-IN" sz="1800" i="1" dirty="0"/>
+              <a:rPr lang="en-IN" sz="1600" i="1" dirty="0"/>
               <a:t>Andrew McCallum and Anthony </a:t>
             </a:r>
             <a:r>
-              <a:rPr lang="en-IN" sz="1800" i="1" dirty="0" err="1"/>
+              <a:rPr lang="en-IN" sz="1600" i="1" dirty="0" err="1"/>
               <a:t>Gitter</a:t>
             </a:r>
             <a:r>
-              <a:rPr lang="en-IN" sz="1800" i="1" dirty="0"/>
-              <a:t> slides]</a:t>
+              <a:rPr lang="en-IN" sz="1600" i="1" dirty="0"/>
+              <a:t> slides</a:t>
             </a:r>
-            <a:endParaRPr lang="en-US" sz="1800" i="1" dirty="0"/>
+            <a:endParaRPr lang="en-US" sz="1600" i="1" dirty="0"/>
           </a:p>
         </p:txBody>
       </p:sp>
@@ -37019,8 +40391,8 @@
           </a:p>
         </p:txBody>
       </p:sp>
-      <mc:AlternateContent xmlns:mc="http://schemas.openxmlformats.org/markup-compatibility/2006" xmlns:a14="http://schemas.microsoft.com/office/drawing/2010/main">
-        <mc:Choice Requires="a14">
+      <mc:AlternateContent xmlns:mc="http://schemas.openxmlformats.org/markup-compatibility/2006">
+        <mc:Choice xmlns:a14="http://schemas.microsoft.com/office/drawing/2010/main" Requires="a14">
           <p:sp>
             <p:nvSpPr>
               <p:cNvPr id="4" name="Text Placeholder 3">
@@ -37677,7 +41049,7 @@
                   <a:t> </a:t>
                 </a:r>
                 <a:r>
-                  <a:rPr lang="en-US" sz="1800" dirty="0">
+                  <a:rPr lang="en-US" sz="1800" b="1" dirty="0">
                     <a:solidFill>
                       <a:schemeClr val="tx1">
                         <a:lumMod val="95000"/>
@@ -37688,7 +41060,7 @@
                   <a:t>non-terminals to strings </a:t>
                 </a:r>
                 <a:r>
-                  <a:rPr lang="en-US" sz="2000" dirty="0">
+                  <a:rPr lang="en-US" sz="2000" b="1" dirty="0">
                     <a:solidFill>
                       <a:schemeClr val="tx1">
                         <a:lumMod val="95000"/>
@@ -37701,7 +41073,7 @@
                 <a14:m>
                   <m:oMath xmlns:m="http://schemas.openxmlformats.org/officeDocument/2006/math">
                     <m:r>
-                      <a:rPr lang="en-IN" sz="2000" b="0" i="1" smtClean="0">
+                      <a:rPr lang="en-IN" sz="2000" b="1" i="1" smtClean="0">
                         <a:solidFill>
                           <a:schemeClr val="tx1">
                             <a:lumMod val="95000"/>
@@ -37714,7 +41086,7 @@
                       <m:t>→</m:t>
                     </m:r>
                     <m:r>
-                      <a:rPr lang="en-IN" sz="2000" b="0" i="1" smtClean="0">
+                      <a:rPr lang="en-IN" sz="2000" b="1" i="1" smtClean="0">
                         <a:solidFill>
                           <a:schemeClr val="tx1">
                             <a:lumMod val="95000"/>
@@ -37724,10 +41096,10 @@
                         <a:latin typeface="Cambria Math" panose="02040503050406030204" pitchFamily="18" charset="0"/>
                         <a:ea typeface="Cambria Math" panose="02040503050406030204" pitchFamily="18" charset="0"/>
                       </a:rPr>
-                      <m:t>𝑤</m:t>
+                      <m:t>𝒘</m:t>
                     </m:r>
                     <m:r>
-                      <a:rPr lang="en-IN" sz="2000" b="0" i="1" smtClean="0">
+                      <a:rPr lang="en-IN" sz="2000" b="1" i="1" smtClean="0">
                         <a:solidFill>
                           <a:schemeClr val="tx1">
                             <a:lumMod val="95000"/>
@@ -37740,7 +41112,7 @@
                       <m:t> (</m:t>
                     </m:r>
                     <m:r>
-                      <a:rPr lang="en-IN" sz="2000" b="0" i="1" smtClean="0">
+                      <a:rPr lang="en-IN" sz="2000" b="1" i="1" smtClean="0">
                         <a:solidFill>
                           <a:schemeClr val="tx1">
                             <a:lumMod val="95000"/>
@@ -37749,10 +41121,10 @@
                         </a:solidFill>
                         <a:latin typeface="Cambria Math" panose="02040503050406030204" pitchFamily="18" charset="0"/>
                       </a:rPr>
-                      <m:t>𝑎</m:t>
+                      <m:t>𝒂</m:t>
                     </m:r>
                     <m:r>
-                      <a:rPr lang="en-IN" sz="2000" b="0" i="1" smtClean="0">
+                      <a:rPr lang="en-IN" sz="2000" b="1" i="1" smtClean="0">
                         <a:solidFill>
                           <a:schemeClr val="tx1">
                             <a:lumMod val="95000"/>
@@ -37764,7 +41136,7 @@
                       <m:t>∈</m:t>
                     </m:r>
                     <m:r>
-                      <a:rPr lang="en-IN" sz="2000" b="0" i="1" smtClean="0">
+                      <a:rPr lang="en-IN" sz="2000" b="1" i="1" smtClean="0">
                         <a:solidFill>
                           <a:schemeClr val="tx1">
                             <a:lumMod val="95000"/>
@@ -37773,10 +41145,10 @@
                         </a:solidFill>
                         <a:latin typeface="Cambria Math" panose="02040503050406030204" pitchFamily="18" charset="0"/>
                       </a:rPr>
-                      <m:t>𝑁</m:t>
+                      <m:t>𝑵</m:t>
                     </m:r>
                     <m:r>
-                      <a:rPr lang="en-IN" sz="2000" b="0" i="1" smtClean="0">
+                      <a:rPr lang="en-IN" sz="2000" b="1" i="1" smtClean="0">
                         <a:solidFill>
                           <a:schemeClr val="tx1">
                             <a:lumMod val="95000"/>
@@ -37790,7 +41162,7 @@
                   </m:oMath>
                 </a14:m>
                 <a:br>
-                  <a:rPr lang="en-US" sz="1400" i="1" dirty="0"/>
+                  <a:rPr lang="en-US" sz="1400" b="1" i="1" dirty="0"/>
                 </a:br>
                 <a:r>
                   <a:rPr lang="en-US" sz="1800" dirty="0"/>
@@ -38078,7 +41450,7 @@
             </p:txBody>
           </p:sp>
         </mc:Choice>
-        <mc:Fallback xmlns="">
+        <mc:Fallback>
           <p:sp>
             <p:nvSpPr>
               <p:cNvPr id="4" name="Text Placeholder 3">
